--- a/23-svg-low-poly-transform/23.pptx
+++ b/23-svg-low-poly-transform/23.pptx
@@ -5,7 +5,7 @@
     <p:sldMasterId id="2147483648" r:id="rId1"/>
   </p:sldMasterIdLst>
   <p:notesMasterIdLst>
-    <p:notesMasterId r:id="rId28"/>
+    <p:notesMasterId r:id="rId29"/>
   </p:notesMasterIdLst>
   <p:sldIdLst>
     <p:sldId id="256" r:id="rId2"/>
@@ -33,7 +33,8 @@
     <p:sldId id="476" r:id="rId24"/>
     <p:sldId id="477" r:id="rId25"/>
     <p:sldId id="478" r:id="rId26"/>
-    <p:sldId id="345" r:id="rId27"/>
+    <p:sldId id="479" r:id="rId27"/>
+    <p:sldId id="345" r:id="rId28"/>
   </p:sldIdLst>
   <p:sldSz cx="9144000" cy="6858000" type="screen4x3"/>
   <p:notesSz cx="6858000" cy="9144000"/>
@@ -12455,7 +12456,7 @@
         <p:spPr>
           <a:xfrm>
             <a:off x="684000" y="116632"/>
-            <a:ext cx="7776000" cy="1754326"/>
+            <a:ext cx="7776000" cy="3877985"/>
           </a:xfrm>
           <a:prstGeom prst="rect">
             <a:avLst/>
@@ -12517,19 +12518,395 @@
               </a:lnSpc>
             </a:pPr>
             <a:r>
-              <a:rPr lang="zh-CN" altLang="en-US" sz="2400" smtClean="0">
-                <a:solidFill>
-                  <a:schemeClr val="tx1">
-                    <a:lumMod val="75000"/>
-                    <a:lumOff val="25000"/>
-                  </a:schemeClr>
-                </a:solidFill>
-                <a:latin typeface="微软雅黑" pitchFamily="34" charset="-122"/>
-                <a:ea typeface="微软雅黑" pitchFamily="34" charset="-122"/>
-              </a:rPr>
-              <a:t>动画插值就是根据动画初始值和结束数值之间，计算一个数值，</a:t>
+              <a:rPr lang="zh-CN" altLang="en-US" sz="2400" dirty="0" smtClean="0">
+                <a:solidFill>
+                  <a:schemeClr val="tx1">
+                    <a:lumMod val="75000"/>
+                    <a:lumOff val="25000"/>
+                  </a:schemeClr>
+                </a:solidFill>
+                <a:latin typeface="微软雅黑" pitchFamily="34" charset="-122"/>
+                <a:ea typeface="微软雅黑" pitchFamily="34" charset="-122"/>
+              </a:rPr>
+              <a:t>动画插值就是在动画初始值和结束数值之间，计算一个数值，这是数据根据动画运行时间和持续总时间计算，如果是先行插值，</a:t>
             </a:r>
             <a:endParaRPr lang="en-US" altLang="zh-CN" sz="2400" dirty="0" smtClean="0">
+              <a:solidFill>
+                <a:schemeClr val="tx1">
+                  <a:lumMod val="75000"/>
+                  <a:lumOff val="25000"/>
+                </a:schemeClr>
+              </a:solidFill>
+              <a:latin typeface="微软雅黑" pitchFamily="34" charset="-122"/>
+              <a:ea typeface="微软雅黑" pitchFamily="34" charset="-122"/>
+            </a:endParaRPr>
+          </a:p>
+          <a:p>
+            <a:pPr algn="ctr">
+              <a:lnSpc>
+                <a:spcPct val="150000"/>
+              </a:lnSpc>
+            </a:pPr>
+            <a:r>
+              <a:rPr lang="zh-CN" altLang="en-US" sz="2000" dirty="0" smtClean="0">
+                <a:solidFill>
+                  <a:schemeClr val="tx1">
+                    <a:lumMod val="75000"/>
+                    <a:lumOff val="25000"/>
+                  </a:schemeClr>
+                </a:solidFill>
+                <a:latin typeface="微软雅黑" pitchFamily="34" charset="-122"/>
+                <a:ea typeface="微软雅黑" pitchFamily="34" charset="-122"/>
+              </a:rPr>
+              <a:t>运行时间</a:t>
+            </a:r>
+            <a:r>
+              <a:rPr lang="en-US" altLang="zh-CN" sz="2000" dirty="0" smtClean="0">
+                <a:solidFill>
+                  <a:schemeClr val="tx1">
+                    <a:lumMod val="75000"/>
+                    <a:lumOff val="25000"/>
+                  </a:schemeClr>
+                </a:solidFill>
+                <a:latin typeface="微软雅黑" pitchFamily="34" charset="-122"/>
+                <a:ea typeface="微软雅黑" pitchFamily="34" charset="-122"/>
+              </a:rPr>
+              <a:t>/</a:t>
+            </a:r>
+            <a:r>
+              <a:rPr lang="zh-CN" altLang="en-US" sz="2000" dirty="0" smtClean="0">
+                <a:solidFill>
+                  <a:schemeClr val="tx1">
+                    <a:lumMod val="75000"/>
+                    <a:lumOff val="25000"/>
+                  </a:schemeClr>
+                </a:solidFill>
+                <a:latin typeface="微软雅黑" pitchFamily="34" charset="-122"/>
+                <a:ea typeface="微软雅黑" pitchFamily="34" charset="-122"/>
+              </a:rPr>
+              <a:t>持续时间 </a:t>
+            </a:r>
+            <a:r>
+              <a:rPr lang="en-US" altLang="zh-CN" sz="2000" dirty="0" smtClean="0">
+                <a:solidFill>
+                  <a:schemeClr val="tx1">
+                    <a:lumMod val="75000"/>
+                    <a:lumOff val="25000"/>
+                  </a:schemeClr>
+                </a:solidFill>
+                <a:latin typeface="微软雅黑" pitchFamily="34" charset="-122"/>
+                <a:ea typeface="微软雅黑" pitchFamily="34" charset="-122"/>
+              </a:rPr>
+              <a:t>=(</a:t>
+            </a:r>
+            <a:r>
+              <a:rPr lang="zh-CN" altLang="en-US" sz="2000" dirty="0" smtClean="0">
+                <a:solidFill>
+                  <a:schemeClr val="tx1">
+                    <a:lumMod val="75000"/>
+                    <a:lumOff val="25000"/>
+                  </a:schemeClr>
+                </a:solidFill>
+                <a:latin typeface="微软雅黑" pitchFamily="34" charset="-122"/>
+                <a:ea typeface="微软雅黑" pitchFamily="34" charset="-122"/>
+              </a:rPr>
+              <a:t>当前值</a:t>
+            </a:r>
+            <a:r>
+              <a:rPr lang="en-US" altLang="zh-CN" sz="2000" dirty="0" smtClean="0">
+                <a:solidFill>
+                  <a:schemeClr val="tx1">
+                    <a:lumMod val="75000"/>
+                    <a:lumOff val="25000"/>
+                  </a:schemeClr>
+                </a:solidFill>
+                <a:latin typeface="微软雅黑" pitchFamily="34" charset="-122"/>
+                <a:ea typeface="微软雅黑" pitchFamily="34" charset="-122"/>
+              </a:rPr>
+              <a:t>-</a:t>
+            </a:r>
+            <a:r>
+              <a:rPr lang="zh-CN" altLang="en-US" sz="2000" dirty="0" smtClean="0">
+                <a:solidFill>
+                  <a:schemeClr val="tx1">
+                    <a:lumMod val="75000"/>
+                    <a:lumOff val="25000"/>
+                  </a:schemeClr>
+                </a:solidFill>
+                <a:latin typeface="微软雅黑" pitchFamily="34" charset="-122"/>
+                <a:ea typeface="微软雅黑" pitchFamily="34" charset="-122"/>
+              </a:rPr>
+              <a:t>初始值</a:t>
+            </a:r>
+            <a:r>
+              <a:rPr lang="en-US" altLang="zh-CN" sz="2000" dirty="0" smtClean="0">
+                <a:solidFill>
+                  <a:schemeClr val="tx1">
+                    <a:lumMod val="75000"/>
+                    <a:lumOff val="25000"/>
+                  </a:schemeClr>
+                </a:solidFill>
+                <a:latin typeface="微软雅黑" pitchFamily="34" charset="-122"/>
+                <a:ea typeface="微软雅黑" pitchFamily="34" charset="-122"/>
+              </a:rPr>
+              <a:t>)/(</a:t>
+            </a:r>
+            <a:r>
+              <a:rPr lang="zh-CN" altLang="en-US" sz="2000" dirty="0" smtClean="0">
+                <a:solidFill>
+                  <a:schemeClr val="tx1">
+                    <a:lumMod val="75000"/>
+                    <a:lumOff val="25000"/>
+                  </a:schemeClr>
+                </a:solidFill>
+                <a:latin typeface="微软雅黑" pitchFamily="34" charset="-122"/>
+                <a:ea typeface="微软雅黑" pitchFamily="34" charset="-122"/>
+              </a:rPr>
+              <a:t>结束值</a:t>
+            </a:r>
+            <a:r>
+              <a:rPr lang="en-US" altLang="zh-CN" sz="2000" dirty="0" smtClean="0">
+                <a:solidFill>
+                  <a:schemeClr val="tx1">
+                    <a:lumMod val="75000"/>
+                    <a:lumOff val="25000"/>
+                  </a:schemeClr>
+                </a:solidFill>
+                <a:latin typeface="微软雅黑" pitchFamily="34" charset="-122"/>
+                <a:ea typeface="微软雅黑" pitchFamily="34" charset="-122"/>
+              </a:rPr>
+              <a:t>-</a:t>
+            </a:r>
+            <a:r>
+              <a:rPr lang="zh-CN" altLang="en-US" sz="2000" dirty="0" smtClean="0">
+                <a:solidFill>
+                  <a:schemeClr val="tx1">
+                    <a:lumMod val="75000"/>
+                    <a:lumOff val="25000"/>
+                  </a:schemeClr>
+                </a:solidFill>
+                <a:latin typeface="微软雅黑" pitchFamily="34" charset="-122"/>
+                <a:ea typeface="微软雅黑" pitchFamily="34" charset="-122"/>
+              </a:rPr>
+              <a:t>初始值）</a:t>
+            </a:r>
+            <a:endParaRPr lang="en-US" altLang="zh-CN" sz="2000" dirty="0" smtClean="0">
+              <a:solidFill>
+                <a:schemeClr val="tx1">
+                  <a:lumMod val="75000"/>
+                  <a:lumOff val="25000"/>
+                </a:schemeClr>
+              </a:solidFill>
+              <a:latin typeface="微软雅黑" pitchFamily="34" charset="-122"/>
+              <a:ea typeface="微软雅黑" pitchFamily="34" charset="-122"/>
+            </a:endParaRPr>
+          </a:p>
+          <a:p>
+            <a:pPr>
+              <a:lnSpc>
+                <a:spcPct val="150000"/>
+              </a:lnSpc>
+            </a:pPr>
+            <a:r>
+              <a:rPr lang="zh-CN" altLang="en-US" sz="2400" dirty="0" smtClean="0">
+                <a:solidFill>
+                  <a:schemeClr val="tx1">
+                    <a:lumMod val="75000"/>
+                    <a:lumOff val="25000"/>
+                  </a:schemeClr>
+                </a:solidFill>
+                <a:latin typeface="微软雅黑" pitchFamily="34" charset="-122"/>
+                <a:ea typeface="微软雅黑" pitchFamily="34" charset="-122"/>
+              </a:rPr>
+              <a:t>所以，</a:t>
+            </a:r>
+            <a:endParaRPr lang="en-US" altLang="zh-CN" sz="2400" dirty="0" smtClean="0">
+              <a:solidFill>
+                <a:schemeClr val="tx1">
+                  <a:lumMod val="75000"/>
+                  <a:lumOff val="25000"/>
+                </a:schemeClr>
+              </a:solidFill>
+              <a:latin typeface="微软雅黑" pitchFamily="34" charset="-122"/>
+              <a:ea typeface="微软雅黑" pitchFamily="34" charset="-122"/>
+            </a:endParaRPr>
+          </a:p>
+          <a:p>
+            <a:pPr algn="ctr">
+              <a:lnSpc>
+                <a:spcPct val="150000"/>
+              </a:lnSpc>
+            </a:pPr>
+            <a:r>
+              <a:rPr lang="zh-CN" altLang="en-US" sz="2000" dirty="0" smtClean="0">
+                <a:solidFill>
+                  <a:schemeClr val="tx1">
+                    <a:lumMod val="75000"/>
+                    <a:lumOff val="25000"/>
+                  </a:schemeClr>
+                </a:solidFill>
+                <a:latin typeface="微软雅黑" pitchFamily="34" charset="-122"/>
+                <a:ea typeface="微软雅黑" pitchFamily="34" charset="-122"/>
+              </a:rPr>
+              <a:t>当前值 </a:t>
+            </a:r>
+            <a:r>
+              <a:rPr lang="en-US" altLang="zh-CN" sz="2000" dirty="0" smtClean="0">
+                <a:solidFill>
+                  <a:schemeClr val="tx1">
+                    <a:lumMod val="75000"/>
+                    <a:lumOff val="25000"/>
+                  </a:schemeClr>
+                </a:solidFill>
+                <a:latin typeface="微软雅黑" pitchFamily="34" charset="-122"/>
+                <a:ea typeface="微软雅黑" pitchFamily="34" charset="-122"/>
+              </a:rPr>
+              <a:t>=</a:t>
+            </a:r>
+            <a:r>
+              <a:rPr lang="zh-CN" altLang="en-US" sz="2000" dirty="0" smtClean="0">
+                <a:solidFill>
+                  <a:schemeClr val="tx1">
+                    <a:lumMod val="75000"/>
+                    <a:lumOff val="25000"/>
+                  </a:schemeClr>
+                </a:solidFill>
+                <a:latin typeface="微软雅黑" pitchFamily="34" charset="-122"/>
+                <a:ea typeface="微软雅黑" pitchFamily="34" charset="-122"/>
+              </a:rPr>
+              <a:t>初始值</a:t>
+            </a:r>
+            <a:r>
+              <a:rPr lang="en-US" altLang="zh-CN" sz="2000" dirty="0" smtClean="0">
+                <a:solidFill>
+                  <a:schemeClr val="tx1">
+                    <a:lumMod val="75000"/>
+                    <a:lumOff val="25000"/>
+                  </a:schemeClr>
+                </a:solidFill>
+                <a:latin typeface="微软雅黑" pitchFamily="34" charset="-122"/>
+                <a:ea typeface="微软雅黑" pitchFamily="34" charset="-122"/>
+              </a:rPr>
+              <a:t>+(</a:t>
+            </a:r>
+            <a:r>
+              <a:rPr lang="zh-CN" altLang="en-US" sz="2000" dirty="0" smtClean="0">
+                <a:solidFill>
+                  <a:schemeClr val="tx1">
+                    <a:lumMod val="75000"/>
+                    <a:lumOff val="25000"/>
+                  </a:schemeClr>
+                </a:solidFill>
+                <a:latin typeface="微软雅黑" pitchFamily="34" charset="-122"/>
+                <a:ea typeface="微软雅黑" pitchFamily="34" charset="-122"/>
+              </a:rPr>
+              <a:t>结束</a:t>
+            </a:r>
+            <a:r>
+              <a:rPr lang="zh-CN" altLang="en-US" sz="2000" dirty="0">
+                <a:solidFill>
+                  <a:schemeClr val="tx1">
+                    <a:lumMod val="75000"/>
+                    <a:lumOff val="25000"/>
+                  </a:schemeClr>
+                </a:solidFill>
+                <a:latin typeface="微软雅黑" pitchFamily="34" charset="-122"/>
+                <a:ea typeface="微软雅黑" pitchFamily="34" charset="-122"/>
+              </a:rPr>
+              <a:t>值</a:t>
+            </a:r>
+            <a:r>
+              <a:rPr lang="en-US" altLang="zh-CN" sz="2000" dirty="0">
+                <a:solidFill>
+                  <a:schemeClr val="tx1">
+                    <a:lumMod val="75000"/>
+                    <a:lumOff val="25000"/>
+                  </a:schemeClr>
+                </a:solidFill>
+                <a:latin typeface="微软雅黑" pitchFamily="34" charset="-122"/>
+                <a:ea typeface="微软雅黑" pitchFamily="34" charset="-122"/>
+              </a:rPr>
+              <a:t>-</a:t>
+            </a:r>
+            <a:r>
+              <a:rPr lang="zh-CN" altLang="en-US" sz="2000" dirty="0" smtClean="0">
+                <a:solidFill>
+                  <a:schemeClr val="tx1">
+                    <a:lumMod val="75000"/>
+                    <a:lumOff val="25000"/>
+                  </a:schemeClr>
+                </a:solidFill>
+                <a:latin typeface="微软雅黑" pitchFamily="34" charset="-122"/>
+                <a:ea typeface="微软雅黑" pitchFamily="34" charset="-122"/>
+              </a:rPr>
+              <a:t>初始值</a:t>
+            </a:r>
+            <a:r>
+              <a:rPr lang="zh-CN" altLang="en-US" sz="2000" dirty="0">
+                <a:solidFill>
+                  <a:schemeClr val="tx1">
+                    <a:lumMod val="75000"/>
+                    <a:lumOff val="25000"/>
+                  </a:schemeClr>
+                </a:solidFill>
+                <a:latin typeface="微软雅黑" pitchFamily="34" charset="-122"/>
+                <a:ea typeface="微软雅黑" pitchFamily="34" charset="-122"/>
+              </a:rPr>
+              <a:t>）</a:t>
+            </a:r>
+            <a:r>
+              <a:rPr lang="zh-CN" altLang="en-US" sz="2000" dirty="0" smtClean="0">
+                <a:solidFill>
+                  <a:schemeClr val="tx1">
+                    <a:lumMod val="75000"/>
+                    <a:lumOff val="25000"/>
+                  </a:schemeClr>
+                </a:solidFill>
+                <a:latin typeface="微软雅黑" pitchFamily="34" charset="-122"/>
+                <a:ea typeface="微软雅黑" pitchFamily="34" charset="-122"/>
+              </a:rPr>
+              <a:t>*（运行时间</a:t>
+            </a:r>
+            <a:r>
+              <a:rPr lang="en-US" altLang="zh-CN" sz="2000" dirty="0">
+                <a:solidFill>
+                  <a:schemeClr val="tx1">
+                    <a:lumMod val="75000"/>
+                    <a:lumOff val="25000"/>
+                  </a:schemeClr>
+                </a:solidFill>
+                <a:latin typeface="微软雅黑" pitchFamily="34" charset="-122"/>
+                <a:ea typeface="微软雅黑" pitchFamily="34" charset="-122"/>
+              </a:rPr>
+              <a:t>/</a:t>
+            </a:r>
+            <a:r>
+              <a:rPr lang="zh-CN" altLang="en-US" sz="2000" dirty="0">
+                <a:solidFill>
+                  <a:schemeClr val="tx1">
+                    <a:lumMod val="75000"/>
+                    <a:lumOff val="25000"/>
+                  </a:schemeClr>
+                </a:solidFill>
+                <a:latin typeface="微软雅黑" pitchFamily="34" charset="-122"/>
+                <a:ea typeface="微软雅黑" pitchFamily="34" charset="-122"/>
+              </a:rPr>
+              <a:t>持续时间 </a:t>
+            </a:r>
+            <a:r>
+              <a:rPr lang="zh-CN" altLang="en-US" sz="2000" dirty="0" smtClean="0">
+                <a:solidFill>
+                  <a:schemeClr val="tx1">
+                    <a:lumMod val="75000"/>
+                    <a:lumOff val="25000"/>
+                  </a:schemeClr>
+                </a:solidFill>
+                <a:latin typeface="微软雅黑" pitchFamily="34" charset="-122"/>
+                <a:ea typeface="微软雅黑" pitchFamily="34" charset="-122"/>
+              </a:rPr>
+              <a:t>）</a:t>
+            </a:r>
+            <a:endParaRPr lang="en-US" altLang="zh-CN" sz="2000" dirty="0" smtClean="0">
               <a:solidFill>
                 <a:schemeClr val="tx1">
                   <a:lumMod val="75000"/>
@@ -12556,6 +12933,76 @@
 </file>
 
 <file path=ppt/slides/slide26.xml><?xml version="1.0" encoding="utf-8"?>
+<p:sld xmlns:a="http://schemas.openxmlformats.org/drawingml/2006/main" xmlns:r="http://schemas.openxmlformats.org/officeDocument/2006/relationships" xmlns:p="http://schemas.openxmlformats.org/presentationml/2006/main">
+  <p:cSld>
+    <p:spTree>
+      <p:nvGrpSpPr>
+        <p:cNvPr id="1" name=""/>
+        <p:cNvGrpSpPr/>
+        <p:nvPr/>
+      </p:nvGrpSpPr>
+      <p:grpSpPr>
+        <a:xfrm>
+          <a:off x="0" y="0"/>
+          <a:ext cx="0" cy="0"/>
+          <a:chOff x="0" y="0"/>
+          <a:chExt cx="0" cy="0"/>
+        </a:xfrm>
+      </p:grpSpPr>
+      <p:pic>
+        <p:nvPicPr>
+          <p:cNvPr id="2" name="图片 1" descr="屏幕剪辑"/>
+          <p:cNvPicPr>
+            <a:picLocks noChangeAspect="1"/>
+          </p:cNvPicPr>
+          <p:nvPr/>
+        </p:nvPicPr>
+        <p:blipFill>
+          <a:blip r:embed="rId2">
+            <a:extLst>
+              <a:ext uri="{28A0092B-C50C-407E-A947-70E740481C1C}">
+                <a14:useLocalDpi xmlns:a14="http://schemas.microsoft.com/office/drawing/2010/main" val="0"/>
+              </a:ext>
+            </a:extLst>
+          </a:blip>
+          <a:stretch>
+            <a:fillRect/>
+          </a:stretch>
+        </p:blipFill>
+        <p:spPr>
+          <a:xfrm>
+            <a:off x="1259632" y="476672"/>
+            <a:ext cx="5039428" cy="3067478"/>
+          </a:xfrm>
+          <a:prstGeom prst="rect">
+            <a:avLst/>
+          </a:prstGeom>
+          <a:ln>
+            <a:noFill/>
+          </a:ln>
+          <a:effectLst>
+            <a:outerShdw blurRad="292100" dist="139700" dir="2700000" algn="tl" rotWithShape="0">
+              <a:srgbClr val="333333">
+                <a:alpha val="65000"/>
+              </a:srgbClr>
+            </a:outerShdw>
+          </a:effectLst>
+        </p:spPr>
+      </p:pic>
+    </p:spTree>
+    <p:extLst>
+      <p:ext uri="{BB962C8B-B14F-4D97-AF65-F5344CB8AC3E}">
+        <p14:creationId xmlns:p14="http://schemas.microsoft.com/office/powerpoint/2010/main" val="1755950665"/>
+      </p:ext>
+    </p:extLst>
+  </p:cSld>
+  <p:clrMapOvr>
+    <a:masterClrMapping/>
+  </p:clrMapOvr>
+</p:sld>
+</file>
+
+<file path=ppt/slides/slide27.xml><?xml version="1.0" encoding="utf-8"?>
 <p:sld xmlns:a="http://schemas.openxmlformats.org/drawingml/2006/main" xmlns:r="http://schemas.openxmlformats.org/officeDocument/2006/relationships" xmlns:p="http://schemas.openxmlformats.org/presentationml/2006/main">
   <p:cSld>
     <p:spTree>

--- a/23-svg-low-poly-transform/23.pptx
+++ b/23-svg-low-poly-transform/23.pptx
@@ -5,7 +5,7 @@
     <p:sldMasterId id="2147483648" r:id="rId1"/>
   </p:sldMasterIdLst>
   <p:notesMasterIdLst>
-    <p:notesMasterId r:id="rId29"/>
+    <p:notesMasterId r:id="rId30"/>
   </p:notesMasterIdLst>
   <p:sldIdLst>
     <p:sldId id="256" r:id="rId2"/>
@@ -34,7 +34,8 @@
     <p:sldId id="477" r:id="rId25"/>
     <p:sldId id="478" r:id="rId26"/>
     <p:sldId id="479" r:id="rId27"/>
-    <p:sldId id="345" r:id="rId28"/>
+    <p:sldId id="480" r:id="rId28"/>
+    <p:sldId id="345" r:id="rId29"/>
   </p:sldIdLst>
   <p:sldSz cx="9144000" cy="6858000" type="screen4x3"/>
   <p:notesSz cx="6858000" cy="9144000"/>
@@ -135,7 +136,7 @@
   </p:defaultTextStyle>
   <p:extLst>
     <p:ext uri="{EFAFB233-063F-42B5-8137-9DF3F51BA10A}">
-      <p15:sldGuideLst xmlns:p15="http://schemas.microsoft.com/office/powerpoint/2012/main" xmlns="">
+      <p15:sldGuideLst xmlns="" xmlns:p15="http://schemas.microsoft.com/office/powerpoint/2012/main">
         <p15:guide id="1" orient="horz" pos="2160">
           <p15:clr>
             <a:srgbClr val="A4A3A4"/>
@@ -234,7 +235,7 @@
           <a:p>
             <a:fld id="{918C987C-5DAD-4601-B625-55A3208473B0}" type="datetimeFigureOut">
               <a:rPr lang="zh-CN" altLang="en-US" smtClean="0"/>
-              <a:t>2018/9/11</a:t>
+              <a:t>2018/9/12</a:t>
             </a:fld>
             <a:endParaRPr lang="zh-CN" altLang="en-US"/>
           </a:p>
@@ -683,7 +684,7 @@
           <a:p>
             <a:fld id="{17C7C8FB-1C37-4023-AA22-09D5A8E13DCF}" type="datetimeFigureOut">
               <a:rPr lang="zh-CN" altLang="en-US" smtClean="0"/>
-              <a:t>2018/9/11</a:t>
+              <a:t>2018/9/12</a:t>
             </a:fld>
             <a:endParaRPr lang="zh-CN" altLang="en-US"/>
           </a:p>
@@ -853,7 +854,7 @@
           <a:p>
             <a:fld id="{17C7C8FB-1C37-4023-AA22-09D5A8E13DCF}" type="datetimeFigureOut">
               <a:rPr lang="zh-CN" altLang="en-US" smtClean="0"/>
-              <a:t>2018/9/11</a:t>
+              <a:t>2018/9/12</a:t>
             </a:fld>
             <a:endParaRPr lang="zh-CN" altLang="en-US"/>
           </a:p>
@@ -1033,7 +1034,7 @@
           <a:p>
             <a:fld id="{17C7C8FB-1C37-4023-AA22-09D5A8E13DCF}" type="datetimeFigureOut">
               <a:rPr lang="zh-CN" altLang="en-US" smtClean="0"/>
-              <a:t>2018/9/11</a:t>
+              <a:t>2018/9/12</a:t>
             </a:fld>
             <a:endParaRPr lang="zh-CN" altLang="en-US"/>
           </a:p>
@@ -1203,7 +1204,7 @@
           <a:p>
             <a:fld id="{17C7C8FB-1C37-4023-AA22-09D5A8E13DCF}" type="datetimeFigureOut">
               <a:rPr lang="zh-CN" altLang="en-US" smtClean="0"/>
-              <a:t>2018/9/11</a:t>
+              <a:t>2018/9/12</a:t>
             </a:fld>
             <a:endParaRPr lang="zh-CN" altLang="en-US"/>
           </a:p>
@@ -1449,7 +1450,7 @@
           <a:p>
             <a:fld id="{17C7C8FB-1C37-4023-AA22-09D5A8E13DCF}" type="datetimeFigureOut">
               <a:rPr lang="zh-CN" altLang="en-US" smtClean="0"/>
-              <a:t>2018/9/11</a:t>
+              <a:t>2018/9/12</a:t>
             </a:fld>
             <a:endParaRPr lang="zh-CN" altLang="en-US"/>
           </a:p>
@@ -1737,7 +1738,7 @@
           <a:p>
             <a:fld id="{17C7C8FB-1C37-4023-AA22-09D5A8E13DCF}" type="datetimeFigureOut">
               <a:rPr lang="zh-CN" altLang="en-US" smtClean="0"/>
-              <a:t>2018/9/11</a:t>
+              <a:t>2018/9/12</a:t>
             </a:fld>
             <a:endParaRPr lang="zh-CN" altLang="en-US"/>
           </a:p>
@@ -2159,7 +2160,7 @@
           <a:p>
             <a:fld id="{17C7C8FB-1C37-4023-AA22-09D5A8E13DCF}" type="datetimeFigureOut">
               <a:rPr lang="zh-CN" altLang="en-US" smtClean="0"/>
-              <a:t>2018/9/11</a:t>
+              <a:t>2018/9/12</a:t>
             </a:fld>
             <a:endParaRPr lang="zh-CN" altLang="en-US"/>
           </a:p>
@@ -2277,7 +2278,7 @@
           <a:p>
             <a:fld id="{17C7C8FB-1C37-4023-AA22-09D5A8E13DCF}" type="datetimeFigureOut">
               <a:rPr lang="zh-CN" altLang="en-US" smtClean="0"/>
-              <a:t>2018/9/11</a:t>
+              <a:t>2018/9/12</a:t>
             </a:fld>
             <a:endParaRPr lang="zh-CN" altLang="en-US"/>
           </a:p>
@@ -2372,7 +2373,7 @@
           <a:p>
             <a:fld id="{17C7C8FB-1C37-4023-AA22-09D5A8E13DCF}" type="datetimeFigureOut">
               <a:rPr lang="zh-CN" altLang="en-US" smtClean="0"/>
-              <a:t>2018/9/11</a:t>
+              <a:t>2018/9/12</a:t>
             </a:fld>
             <a:endParaRPr lang="zh-CN" altLang="en-US"/>
           </a:p>
@@ -2649,7 +2650,7 @@
           <a:p>
             <a:fld id="{17C7C8FB-1C37-4023-AA22-09D5A8E13DCF}" type="datetimeFigureOut">
               <a:rPr lang="zh-CN" altLang="en-US" smtClean="0"/>
-              <a:t>2018/9/11</a:t>
+              <a:t>2018/9/12</a:t>
             </a:fld>
             <a:endParaRPr lang="zh-CN" altLang="en-US"/>
           </a:p>
@@ -2902,7 +2903,7 @@
           <a:p>
             <a:fld id="{17C7C8FB-1C37-4023-AA22-09D5A8E13DCF}" type="datetimeFigureOut">
               <a:rPr lang="zh-CN" altLang="en-US" smtClean="0"/>
-              <a:t>2018/9/11</a:t>
+              <a:t>2018/9/12</a:t>
             </a:fld>
             <a:endParaRPr lang="zh-CN" altLang="en-US"/>
           </a:p>
@@ -3115,7 +3116,7 @@
           <a:p>
             <a:fld id="{17C7C8FB-1C37-4023-AA22-09D5A8E13DCF}" type="datetimeFigureOut">
               <a:rPr lang="zh-CN" altLang="en-US" smtClean="0"/>
-              <a:t>2018/9/11</a:t>
+              <a:t>2018/9/12</a:t>
             </a:fld>
             <a:endParaRPr lang="zh-CN" altLang="en-US"/>
           </a:p>
@@ -3626,20 +3627,7 @@
                 <a:latin typeface="微软雅黑" pitchFamily="34" charset="-122"/>
                 <a:ea typeface="微软雅黑" pitchFamily="34" charset="-122"/>
               </a:rPr>
-              <a:t>讲 低</a:t>
-            </a:r>
-            <a:r>
-              <a:rPr lang="zh-CN" altLang="en-US" sz="3200" b="1" dirty="0" smtClean="0">
-                <a:solidFill>
-                  <a:schemeClr val="tx1">
-                    <a:lumMod val="75000"/>
-                    <a:lumOff val="25000"/>
-                  </a:schemeClr>
-                </a:solidFill>
-                <a:latin typeface="微软雅黑" pitchFamily="34" charset="-122"/>
-                <a:ea typeface="微软雅黑" pitchFamily="34" charset="-122"/>
-              </a:rPr>
-              <a:t>面图形变形</a:t>
+              <a:t>讲 低面图形变形</a:t>
             </a:r>
             <a:r>
               <a:rPr lang="en-US" altLang="zh-CN" b="1" dirty="0" smtClean="0">
@@ -3792,7 +3780,7 @@
         </p:blipFill>
         <p:spPr>
           <a:xfrm>
-            <a:off x="827584" y="260648"/>
+            <a:off x="827584" y="413914"/>
             <a:ext cx="6973273" cy="1790950"/>
           </a:xfrm>
           <a:prstGeom prst="rect">
@@ -3818,7 +3806,7 @@
         </p:nvSpPr>
         <p:spPr>
           <a:xfrm>
-            <a:off x="3923929" y="548680"/>
+            <a:off x="3923929" y="701946"/>
             <a:ext cx="2088232" cy="345923"/>
           </a:xfrm>
           <a:prstGeom prst="wedgeRoundRectCallout">
@@ -3886,7 +3874,7 @@
         </p:nvSpPr>
         <p:spPr>
           <a:xfrm>
-            <a:off x="3419872" y="1628800"/>
+            <a:off x="3419872" y="1782066"/>
             <a:ext cx="2592289" cy="345923"/>
           </a:xfrm>
           <a:prstGeom prst="wedgeRoundRectCallout">
@@ -4856,7 +4844,7 @@
         <p:spPr>
           <a:xfrm>
             <a:off x="5041392" y="4314669"/>
-            <a:ext cx="2301576" cy="345923"/>
+            <a:ext cx="2194904" cy="345923"/>
           </a:xfrm>
           <a:prstGeom prst="wedgeRoundRectCallout">
             <a:avLst>
@@ -4913,7 +4901,7 @@
                 <a:latin typeface="微软雅黑" pitchFamily="34" charset="-122"/>
                 <a:ea typeface="微软雅黑" pitchFamily="34" charset="-122"/>
               </a:rPr>
-              <a:t>数据对象的数组</a:t>
+              <a:t>三角面数据数组</a:t>
             </a:r>
             <a:endParaRPr lang="en-US" altLang="zh-CN" sz="2000" dirty="0">
               <a:solidFill>
@@ -5012,6 +5000,142 @@
                 <a:ea typeface="微软雅黑" pitchFamily="34" charset="-122"/>
               </a:rPr>
               <a:t>索引</a:t>
+            </a:r>
+            <a:endParaRPr lang="en-US" altLang="zh-CN" sz="2000" dirty="0">
+              <a:solidFill>
+                <a:schemeClr val="tx1">
+                  <a:lumMod val="75000"/>
+                  <a:lumOff val="25000"/>
+                </a:schemeClr>
+              </a:solidFill>
+              <a:latin typeface="微软雅黑" pitchFamily="34" charset="-122"/>
+              <a:ea typeface="微软雅黑" pitchFamily="34" charset="-122"/>
+            </a:endParaRPr>
+          </a:p>
+        </p:txBody>
+      </p:sp>
+      <p:sp>
+        <p:nvSpPr>
+          <p:cNvPr id="26" name="圆角矩形标注 25"/>
+          <p:cNvSpPr/>
+          <p:nvPr/>
+        </p:nvSpPr>
+        <p:spPr>
+          <a:xfrm>
+            <a:off x="4801543" y="5230170"/>
+            <a:ext cx="2434753" cy="890389"/>
+          </a:xfrm>
+          <a:prstGeom prst="wedgeRoundRectCallout">
+            <a:avLst>
+              <a:gd name="adj1" fmla="val -62721"/>
+              <a:gd name="adj2" fmla="val 22107"/>
+              <a:gd name="adj3" fmla="val 16667"/>
+            </a:avLst>
+          </a:prstGeom>
+        </p:spPr>
+        <p:style>
+          <a:lnRef idx="2">
+            <a:schemeClr val="accent5"/>
+          </a:lnRef>
+          <a:fillRef idx="1">
+            <a:schemeClr val="lt1"/>
+          </a:fillRef>
+          <a:effectRef idx="0">
+            <a:schemeClr val="accent5"/>
+          </a:effectRef>
+          <a:fontRef idx="minor">
+            <a:schemeClr val="dk1"/>
+          </a:fontRef>
+        </p:style>
+        <p:txBody>
+          <a:bodyPr rtlCol="0" anchor="ctr"/>
+          <a:lstStyle/>
+          <a:p>
+            <a:pPr>
+              <a:lnSpc>
+                <a:spcPct val="150000"/>
+              </a:lnSpc>
+            </a:pPr>
+            <a:r>
+              <a:rPr lang="zh-CN" altLang="en-US" sz="2000" dirty="0" smtClean="0">
+                <a:solidFill>
+                  <a:schemeClr val="tx1">
+                    <a:lumMod val="75000"/>
+                    <a:lumOff val="25000"/>
+                  </a:schemeClr>
+                </a:solidFill>
+                <a:latin typeface="微软雅黑" pitchFamily="34" charset="-122"/>
+                <a:ea typeface="微软雅黑" pitchFamily="34" charset="-122"/>
+              </a:rPr>
+              <a:t>切换图形就是修改名称数组的索引</a:t>
+            </a:r>
+            <a:endParaRPr lang="en-US" altLang="zh-CN" sz="2000" dirty="0">
+              <a:solidFill>
+                <a:schemeClr val="tx1">
+                  <a:lumMod val="75000"/>
+                  <a:lumOff val="25000"/>
+                </a:schemeClr>
+              </a:solidFill>
+              <a:latin typeface="微软雅黑" pitchFamily="34" charset="-122"/>
+              <a:ea typeface="微软雅黑" pitchFamily="34" charset="-122"/>
+            </a:endParaRPr>
+          </a:p>
+        </p:txBody>
+      </p:sp>
+      <p:sp>
+        <p:nvSpPr>
+          <p:cNvPr id="27" name="圆角矩形标注 26"/>
+          <p:cNvSpPr/>
+          <p:nvPr/>
+        </p:nvSpPr>
+        <p:spPr>
+          <a:xfrm>
+            <a:off x="2339752" y="80464"/>
+            <a:ext cx="1872208" cy="345923"/>
+          </a:xfrm>
+          <a:prstGeom prst="wedgeRoundRectCallout">
+            <a:avLst>
+              <a:gd name="adj1" fmla="val -29933"/>
+              <a:gd name="adj2" fmla="val 64339"/>
+              <a:gd name="adj3" fmla="val 16667"/>
+            </a:avLst>
+          </a:prstGeom>
+        </p:spPr>
+        <p:style>
+          <a:lnRef idx="2">
+            <a:schemeClr val="accent6"/>
+          </a:lnRef>
+          <a:fillRef idx="1">
+            <a:schemeClr val="lt1"/>
+          </a:fillRef>
+          <a:effectRef idx="0">
+            <a:schemeClr val="accent6"/>
+          </a:effectRef>
+          <a:fontRef idx="minor">
+            <a:schemeClr val="dk1"/>
+          </a:fontRef>
+        </p:style>
+        <p:txBody>
+          <a:bodyPr rtlCol="0" anchor="ctr"/>
+          <a:lstStyle/>
+          <a:p>
+            <a:pPr>
+              <a:lnSpc>
+                <a:spcPct val="150000"/>
+              </a:lnSpc>
+            </a:pPr>
+            <a:r>
+              <a:rPr lang="zh-CN" altLang="en-US" sz="2000" dirty="0" smtClean="0">
+                <a:solidFill>
+                  <a:schemeClr val="tx1">
+                    <a:lumMod val="75000"/>
+                    <a:lumOff val="25000"/>
+                  </a:schemeClr>
+                </a:solidFill>
+                <a:latin typeface="微软雅黑" pitchFamily="34" charset="-122"/>
+                <a:ea typeface="微软雅黑" pitchFamily="34" charset="-122"/>
+              </a:rPr>
+              <a:t>提取顶点信息</a:t>
             </a:r>
             <a:endParaRPr lang="en-US" altLang="zh-CN" sz="2000" dirty="0">
               <a:solidFill>
@@ -5107,7 +5231,20 @@
                 <a:latin typeface="微软雅黑" pitchFamily="34" charset="-122"/>
                 <a:ea typeface="微软雅黑" pitchFamily="34" charset="-122"/>
               </a:rPr>
-              <a:t>创建用于变形的三角面</a:t>
+              <a:t>创建变形</a:t>
+            </a:r>
+            <a:r>
+              <a:rPr lang="zh-CN" altLang="en-US" sz="2400" b="1" dirty="0" smtClean="0">
+                <a:solidFill>
+                  <a:schemeClr val="tx1">
+                    <a:lumMod val="75000"/>
+                    <a:lumOff val="25000"/>
+                  </a:schemeClr>
+                </a:solidFill>
+                <a:latin typeface="微软雅黑" pitchFamily="34" charset="-122"/>
+                <a:ea typeface="微软雅黑" pitchFamily="34" charset="-122"/>
+              </a:rPr>
+              <a:t>的三角面</a:t>
             </a:r>
             <a:endParaRPr lang="en-US" altLang="zh-CN" sz="2400" b="1" dirty="0" smtClean="0">
               <a:solidFill>
@@ -5150,7 +5287,72 @@
                 <a:latin typeface="微软雅黑" pitchFamily="34" charset="-122"/>
                 <a:ea typeface="微软雅黑" pitchFamily="34" charset="-122"/>
               </a:rPr>
-              <a:t>步主要加载三角面的数据，图形的三角面也是放在</a:t>
+              <a:t>步加载</a:t>
+            </a:r>
+            <a:r>
+              <a:rPr lang="zh-CN" altLang="en-US" sz="2400" dirty="0" smtClean="0">
+                <a:solidFill>
+                  <a:schemeClr val="tx1">
+                    <a:lumMod val="75000"/>
+                    <a:lumOff val="25000"/>
+                  </a:schemeClr>
+                </a:solidFill>
+                <a:latin typeface="微软雅黑" pitchFamily="34" charset="-122"/>
+                <a:ea typeface="微软雅黑" pitchFamily="34" charset="-122"/>
+              </a:rPr>
+              <a:t>三角</a:t>
+            </a:r>
+            <a:r>
+              <a:rPr lang="zh-CN" altLang="en-US" sz="2400" dirty="0" smtClean="0">
+                <a:solidFill>
+                  <a:schemeClr val="tx1">
+                    <a:lumMod val="75000"/>
+                    <a:lumOff val="25000"/>
+                  </a:schemeClr>
+                </a:solidFill>
+                <a:latin typeface="微软雅黑" pitchFamily="34" charset="-122"/>
+                <a:ea typeface="微软雅黑" pitchFamily="34" charset="-122"/>
+              </a:rPr>
+              <a:t>面数据</a:t>
+            </a:r>
+            <a:r>
+              <a:rPr lang="zh-CN" altLang="en-US" sz="2400" dirty="0" smtClean="0">
+                <a:solidFill>
+                  <a:schemeClr val="tx1">
+                    <a:lumMod val="75000"/>
+                    <a:lumOff val="25000"/>
+                  </a:schemeClr>
+                </a:solidFill>
+                <a:latin typeface="微软雅黑" pitchFamily="34" charset="-122"/>
+                <a:ea typeface="微软雅黑" pitchFamily="34" charset="-122"/>
+              </a:rPr>
+              <a:t>，</a:t>
+            </a:r>
+            <a:r>
+              <a:rPr lang="zh-CN" altLang="en-US" sz="2400" dirty="0" smtClean="0">
+                <a:solidFill>
+                  <a:schemeClr val="tx1">
+                    <a:lumMod val="75000"/>
+                    <a:lumOff val="25000"/>
+                  </a:schemeClr>
+                </a:solidFill>
+                <a:latin typeface="微软雅黑" pitchFamily="34" charset="-122"/>
+                <a:ea typeface="微软雅黑" pitchFamily="34" charset="-122"/>
+              </a:rPr>
+              <a:t>图形三</a:t>
+            </a:r>
+            <a:r>
+              <a:rPr lang="zh-CN" altLang="en-US" sz="2400" dirty="0" smtClean="0">
+                <a:solidFill>
+                  <a:schemeClr val="tx1">
+                    <a:lumMod val="75000"/>
+                    <a:lumOff val="25000"/>
+                  </a:schemeClr>
+                </a:solidFill>
+                <a:latin typeface="微软雅黑" pitchFamily="34" charset="-122"/>
+                <a:ea typeface="微软雅黑" pitchFamily="34" charset="-122"/>
+              </a:rPr>
+              <a:t>角面也是放在</a:t>
             </a:r>
             <a:r>
               <a:rPr lang="en-US" altLang="zh-CN" sz="2400" dirty="0" smtClean="0">
@@ -5202,7 +5404,46 @@
                 <a:latin typeface="微软雅黑" pitchFamily="34" charset="-122"/>
                 <a:ea typeface="微软雅黑" pitchFamily="34" charset="-122"/>
               </a:rPr>
-              <a:t>标签中，不用来显示，用来做数据备份</a:t>
+              <a:t>标签中，不用来显示</a:t>
+            </a:r>
+            <a:r>
+              <a:rPr lang="zh-CN" altLang="en-US" sz="2400" dirty="0" smtClean="0">
+                <a:solidFill>
+                  <a:schemeClr val="tx1">
+                    <a:lumMod val="75000"/>
+                    <a:lumOff val="25000"/>
+                  </a:schemeClr>
+                </a:solidFill>
+                <a:latin typeface="微软雅黑" pitchFamily="34" charset="-122"/>
+                <a:ea typeface="微软雅黑" pitchFamily="34" charset="-122"/>
+              </a:rPr>
+              <a:t>，而用来</a:t>
+            </a:r>
+            <a:r>
+              <a:rPr lang="zh-CN" altLang="en-US" sz="2400" dirty="0" smtClean="0">
+                <a:solidFill>
+                  <a:schemeClr val="tx1">
+                    <a:lumMod val="75000"/>
+                    <a:lumOff val="25000"/>
+                  </a:schemeClr>
+                </a:solidFill>
+                <a:latin typeface="微软雅黑" pitchFamily="34" charset="-122"/>
+                <a:ea typeface="微软雅黑" pitchFamily="34" charset="-122"/>
+              </a:rPr>
+              <a:t>做数据</a:t>
+            </a:r>
+            <a:r>
+              <a:rPr lang="zh-CN" altLang="en-US" sz="2400" dirty="0" smtClean="0">
+                <a:solidFill>
+                  <a:schemeClr val="tx1">
+                    <a:lumMod val="75000"/>
+                    <a:lumOff val="25000"/>
+                  </a:schemeClr>
+                </a:solidFill>
+                <a:latin typeface="微软雅黑" pitchFamily="34" charset="-122"/>
+                <a:ea typeface="微软雅黑" pitchFamily="34" charset="-122"/>
+              </a:rPr>
+              <a:t>备份（加载后其实可以删除）</a:t>
             </a:r>
             <a:r>
               <a:rPr lang="en-US" altLang="zh-CN" sz="2400" dirty="0" smtClean="0">
@@ -5228,7 +5469,111 @@
                 <a:latin typeface="微软雅黑" pitchFamily="34" charset="-122"/>
                 <a:ea typeface="微软雅黑" pitchFamily="34" charset="-122"/>
               </a:rPr>
-              <a:t>现在我们需要生成真正用于显示图形的三角面，这些三角面的颜色和定点是会变化的</a:t>
+              <a:t>现在需要</a:t>
+            </a:r>
+            <a:r>
+              <a:rPr lang="zh-CN" altLang="en-US" sz="2400" dirty="0" smtClean="0">
+                <a:solidFill>
+                  <a:schemeClr val="tx1">
+                    <a:lumMod val="75000"/>
+                    <a:lumOff val="25000"/>
+                  </a:schemeClr>
+                </a:solidFill>
+                <a:latin typeface="微软雅黑" pitchFamily="34" charset="-122"/>
+                <a:ea typeface="微软雅黑" pitchFamily="34" charset="-122"/>
+              </a:rPr>
+              <a:t>生成</a:t>
+            </a:r>
+            <a:r>
+              <a:rPr lang="zh-CN" altLang="en-US" sz="2400" dirty="0" smtClean="0">
+                <a:solidFill>
+                  <a:schemeClr val="tx1">
+                    <a:lumMod val="75000"/>
+                    <a:lumOff val="25000"/>
+                  </a:schemeClr>
+                </a:solidFill>
+                <a:latin typeface="微软雅黑" pitchFamily="34" charset="-122"/>
+                <a:ea typeface="微软雅黑" pitchFamily="34" charset="-122"/>
+              </a:rPr>
+              <a:t>真正用于</a:t>
+            </a:r>
+            <a:r>
+              <a:rPr lang="zh-CN" altLang="en-US" sz="2400" dirty="0" smtClean="0">
+                <a:solidFill>
+                  <a:schemeClr val="tx1">
+                    <a:lumMod val="75000"/>
+                    <a:lumOff val="25000"/>
+                  </a:schemeClr>
+                </a:solidFill>
+                <a:latin typeface="微软雅黑" pitchFamily="34" charset="-122"/>
+                <a:ea typeface="微软雅黑" pitchFamily="34" charset="-122"/>
+              </a:rPr>
+              <a:t>显示</a:t>
+            </a:r>
+            <a:r>
+              <a:rPr lang="zh-CN" altLang="en-US" sz="2400" dirty="0" smtClean="0">
+                <a:solidFill>
+                  <a:schemeClr val="tx1">
+                    <a:lumMod val="75000"/>
+                    <a:lumOff val="25000"/>
+                  </a:schemeClr>
+                </a:solidFill>
+                <a:latin typeface="微软雅黑" pitchFamily="34" charset="-122"/>
+                <a:ea typeface="微软雅黑" pitchFamily="34" charset="-122"/>
+              </a:rPr>
+              <a:t>图形，呈现动画的</a:t>
+            </a:r>
+            <a:r>
+              <a:rPr lang="zh-CN" altLang="en-US" sz="2400" dirty="0" smtClean="0">
+                <a:solidFill>
+                  <a:schemeClr val="tx1">
+                    <a:lumMod val="75000"/>
+                    <a:lumOff val="25000"/>
+                  </a:schemeClr>
+                </a:solidFill>
+                <a:latin typeface="微软雅黑" pitchFamily="34" charset="-122"/>
+                <a:ea typeface="微软雅黑" pitchFamily="34" charset="-122"/>
+              </a:rPr>
+              <a:t>三角面，这些三角面的颜色</a:t>
+            </a:r>
+            <a:r>
+              <a:rPr lang="zh-CN" altLang="en-US" sz="2400" dirty="0" smtClean="0">
+                <a:solidFill>
+                  <a:schemeClr val="tx1">
+                    <a:lumMod val="75000"/>
+                    <a:lumOff val="25000"/>
+                  </a:schemeClr>
+                </a:solidFill>
+                <a:latin typeface="微软雅黑" pitchFamily="34" charset="-122"/>
+                <a:ea typeface="微软雅黑" pitchFamily="34" charset="-122"/>
+              </a:rPr>
+              <a:t>和顶点是</a:t>
+            </a:r>
+            <a:r>
+              <a:rPr lang="zh-CN" altLang="en-US" sz="2400" dirty="0" smtClean="0">
+                <a:solidFill>
+                  <a:schemeClr val="tx1">
+                    <a:lumMod val="75000"/>
+                    <a:lumOff val="25000"/>
+                  </a:schemeClr>
+                </a:solidFill>
+                <a:latin typeface="微软雅黑" pitchFamily="34" charset="-122"/>
+                <a:ea typeface="微软雅黑" pitchFamily="34" charset="-122"/>
+              </a:rPr>
+              <a:t>会变化</a:t>
+            </a:r>
+            <a:r>
+              <a:rPr lang="zh-CN" altLang="en-US" sz="2400" dirty="0" smtClean="0">
+                <a:solidFill>
+                  <a:schemeClr val="tx1">
+                    <a:lumMod val="75000"/>
+                    <a:lumOff val="25000"/>
+                  </a:schemeClr>
+                </a:solidFill>
+                <a:latin typeface="微软雅黑" pitchFamily="34" charset="-122"/>
+                <a:ea typeface="微软雅黑" pitchFamily="34" charset="-122"/>
+              </a:rPr>
+              <a:t>的</a:t>
             </a:r>
             <a:r>
               <a:rPr lang="en-US" altLang="zh-CN" sz="2400" dirty="0" smtClean="0">
@@ -5278,7 +5623,7 @@
         </p:blipFill>
         <p:spPr>
           <a:xfrm>
-            <a:off x="1187624" y="3029837"/>
+            <a:off x="1187624" y="3317869"/>
             <a:ext cx="4001058" cy="2743583"/>
           </a:xfrm>
           <a:prstGeom prst="rect">
@@ -5304,13 +5649,13 @@
         </p:nvSpPr>
         <p:spPr>
           <a:xfrm>
-            <a:off x="5004048" y="3429000"/>
+            <a:off x="5076056" y="3356992"/>
             <a:ext cx="2808312" cy="1555809"/>
           </a:xfrm>
           <a:prstGeom prst="wedgeRoundRectCallout">
             <a:avLst>
-              <a:gd name="adj1" fmla="val -54154"/>
-              <a:gd name="adj2" fmla="val -13900"/>
+              <a:gd name="adj1" fmla="val -56968"/>
+              <a:gd name="adj2" fmla="val 32538"/>
               <a:gd name="adj3" fmla="val 16667"/>
             </a:avLst>
           </a:prstGeom>
@@ -5411,13 +5756,13 @@
         </p:nvSpPr>
         <p:spPr>
           <a:xfrm>
-            <a:off x="4572000" y="5229200"/>
+            <a:off x="4932040" y="5085184"/>
             <a:ext cx="3168352" cy="1296144"/>
           </a:xfrm>
           <a:prstGeom prst="wedgeRoundRectCallout">
             <a:avLst>
-              <a:gd name="adj1" fmla="val -59426"/>
-              <a:gd name="adj2" fmla="val -20541"/>
+              <a:gd name="adj1" fmla="val -56219"/>
+              <a:gd name="adj2" fmla="val 19523"/>
               <a:gd name="adj3" fmla="val 16667"/>
             </a:avLst>
           </a:prstGeom>
@@ -5525,7 +5870,7 @@
         </p:nvSpPr>
         <p:spPr>
           <a:xfrm>
-            <a:off x="2771800" y="4408016"/>
+            <a:off x="2339752" y="5013176"/>
             <a:ext cx="1656184" cy="288032"/>
           </a:xfrm>
           <a:prstGeom prst="rect">
@@ -5560,6 +5905,74 @@
           <a:p>
             <a:pPr algn="ctr"/>
             <a:endParaRPr lang="zh-CN" altLang="en-US"/>
+          </a:p>
+        </p:txBody>
+      </p:sp>
+      <p:sp>
+        <p:nvSpPr>
+          <p:cNvPr id="8" name="圆角矩形标注 7"/>
+          <p:cNvSpPr/>
+          <p:nvPr/>
+        </p:nvSpPr>
+        <p:spPr>
+          <a:xfrm>
+            <a:off x="2555776" y="2950552"/>
+            <a:ext cx="2016224" cy="345923"/>
+          </a:xfrm>
+          <a:prstGeom prst="wedgeRoundRectCallout">
+            <a:avLst>
+              <a:gd name="adj1" fmla="val -29933"/>
+              <a:gd name="adj2" fmla="val 64339"/>
+              <a:gd name="adj3" fmla="val 16667"/>
+            </a:avLst>
+          </a:prstGeom>
+        </p:spPr>
+        <p:style>
+          <a:lnRef idx="2">
+            <a:schemeClr val="accent6"/>
+          </a:lnRef>
+          <a:fillRef idx="1">
+            <a:schemeClr val="lt1"/>
+          </a:fillRef>
+          <a:effectRef idx="0">
+            <a:schemeClr val="accent6"/>
+          </a:effectRef>
+          <a:fontRef idx="minor">
+            <a:schemeClr val="dk1"/>
+          </a:fontRef>
+        </p:style>
+        <p:txBody>
+          <a:bodyPr rtlCol="0" anchor="ctr"/>
+          <a:lstStyle/>
+          <a:p>
+            <a:pPr>
+              <a:lnSpc>
+                <a:spcPct val="150000"/>
+              </a:lnSpc>
+            </a:pPr>
+            <a:r>
+              <a:rPr lang="zh-CN" altLang="en-US" sz="2000" dirty="0" smtClean="0">
+                <a:solidFill>
+                  <a:schemeClr val="tx1">
+                    <a:lumMod val="75000"/>
+                    <a:lumOff val="25000"/>
+                  </a:schemeClr>
+                </a:solidFill>
+                <a:latin typeface="微软雅黑" pitchFamily="34" charset="-122"/>
+                <a:ea typeface="微软雅黑" pitchFamily="34" charset="-122"/>
+              </a:rPr>
+              <a:t>创建所需三角面</a:t>
+            </a:r>
+            <a:endParaRPr lang="en-US" altLang="zh-CN" sz="2000" dirty="0">
+              <a:solidFill>
+                <a:schemeClr val="tx1">
+                  <a:lumMod val="75000"/>
+                  <a:lumOff val="25000"/>
+                </a:schemeClr>
+              </a:solidFill>
+              <a:latin typeface="微软雅黑" pitchFamily="34" charset="-122"/>
+              <a:ea typeface="微软雅黑" pitchFamily="34" charset="-122"/>
+            </a:endParaRPr>
           </a:p>
         </p:txBody>
       </p:sp>
@@ -5615,7 +6028,7 @@
         </p:blipFill>
         <p:spPr>
           <a:xfrm>
-            <a:off x="827584" y="332656"/>
+            <a:off x="827584" y="575862"/>
             <a:ext cx="6887536" cy="1629002"/>
           </a:xfrm>
           <a:prstGeom prst="rect">
@@ -5641,7 +6054,7 @@
         </p:nvSpPr>
         <p:spPr>
           <a:xfrm>
-            <a:off x="4067944" y="1615735"/>
+            <a:off x="4067944" y="1700808"/>
             <a:ext cx="2880320" cy="345923"/>
           </a:xfrm>
           <a:prstGeom prst="wedgeRoundRectCallout">
@@ -5726,6 +6139,74 @@
                 <a:ea typeface="微软雅黑" pitchFamily="34" charset="-122"/>
               </a:rPr>
               <a:t>元素</a:t>
+            </a:r>
+            <a:endParaRPr lang="en-US" altLang="zh-CN" sz="2000" dirty="0">
+              <a:solidFill>
+                <a:schemeClr val="tx1">
+                  <a:lumMod val="75000"/>
+                  <a:lumOff val="25000"/>
+                </a:schemeClr>
+              </a:solidFill>
+              <a:latin typeface="微软雅黑" pitchFamily="34" charset="-122"/>
+              <a:ea typeface="微软雅黑" pitchFamily="34" charset="-122"/>
+            </a:endParaRPr>
+          </a:p>
+        </p:txBody>
+      </p:sp>
+      <p:sp>
+        <p:nvSpPr>
+          <p:cNvPr id="4" name="圆角矩形标注 3"/>
+          <p:cNvSpPr/>
+          <p:nvPr/>
+        </p:nvSpPr>
+        <p:spPr>
+          <a:xfrm>
+            <a:off x="2262685" y="229939"/>
+            <a:ext cx="2016224" cy="345923"/>
+          </a:xfrm>
+          <a:prstGeom prst="wedgeRoundRectCallout">
+            <a:avLst>
+              <a:gd name="adj1" fmla="val -29933"/>
+              <a:gd name="adj2" fmla="val 64339"/>
+              <a:gd name="adj3" fmla="val 16667"/>
+            </a:avLst>
+          </a:prstGeom>
+        </p:spPr>
+        <p:style>
+          <a:lnRef idx="2">
+            <a:schemeClr val="accent6"/>
+          </a:lnRef>
+          <a:fillRef idx="1">
+            <a:schemeClr val="lt1"/>
+          </a:fillRef>
+          <a:effectRef idx="0">
+            <a:schemeClr val="accent6"/>
+          </a:effectRef>
+          <a:fontRef idx="minor">
+            <a:schemeClr val="dk1"/>
+          </a:fontRef>
+        </p:style>
+        <p:txBody>
+          <a:bodyPr rtlCol="0" anchor="ctr"/>
+          <a:lstStyle/>
+          <a:p>
+            <a:pPr>
+              <a:lnSpc>
+                <a:spcPct val="150000"/>
+              </a:lnSpc>
+            </a:pPr>
+            <a:r>
+              <a:rPr lang="zh-CN" altLang="en-US" sz="2000" dirty="0" smtClean="0">
+                <a:solidFill>
+                  <a:schemeClr val="tx1">
+                    <a:lumMod val="75000"/>
+                    <a:lumOff val="25000"/>
+                  </a:schemeClr>
+                </a:solidFill>
+                <a:latin typeface="微软雅黑" pitchFamily="34" charset="-122"/>
+                <a:ea typeface="微软雅黑" pitchFamily="34" charset="-122"/>
+              </a:rPr>
+              <a:t>创建单个三角面</a:t>
             </a:r>
             <a:endParaRPr lang="en-US" altLang="zh-CN" sz="2000" dirty="0">
               <a:solidFill>
@@ -5778,7 +6259,7 @@
         </p:nvSpPr>
         <p:spPr>
           <a:xfrm>
-            <a:off x="684000" y="620688"/>
+            <a:off x="684000" y="422662"/>
             <a:ext cx="7776000" cy="2862322"/>
           </a:xfrm>
           <a:prstGeom prst="rect">
@@ -5851,7 +6332,7 @@
                 <a:latin typeface="微软雅黑" pitchFamily="34" charset="-122"/>
                 <a:ea typeface="微软雅黑" pitchFamily="34" charset="-122"/>
               </a:rPr>
-              <a:t>上一在动画启动之前，必须知道每个三角面从哪个颜色变化到哪个颜色， 三个顶点从哪个点变化到哪个点</a:t>
+              <a:t>在</a:t>
             </a:r>
             <a:r>
               <a:rPr lang="zh-CN" altLang="en-US" sz="2400" dirty="0" smtClean="0">
@@ -5864,7 +6345,254 @@
                 <a:latin typeface="微软雅黑" pitchFamily="34" charset="-122"/>
                 <a:ea typeface="微软雅黑" pitchFamily="34" charset="-122"/>
               </a:rPr>
-              <a:t>，每个变化用多长时间，延时多长时间这些基本的信息，如下</a:t>
+              <a:t>动画启动之前</a:t>
+            </a:r>
+            <a:r>
+              <a:rPr lang="zh-CN" altLang="en-US" sz="2400" dirty="0" smtClean="0">
+                <a:solidFill>
+                  <a:schemeClr val="tx1">
+                    <a:lumMod val="75000"/>
+                    <a:lumOff val="25000"/>
+                  </a:schemeClr>
+                </a:solidFill>
+                <a:latin typeface="微软雅黑" pitchFamily="34" charset="-122"/>
+                <a:ea typeface="微软雅黑" pitchFamily="34" charset="-122"/>
+              </a:rPr>
+              <a:t>，</a:t>
+            </a:r>
+            <a:r>
+              <a:rPr lang="zh-CN" altLang="en-US" sz="2400" dirty="0">
+                <a:solidFill>
+                  <a:schemeClr val="tx1">
+                    <a:lumMod val="75000"/>
+                    <a:lumOff val="25000"/>
+                  </a:schemeClr>
+                </a:solidFill>
+                <a:latin typeface="微软雅黑" pitchFamily="34" charset="-122"/>
+                <a:ea typeface="微软雅黑" pitchFamily="34" charset="-122"/>
+              </a:rPr>
+              <a:t>需要</a:t>
+            </a:r>
+            <a:r>
+              <a:rPr lang="zh-CN" altLang="en-US" sz="2400" dirty="0" smtClean="0">
+                <a:solidFill>
+                  <a:schemeClr val="tx1">
+                    <a:lumMod val="75000"/>
+                    <a:lumOff val="25000"/>
+                  </a:schemeClr>
+                </a:solidFill>
+                <a:latin typeface="微软雅黑" pitchFamily="34" charset="-122"/>
+                <a:ea typeface="微软雅黑" pitchFamily="34" charset="-122"/>
+              </a:rPr>
+              <a:t>知道</a:t>
+            </a:r>
+            <a:r>
+              <a:rPr lang="zh-CN" altLang="en-US" sz="2400" dirty="0" smtClean="0">
+                <a:solidFill>
+                  <a:schemeClr val="tx1">
+                    <a:lumMod val="75000"/>
+                    <a:lumOff val="25000"/>
+                  </a:schemeClr>
+                </a:solidFill>
+                <a:latin typeface="微软雅黑" pitchFamily="34" charset="-122"/>
+                <a:ea typeface="微软雅黑" pitchFamily="34" charset="-122"/>
+              </a:rPr>
+              <a:t>每个三角面</a:t>
+            </a:r>
+            <a:r>
+              <a:rPr lang="zh-CN" altLang="en-US" sz="2400" dirty="0" smtClean="0">
+                <a:solidFill>
+                  <a:schemeClr val="tx1">
+                    <a:lumMod val="75000"/>
+                    <a:lumOff val="25000"/>
+                  </a:schemeClr>
+                </a:solidFill>
+                <a:latin typeface="微软雅黑" pitchFamily="34" charset="-122"/>
+                <a:ea typeface="微软雅黑" pitchFamily="34" charset="-122"/>
+              </a:rPr>
+              <a:t>从</a:t>
+            </a:r>
+            <a:r>
+              <a:rPr lang="zh-CN" altLang="en-US" sz="2400" dirty="0">
+                <a:solidFill>
+                  <a:schemeClr val="tx1">
+                    <a:lumMod val="75000"/>
+                    <a:lumOff val="25000"/>
+                  </a:schemeClr>
+                </a:solidFill>
+                <a:latin typeface="微软雅黑" pitchFamily="34" charset="-122"/>
+                <a:ea typeface="微软雅黑" pitchFamily="34" charset="-122"/>
+              </a:rPr>
+              <a:t>什么</a:t>
+            </a:r>
+            <a:r>
+              <a:rPr lang="zh-CN" altLang="en-US" sz="2400" dirty="0" smtClean="0">
+                <a:solidFill>
+                  <a:schemeClr val="tx1">
+                    <a:lumMod val="75000"/>
+                    <a:lumOff val="25000"/>
+                  </a:schemeClr>
+                </a:solidFill>
+                <a:latin typeface="微软雅黑" pitchFamily="34" charset="-122"/>
+                <a:ea typeface="微软雅黑" pitchFamily="34" charset="-122"/>
+              </a:rPr>
+              <a:t>颜色</a:t>
+            </a:r>
+            <a:r>
+              <a:rPr lang="zh-CN" altLang="en-US" sz="2400" dirty="0" smtClean="0">
+                <a:solidFill>
+                  <a:schemeClr val="tx1">
+                    <a:lumMod val="75000"/>
+                    <a:lumOff val="25000"/>
+                  </a:schemeClr>
+                </a:solidFill>
+                <a:latin typeface="微软雅黑" pitchFamily="34" charset="-122"/>
+                <a:ea typeface="微软雅黑" pitchFamily="34" charset="-122"/>
+              </a:rPr>
+              <a:t>变化</a:t>
+            </a:r>
+            <a:r>
+              <a:rPr lang="zh-CN" altLang="en-US" sz="2400" dirty="0" smtClean="0">
+                <a:solidFill>
+                  <a:schemeClr val="tx1">
+                    <a:lumMod val="75000"/>
+                    <a:lumOff val="25000"/>
+                  </a:schemeClr>
+                </a:solidFill>
+                <a:latin typeface="微软雅黑" pitchFamily="34" charset="-122"/>
+                <a:ea typeface="微软雅黑" pitchFamily="34" charset="-122"/>
+              </a:rPr>
+              <a:t>到</a:t>
+            </a:r>
+            <a:r>
+              <a:rPr lang="zh-CN" altLang="en-US" sz="2400" dirty="0">
+                <a:solidFill>
+                  <a:schemeClr val="tx1">
+                    <a:lumMod val="75000"/>
+                    <a:lumOff val="25000"/>
+                  </a:schemeClr>
+                </a:solidFill>
+                <a:latin typeface="微软雅黑" pitchFamily="34" charset="-122"/>
+                <a:ea typeface="微软雅黑" pitchFamily="34" charset="-122"/>
+              </a:rPr>
+              <a:t>什么</a:t>
+            </a:r>
+            <a:r>
+              <a:rPr lang="zh-CN" altLang="en-US" sz="2400" dirty="0" smtClean="0">
+                <a:solidFill>
+                  <a:schemeClr val="tx1">
+                    <a:lumMod val="75000"/>
+                    <a:lumOff val="25000"/>
+                  </a:schemeClr>
+                </a:solidFill>
+                <a:latin typeface="微软雅黑" pitchFamily="34" charset="-122"/>
+                <a:ea typeface="微软雅黑" pitchFamily="34" charset="-122"/>
+              </a:rPr>
+              <a:t>颜色</a:t>
+            </a:r>
+            <a:r>
+              <a:rPr lang="zh-CN" altLang="en-US" sz="2400" dirty="0" smtClean="0">
+                <a:solidFill>
+                  <a:schemeClr val="tx1">
+                    <a:lumMod val="75000"/>
+                    <a:lumOff val="25000"/>
+                  </a:schemeClr>
+                </a:solidFill>
+                <a:latin typeface="微软雅黑" pitchFamily="34" charset="-122"/>
+                <a:ea typeface="微软雅黑" pitchFamily="34" charset="-122"/>
+              </a:rPr>
+              <a:t>， </a:t>
+            </a:r>
+            <a:r>
+              <a:rPr lang="zh-CN" altLang="en-US" sz="2400" dirty="0" smtClean="0">
+                <a:solidFill>
+                  <a:schemeClr val="tx1">
+                    <a:lumMod val="75000"/>
+                    <a:lumOff val="25000"/>
+                  </a:schemeClr>
+                </a:solidFill>
+                <a:latin typeface="微软雅黑" pitchFamily="34" charset="-122"/>
+                <a:ea typeface="微软雅黑" pitchFamily="34" charset="-122"/>
+              </a:rPr>
+              <a:t>三角面三</a:t>
+            </a:r>
+            <a:r>
+              <a:rPr lang="zh-CN" altLang="en-US" sz="2400" dirty="0" smtClean="0">
+                <a:solidFill>
+                  <a:schemeClr val="tx1">
+                    <a:lumMod val="75000"/>
+                    <a:lumOff val="25000"/>
+                  </a:schemeClr>
+                </a:solidFill>
+                <a:latin typeface="微软雅黑" pitchFamily="34" charset="-122"/>
+                <a:ea typeface="微软雅黑" pitchFamily="34" charset="-122"/>
+              </a:rPr>
+              <a:t>个顶点从</a:t>
+            </a:r>
+            <a:r>
+              <a:rPr lang="zh-CN" altLang="en-US" sz="2400" dirty="0" smtClean="0">
+                <a:solidFill>
+                  <a:schemeClr val="tx1">
+                    <a:lumMod val="75000"/>
+                    <a:lumOff val="25000"/>
+                  </a:schemeClr>
+                </a:solidFill>
+                <a:latin typeface="微软雅黑" pitchFamily="34" charset="-122"/>
+                <a:ea typeface="微软雅黑" pitchFamily="34" charset="-122"/>
+              </a:rPr>
+              <a:t>哪个坐标变化</a:t>
+            </a:r>
+            <a:r>
+              <a:rPr lang="zh-CN" altLang="en-US" sz="2400" dirty="0" smtClean="0">
+                <a:solidFill>
+                  <a:schemeClr val="tx1">
+                    <a:lumMod val="75000"/>
+                    <a:lumOff val="25000"/>
+                  </a:schemeClr>
+                </a:solidFill>
+                <a:latin typeface="微软雅黑" pitchFamily="34" charset="-122"/>
+                <a:ea typeface="微软雅黑" pitchFamily="34" charset="-122"/>
+              </a:rPr>
+              <a:t>到</a:t>
+            </a:r>
+            <a:r>
+              <a:rPr lang="zh-CN" altLang="en-US" sz="2400" dirty="0" smtClean="0">
+                <a:solidFill>
+                  <a:schemeClr val="tx1">
+                    <a:lumMod val="75000"/>
+                    <a:lumOff val="25000"/>
+                  </a:schemeClr>
+                </a:solidFill>
+                <a:latin typeface="微软雅黑" pitchFamily="34" charset="-122"/>
+                <a:ea typeface="微软雅黑" pitchFamily="34" charset="-122"/>
+              </a:rPr>
+              <a:t>哪个坐标，动画持续多久，延时</a:t>
+            </a:r>
+            <a:r>
+              <a:rPr lang="zh-CN" altLang="en-US" sz="2400" dirty="0" smtClean="0">
+                <a:solidFill>
+                  <a:schemeClr val="tx1">
+                    <a:lumMod val="75000"/>
+                    <a:lumOff val="25000"/>
+                  </a:schemeClr>
+                </a:solidFill>
+                <a:latin typeface="微软雅黑" pitchFamily="34" charset="-122"/>
+                <a:ea typeface="微软雅黑" pitchFamily="34" charset="-122"/>
+              </a:rPr>
+              <a:t>多久，</a:t>
+            </a:r>
+            <a:r>
+              <a:rPr lang="zh-CN" altLang="en-US" sz="2400" dirty="0" smtClean="0">
+                <a:solidFill>
+                  <a:schemeClr val="tx1">
+                    <a:lumMod val="75000"/>
+                    <a:lumOff val="25000"/>
+                  </a:schemeClr>
+                </a:solidFill>
+                <a:latin typeface="微软雅黑" pitchFamily="34" charset="-122"/>
+                <a:ea typeface="微软雅黑" pitchFamily="34" charset="-122"/>
+              </a:rPr>
+              <a:t>这些信息要提前准备好，以待动画触发</a:t>
             </a:r>
             <a:endParaRPr lang="en-US" altLang="zh-CN" sz="2400" dirty="0" smtClean="0">
               <a:solidFill>
@@ -5887,7 +6615,7 @@
         </p:nvSpPr>
         <p:spPr>
           <a:xfrm>
-            <a:off x="684000" y="44624"/>
+            <a:off x="684000" y="-46548"/>
             <a:ext cx="7776000" cy="523220"/>
           </a:xfrm>
           <a:prstGeom prst="rect">
@@ -5938,20 +6666,7 @@
                 <a:latin typeface="微软雅黑" pitchFamily="34" charset="-122"/>
                 <a:ea typeface="微软雅黑" pitchFamily="34" charset="-122"/>
               </a:rPr>
-              <a:t> </a:t>
-            </a:r>
-            <a:r>
-              <a:rPr lang="zh-CN" altLang="en-US" sz="2800" b="1" dirty="0" smtClean="0">
-                <a:solidFill>
-                  <a:schemeClr val="tx1">
-                    <a:lumMod val="75000"/>
-                    <a:lumOff val="25000"/>
-                  </a:schemeClr>
-                </a:solidFill>
-                <a:latin typeface="微软雅黑" pitchFamily="34" charset="-122"/>
-                <a:ea typeface="微软雅黑" pitchFamily="34" charset="-122"/>
-              </a:rPr>
-              <a:t>插值动画</a:t>
+              <a:t> 插值动画</a:t>
             </a:r>
             <a:endParaRPr lang="zh-CN" altLang="en-US" sz="2800" b="1" dirty="0">
               <a:solidFill>
@@ -5988,7 +6703,7 @@
         </p:blipFill>
         <p:spPr>
           <a:xfrm>
-            <a:off x="1620104" y="3211302"/>
+            <a:off x="2484200" y="3211302"/>
             <a:ext cx="4867954" cy="3458058"/>
           </a:xfrm>
           <a:prstGeom prst="rect">
@@ -6014,8 +6729,8 @@
         </p:nvSpPr>
         <p:spPr>
           <a:xfrm>
-            <a:off x="2483768" y="2865379"/>
-            <a:ext cx="2375832" cy="345923"/>
+            <a:off x="3347864" y="2865379"/>
+            <a:ext cx="2952328" cy="345923"/>
           </a:xfrm>
           <a:prstGeom prst="wedgeRoundRectCallout">
             <a:avLst>
@@ -6059,7 +6774,33 @@
                 <a:latin typeface="微软雅黑" pitchFamily="34" charset="-122"/>
                 <a:ea typeface="微软雅黑" pitchFamily="34" charset="-122"/>
               </a:rPr>
-              <a:t>动画信息构造函数</a:t>
+              <a:t>动画</a:t>
+            </a:r>
+            <a:r>
+              <a:rPr lang="zh-CN" altLang="en-US" sz="2000" dirty="0" smtClean="0">
+                <a:solidFill>
+                  <a:schemeClr val="tx1">
+                    <a:lumMod val="75000"/>
+                    <a:lumOff val="25000"/>
+                  </a:schemeClr>
+                </a:solidFill>
+                <a:latin typeface="微软雅黑" pitchFamily="34" charset="-122"/>
+                <a:ea typeface="微软雅黑" pitchFamily="34" charset="-122"/>
+              </a:rPr>
+              <a:t>信息对象构造</a:t>
+            </a:r>
+            <a:r>
+              <a:rPr lang="zh-CN" altLang="en-US" sz="2000" dirty="0" smtClean="0">
+                <a:solidFill>
+                  <a:schemeClr val="tx1">
+                    <a:lumMod val="75000"/>
+                    <a:lumOff val="25000"/>
+                  </a:schemeClr>
+                </a:solidFill>
+                <a:latin typeface="微软雅黑" pitchFamily="34" charset="-122"/>
+                <a:ea typeface="微软雅黑" pitchFamily="34" charset="-122"/>
+              </a:rPr>
+              <a:t>函数</a:t>
             </a:r>
             <a:endParaRPr lang="en-US" altLang="zh-CN" sz="2000" dirty="0">
               <a:solidFill>
@@ -6082,7 +6823,7 @@
         </p:nvSpPr>
         <p:spPr>
           <a:xfrm>
-            <a:off x="4211960" y="5229200"/>
+            <a:off x="5076056" y="5229200"/>
             <a:ext cx="2276098" cy="345923"/>
           </a:xfrm>
           <a:prstGeom prst="wedgeRoundRectCallout">
@@ -6150,7 +6891,7 @@
         </p:nvSpPr>
         <p:spPr>
           <a:xfrm>
-            <a:off x="4591524" y="5877272"/>
+            <a:off x="5455620" y="5877272"/>
             <a:ext cx="2644772" cy="792088"/>
           </a:xfrm>
           <a:prstGeom prst="wedgeRoundRectCallout">
@@ -6218,7 +6959,7 @@
         </p:nvSpPr>
         <p:spPr>
           <a:xfrm>
-            <a:off x="4355976" y="3934091"/>
+            <a:off x="5220072" y="3934091"/>
             <a:ext cx="2880320" cy="993995"/>
           </a:xfrm>
           <a:prstGeom prst="wedgeRoundRectCallout">
@@ -6264,6 +7005,74 @@
                 <a:ea typeface="微软雅黑" pitchFamily="34" charset="-122"/>
               </a:rPr>
               <a:t>动画的开始，结束数值，持续时间，延迟时间</a:t>
+            </a:r>
+            <a:endParaRPr lang="en-US" altLang="zh-CN" sz="2000" dirty="0">
+              <a:solidFill>
+                <a:schemeClr val="tx1">
+                  <a:lumMod val="75000"/>
+                  <a:lumOff val="25000"/>
+                </a:schemeClr>
+              </a:solidFill>
+              <a:latin typeface="微软雅黑" pitchFamily="34" charset="-122"/>
+              <a:ea typeface="微软雅黑" pitchFamily="34" charset="-122"/>
+            </a:endParaRPr>
+          </a:p>
+        </p:txBody>
+      </p:sp>
+      <p:sp>
+        <p:nvSpPr>
+          <p:cNvPr id="9" name="圆角矩形标注 8"/>
+          <p:cNvSpPr/>
+          <p:nvPr/>
+        </p:nvSpPr>
+        <p:spPr>
+          <a:xfrm>
+            <a:off x="971600" y="3789040"/>
+            <a:ext cx="1368152" cy="1786083"/>
+          </a:xfrm>
+          <a:prstGeom prst="wedgeRoundRectCallout">
+            <a:avLst>
+              <a:gd name="adj1" fmla="val 73285"/>
+              <a:gd name="adj2" fmla="val 17088"/>
+              <a:gd name="adj3" fmla="val 16667"/>
+            </a:avLst>
+          </a:prstGeom>
+        </p:spPr>
+        <p:style>
+          <a:lnRef idx="2">
+            <a:schemeClr val="accent5"/>
+          </a:lnRef>
+          <a:fillRef idx="1">
+            <a:schemeClr val="lt1"/>
+          </a:fillRef>
+          <a:effectRef idx="0">
+            <a:schemeClr val="accent5"/>
+          </a:effectRef>
+          <a:fontRef idx="minor">
+            <a:schemeClr val="dk1"/>
+          </a:fontRef>
+        </p:style>
+        <p:txBody>
+          <a:bodyPr rtlCol="0" anchor="ctr"/>
+          <a:lstStyle/>
+          <a:p>
+            <a:pPr>
+              <a:lnSpc>
+                <a:spcPct val="150000"/>
+              </a:lnSpc>
+            </a:pPr>
+            <a:r>
+              <a:rPr lang="zh-CN" altLang="en-US" sz="2000" dirty="0" smtClean="0">
+                <a:solidFill>
+                  <a:schemeClr val="tx1">
+                    <a:lumMod val="75000"/>
+                    <a:lumOff val="25000"/>
+                  </a:schemeClr>
+                </a:solidFill>
+                <a:latin typeface="微软雅黑" pitchFamily="34" charset="-122"/>
+                <a:ea typeface="微软雅黑" pitchFamily="34" charset="-122"/>
+              </a:rPr>
+              <a:t>用此对象保存三角面的动画信息</a:t>
             </a:r>
             <a:endParaRPr lang="en-US" altLang="zh-CN" sz="2000" dirty="0">
               <a:solidFill>
@@ -6471,7 +7280,7 @@
         <p:spPr>
           <a:xfrm>
             <a:off x="5148064" y="1916832"/>
-            <a:ext cx="1584176" cy="345923"/>
+            <a:ext cx="2088232" cy="345923"/>
           </a:xfrm>
           <a:prstGeom prst="wedgeRoundRectCallout">
             <a:avLst>
@@ -6515,7 +7324,20 @@
                 <a:latin typeface="微软雅黑" pitchFamily="34" charset="-122"/>
                 <a:ea typeface="微软雅黑" pitchFamily="34" charset="-122"/>
               </a:rPr>
-              <a:t>遍历三角面</a:t>
+              <a:t>遍历三角</a:t>
+            </a:r>
+            <a:r>
+              <a:rPr lang="zh-CN" altLang="en-US" sz="2000" dirty="0" smtClean="0">
+                <a:solidFill>
+                  <a:schemeClr val="tx1">
+                    <a:lumMod val="75000"/>
+                    <a:lumOff val="25000"/>
+                  </a:schemeClr>
+                </a:solidFill>
+                <a:latin typeface="微软雅黑" pitchFamily="34" charset="-122"/>
+                <a:ea typeface="微软雅黑" pitchFamily="34" charset="-122"/>
+              </a:rPr>
+              <a:t>面元素</a:t>
             </a:r>
             <a:endParaRPr lang="en-US" altLang="zh-CN" sz="2000" dirty="0">
               <a:solidFill>
@@ -6539,7 +7361,7 @@
         <p:spPr>
           <a:xfrm>
             <a:off x="3477582" y="2564904"/>
-            <a:ext cx="4262770" cy="1008111"/>
+            <a:ext cx="4406786" cy="1008111"/>
           </a:xfrm>
           <a:prstGeom prst="wedgeRoundRectCallout">
             <a:avLst>
@@ -6583,7 +7405,33 @@
                 <a:latin typeface="微软雅黑" pitchFamily="34" charset="-122"/>
                 <a:ea typeface="微软雅黑" pitchFamily="34" charset="-122"/>
               </a:rPr>
-              <a:t>如果索引小于图形面数，按顺序使用数据，否则随机一个三角面数据</a:t>
+              <a:t>如果索引小于图形面数，按顺序使用数据，否则</a:t>
+            </a:r>
+            <a:r>
+              <a:rPr lang="zh-CN" altLang="en-US" sz="2000" dirty="0" smtClean="0">
+                <a:solidFill>
+                  <a:schemeClr val="tx1">
+                    <a:lumMod val="75000"/>
+                    <a:lumOff val="25000"/>
+                  </a:schemeClr>
+                </a:solidFill>
+                <a:latin typeface="微软雅黑" pitchFamily="34" charset="-122"/>
+                <a:ea typeface="微软雅黑" pitchFamily="34" charset="-122"/>
+              </a:rPr>
+              <a:t>随机重复一</a:t>
+            </a:r>
+            <a:r>
+              <a:rPr lang="zh-CN" altLang="en-US" sz="2000" dirty="0" smtClean="0">
+                <a:solidFill>
+                  <a:schemeClr val="tx1">
+                    <a:lumMod val="75000"/>
+                    <a:lumOff val="25000"/>
+                  </a:schemeClr>
+                </a:solidFill>
+                <a:latin typeface="微软雅黑" pitchFamily="34" charset="-122"/>
+                <a:ea typeface="微软雅黑" pitchFamily="34" charset="-122"/>
+              </a:rPr>
+              <a:t>个三角面数据</a:t>
             </a:r>
             <a:endParaRPr lang="en-US" altLang="zh-CN" sz="2000" dirty="0">
               <a:solidFill>
@@ -6731,6 +7579,212 @@
               <a:latin typeface="微软雅黑" pitchFamily="34" charset="-122"/>
               <a:ea typeface="微软雅黑" pitchFamily="34" charset="-122"/>
             </a:endParaRPr>
+          </a:p>
+        </p:txBody>
+      </p:sp>
+      <p:sp>
+        <p:nvSpPr>
+          <p:cNvPr id="8" name="矩形 7"/>
+          <p:cNvSpPr/>
+          <p:nvPr/>
+        </p:nvSpPr>
+        <p:spPr>
+          <a:xfrm>
+            <a:off x="2823670" y="3645024"/>
+            <a:ext cx="1800200" cy="288032"/>
+          </a:xfrm>
+          <a:prstGeom prst="rect">
+            <a:avLst/>
+          </a:prstGeom>
+          <a:noFill/>
+          <a:ln w="38100">
+            <a:solidFill>
+              <a:srgbClr val="FFFF00"/>
+            </a:solidFill>
+          </a:ln>
+        </p:spPr>
+        <p:style>
+          <a:lnRef idx="2">
+            <a:schemeClr val="accent1">
+              <a:shade val="50000"/>
+            </a:schemeClr>
+          </a:lnRef>
+          <a:fillRef idx="1">
+            <a:schemeClr val="accent1"/>
+          </a:fillRef>
+          <a:effectRef idx="0">
+            <a:schemeClr val="accent1"/>
+          </a:effectRef>
+          <a:fontRef idx="minor">
+            <a:schemeClr val="lt1"/>
+          </a:fontRef>
+        </p:style>
+        <p:txBody>
+          <a:bodyPr rtlCol="0" anchor="ctr"/>
+          <a:lstStyle/>
+          <a:p>
+            <a:pPr algn="ctr"/>
+            <a:endParaRPr lang="zh-CN" altLang="en-US"/>
+          </a:p>
+        </p:txBody>
+      </p:sp>
+      <p:sp>
+        <p:nvSpPr>
+          <p:cNvPr id="9" name="圆角矩形标注 8"/>
+          <p:cNvSpPr/>
+          <p:nvPr/>
+        </p:nvSpPr>
+        <p:spPr>
+          <a:xfrm>
+            <a:off x="4160211" y="4149080"/>
+            <a:ext cx="2610682" cy="345923"/>
+          </a:xfrm>
+          <a:prstGeom prst="wedgeRoundRectCallout">
+            <a:avLst>
+              <a:gd name="adj1" fmla="val -40402"/>
+              <a:gd name="adj2" fmla="val -85778"/>
+              <a:gd name="adj3" fmla="val 16667"/>
+            </a:avLst>
+          </a:prstGeom>
+        </p:spPr>
+        <p:style>
+          <a:lnRef idx="2">
+            <a:schemeClr val="accent5"/>
+          </a:lnRef>
+          <a:fillRef idx="1">
+            <a:schemeClr val="lt1"/>
+          </a:fillRef>
+          <a:effectRef idx="0">
+            <a:schemeClr val="accent5"/>
+          </a:effectRef>
+          <a:fontRef idx="minor">
+            <a:schemeClr val="dk1"/>
+          </a:fontRef>
+        </p:style>
+        <p:txBody>
+          <a:bodyPr rtlCol="0" anchor="ctr"/>
+          <a:lstStyle/>
+          <a:p>
+            <a:pPr>
+              <a:lnSpc>
+                <a:spcPct val="150000"/>
+              </a:lnSpc>
+            </a:pPr>
+            <a:r>
+              <a:rPr lang="zh-CN" altLang="en-US" sz="2000" dirty="0" smtClean="0">
+                <a:solidFill>
+                  <a:schemeClr val="tx1">
+                    <a:lumMod val="75000"/>
+                    <a:lumOff val="25000"/>
+                  </a:schemeClr>
+                </a:solidFill>
+                <a:latin typeface="微软雅黑" pitchFamily="34" charset="-122"/>
+                <a:ea typeface="微软雅黑" pitchFamily="34" charset="-122"/>
+              </a:rPr>
+              <a:t>获取数组的随机索引</a:t>
+            </a:r>
+            <a:endParaRPr lang="en-US" altLang="zh-CN" sz="2000" dirty="0">
+              <a:solidFill>
+                <a:schemeClr val="tx1">
+                  <a:lumMod val="75000"/>
+                  <a:lumOff val="25000"/>
+                </a:schemeClr>
+              </a:solidFill>
+              <a:latin typeface="微软雅黑" pitchFamily="34" charset="-122"/>
+              <a:ea typeface="微软雅黑" pitchFamily="34" charset="-122"/>
+            </a:endParaRPr>
+          </a:p>
+        </p:txBody>
+      </p:sp>
+      <p:sp>
+        <p:nvSpPr>
+          <p:cNvPr id="10" name="矩形 9"/>
+          <p:cNvSpPr/>
+          <p:nvPr/>
+        </p:nvSpPr>
+        <p:spPr>
+          <a:xfrm>
+            <a:off x="2699792" y="5373216"/>
+            <a:ext cx="1800200" cy="288032"/>
+          </a:xfrm>
+          <a:prstGeom prst="rect">
+            <a:avLst/>
+          </a:prstGeom>
+          <a:noFill/>
+          <a:ln w="38100">
+            <a:solidFill>
+              <a:srgbClr val="FFFF00"/>
+            </a:solidFill>
+          </a:ln>
+        </p:spPr>
+        <p:style>
+          <a:lnRef idx="2">
+            <a:schemeClr val="accent1">
+              <a:shade val="50000"/>
+            </a:schemeClr>
+          </a:lnRef>
+          <a:fillRef idx="1">
+            <a:schemeClr val="accent1"/>
+          </a:fillRef>
+          <a:effectRef idx="0">
+            <a:schemeClr val="accent1"/>
+          </a:effectRef>
+          <a:fontRef idx="minor">
+            <a:schemeClr val="lt1"/>
+          </a:fontRef>
+        </p:style>
+        <p:txBody>
+          <a:bodyPr rtlCol="0" anchor="ctr"/>
+          <a:lstStyle/>
+          <a:p>
+            <a:pPr algn="ctr"/>
+            <a:endParaRPr lang="zh-CN" altLang="en-US"/>
+          </a:p>
+        </p:txBody>
+      </p:sp>
+      <p:sp>
+        <p:nvSpPr>
+          <p:cNvPr id="11" name="矩形 10"/>
+          <p:cNvSpPr/>
+          <p:nvPr/>
+        </p:nvSpPr>
+        <p:spPr>
+          <a:xfrm>
+            <a:off x="1187624" y="6036116"/>
+            <a:ext cx="2160240" cy="288032"/>
+          </a:xfrm>
+          <a:prstGeom prst="rect">
+            <a:avLst/>
+          </a:prstGeom>
+          <a:noFill/>
+          <a:ln w="38100">
+            <a:solidFill>
+              <a:srgbClr val="FFFF00"/>
+            </a:solidFill>
+          </a:ln>
+        </p:spPr>
+        <p:style>
+          <a:lnRef idx="2">
+            <a:schemeClr val="accent1">
+              <a:shade val="50000"/>
+            </a:schemeClr>
+          </a:lnRef>
+          <a:fillRef idx="1">
+            <a:schemeClr val="accent1"/>
+          </a:fillRef>
+          <a:effectRef idx="0">
+            <a:schemeClr val="accent1"/>
+          </a:effectRef>
+          <a:fontRef idx="minor">
+            <a:schemeClr val="lt1"/>
+          </a:fontRef>
+        </p:style>
+        <p:txBody>
+          <a:bodyPr rtlCol="0" anchor="ctr"/>
+          <a:lstStyle/>
+          <a:p>
+            <a:pPr algn="ctr"/>
+            <a:endParaRPr lang="zh-CN" altLang="en-US"/>
           </a:p>
         </p:txBody>
       </p:sp>
@@ -6880,13 +7934,13 @@
         </p:nvSpPr>
         <p:spPr>
           <a:xfrm>
-            <a:off x="4860032" y="1585738"/>
+            <a:off x="4788024" y="1484784"/>
             <a:ext cx="2304256" cy="345923"/>
           </a:xfrm>
           <a:prstGeom prst="wedgeRoundRectCallout">
             <a:avLst>
-              <a:gd name="adj1" fmla="val -56816"/>
-              <a:gd name="adj2" fmla="val 8861"/>
+              <a:gd name="adj1" fmla="val -54367"/>
+              <a:gd name="adj2" fmla="val 21915"/>
               <a:gd name="adj3" fmla="val 16667"/>
             </a:avLst>
           </a:prstGeom>
@@ -6915,6 +7969,19 @@
               </a:lnSpc>
             </a:pPr>
             <a:r>
+              <a:rPr lang="zh-CN" altLang="en-US" sz="2000" dirty="0">
+                <a:solidFill>
+                  <a:schemeClr val="tx1">
+                    <a:lumMod val="75000"/>
+                    <a:lumOff val="25000"/>
+                  </a:schemeClr>
+                </a:solidFill>
+                <a:latin typeface="微软雅黑" pitchFamily="34" charset="-122"/>
+                <a:ea typeface="微软雅黑" pitchFamily="34" charset="-122"/>
+              </a:rPr>
+              <a:t>顶</a:t>
+            </a:r>
+            <a:r>
               <a:rPr lang="zh-CN" altLang="en-US" sz="2000" dirty="0" smtClean="0">
                 <a:solidFill>
                   <a:schemeClr val="tx1">
@@ -6925,7 +7992,20 @@
                 <a:latin typeface="微软雅黑" pitchFamily="34" charset="-122"/>
                 <a:ea typeface="微软雅黑" pitchFamily="34" charset="-122"/>
               </a:rPr>
-              <a:t>定点动画持续时间</a:t>
+              <a:t>点</a:t>
+            </a:r>
+            <a:r>
+              <a:rPr lang="zh-CN" altLang="en-US" sz="2000" dirty="0" smtClean="0">
+                <a:solidFill>
+                  <a:schemeClr val="tx1">
+                    <a:lumMod val="75000"/>
+                    <a:lumOff val="25000"/>
+                  </a:schemeClr>
+                </a:solidFill>
+                <a:latin typeface="微软雅黑" pitchFamily="34" charset="-122"/>
+                <a:ea typeface="微软雅黑" pitchFamily="34" charset="-122"/>
+              </a:rPr>
+              <a:t>动画持续时间</a:t>
             </a:r>
             <a:endParaRPr lang="en-US" altLang="zh-CN" sz="2000" dirty="0">
               <a:solidFill>
@@ -6953,8 +8033,8 @@
           </a:xfrm>
           <a:prstGeom prst="wedgeRoundRectCallout">
             <a:avLst>
-              <a:gd name="adj1" fmla="val -56816"/>
-              <a:gd name="adj2" fmla="val 8861"/>
+              <a:gd name="adj1" fmla="val -54856"/>
+              <a:gd name="adj2" fmla="val 28441"/>
               <a:gd name="adj3" fmla="val 16667"/>
             </a:avLst>
           </a:prstGeom>
@@ -7030,7 +8110,7 @@
         <p:spPr>
           <a:xfrm>
             <a:off x="4139952" y="2665858"/>
-            <a:ext cx="3813326" cy="345923"/>
+            <a:ext cx="3528392" cy="345923"/>
           </a:xfrm>
           <a:prstGeom prst="wedgeRoundRectCallout">
             <a:avLst>
@@ -7074,7 +8154,7 @@
                 <a:latin typeface="微软雅黑" pitchFamily="34" charset="-122"/>
                 <a:ea typeface="微软雅黑" pitchFamily="34" charset="-122"/>
               </a:rPr>
-              <a:t>创建颜色动画信息对象，并保存</a:t>
+              <a:t>创建对象，保存颜色动画信息</a:t>
             </a:r>
             <a:endParaRPr lang="en-US" altLang="zh-CN" sz="2000" dirty="0">
               <a:solidFill>
@@ -7097,8 +8177,8 @@
         </p:nvSpPr>
         <p:spPr>
           <a:xfrm>
-            <a:off x="3419872" y="3385938"/>
-            <a:ext cx="4498951" cy="345923"/>
+            <a:off x="3419873" y="3385938"/>
+            <a:ext cx="4248472" cy="345923"/>
           </a:xfrm>
           <a:prstGeom prst="wedgeRoundRectCallout">
             <a:avLst>
@@ -7158,6 +8238,19 @@
               <a:t>6</a:t>
             </a:r>
             <a:r>
+              <a:rPr lang="zh-CN" altLang="en-US" sz="2000" dirty="0">
+                <a:solidFill>
+                  <a:schemeClr val="tx1">
+                    <a:lumMod val="75000"/>
+                    <a:lumOff val="25000"/>
+                  </a:schemeClr>
+                </a:solidFill>
+                <a:latin typeface="微软雅黑" pitchFamily="34" charset="-122"/>
+                <a:ea typeface="微软雅黑" pitchFamily="34" charset="-122"/>
+              </a:rPr>
+              <a:t>个对象，保存顶点的</a:t>
+            </a:r>
+            <a:r>
               <a:rPr lang="zh-CN" altLang="en-US" sz="2000" dirty="0" smtClean="0">
                 <a:solidFill>
                   <a:schemeClr val="tx1">
@@ -7168,7 +8261,7 @@
                 <a:latin typeface="微软雅黑" pitchFamily="34" charset="-122"/>
                 <a:ea typeface="微软雅黑" pitchFamily="34" charset="-122"/>
               </a:rPr>
-              <a:t>个顶点的动画信息对象，并保存</a:t>
+              <a:t>动画信息</a:t>
             </a:r>
             <a:endParaRPr lang="en-US" altLang="zh-CN" sz="2000" dirty="0">
               <a:solidFill>
@@ -7221,7 +8314,59 @@
                 <a:latin typeface="微软雅黑" pitchFamily="34" charset="-122"/>
                 <a:ea typeface="微软雅黑" pitchFamily="34" charset="-122"/>
               </a:rPr>
-              <a:t>将所有的动画信息，分成一对一对（起始和结束）的数值，一对颜色值和</a:t>
+              <a:t>将所有的动画信息</a:t>
+            </a:r>
+            <a:r>
+              <a:rPr lang="zh-CN" altLang="en-US" sz="2400" dirty="0" smtClean="0">
+                <a:solidFill>
+                  <a:schemeClr val="tx1">
+                    <a:lumMod val="75000"/>
+                    <a:lumOff val="25000"/>
+                  </a:schemeClr>
+                </a:solidFill>
+                <a:latin typeface="微软雅黑" pitchFamily="34" charset="-122"/>
+                <a:ea typeface="微软雅黑" pitchFamily="34" charset="-122"/>
+              </a:rPr>
+              <a:t>，</a:t>
+            </a:r>
+            <a:r>
+              <a:rPr lang="zh-CN" altLang="en-US" sz="2400" dirty="0" smtClean="0">
+                <a:solidFill>
+                  <a:schemeClr val="tx1">
+                    <a:lumMod val="75000"/>
+                    <a:lumOff val="25000"/>
+                  </a:schemeClr>
+                </a:solidFill>
+                <a:latin typeface="微软雅黑" pitchFamily="34" charset="-122"/>
+                <a:ea typeface="微软雅黑" pitchFamily="34" charset="-122"/>
+              </a:rPr>
+              <a:t>分为成对</a:t>
+            </a:r>
+            <a:r>
+              <a:rPr lang="zh-CN" altLang="en-US" sz="2400" dirty="0" smtClean="0">
+                <a:solidFill>
+                  <a:schemeClr val="tx1">
+                    <a:lumMod val="75000"/>
+                    <a:lumOff val="25000"/>
+                  </a:schemeClr>
+                </a:solidFill>
+                <a:latin typeface="微软雅黑" pitchFamily="34" charset="-122"/>
+                <a:ea typeface="微软雅黑" pitchFamily="34" charset="-122"/>
+              </a:rPr>
+              <a:t>（起始值和结束值）</a:t>
+            </a:r>
+            <a:r>
+              <a:rPr lang="zh-CN" altLang="en-US" sz="2400" dirty="0" smtClean="0">
+                <a:solidFill>
+                  <a:schemeClr val="tx1">
+                    <a:lumMod val="75000"/>
+                    <a:lumOff val="25000"/>
+                  </a:schemeClr>
+                </a:solidFill>
+                <a:latin typeface="微软雅黑" pitchFamily="34" charset="-122"/>
+                <a:ea typeface="微软雅黑" pitchFamily="34" charset="-122"/>
+              </a:rPr>
+              <a:t>的数值，一对颜色值和</a:t>
             </a:r>
             <a:r>
               <a:rPr lang="en-US" altLang="zh-CN" sz="2400" dirty="0" smtClean="0">
@@ -7312,7 +8457,46 @@
                 <a:latin typeface="微软雅黑" pitchFamily="34" charset="-122"/>
                 <a:ea typeface="微软雅黑" pitchFamily="34" charset="-122"/>
               </a:rPr>
-              <a:t>组颜色数值，变化时间相同，颜色动画在中健时刻变化，并且变化速度很快</a:t>
+              <a:t>组颜色数值，变化时间相同，颜色动画</a:t>
+            </a:r>
+            <a:r>
+              <a:rPr lang="zh-CN" altLang="en-US" sz="2400" dirty="0" smtClean="0">
+                <a:solidFill>
+                  <a:schemeClr val="tx1">
+                    <a:lumMod val="75000"/>
+                    <a:lumOff val="25000"/>
+                  </a:schemeClr>
+                </a:solidFill>
+                <a:latin typeface="微软雅黑" pitchFamily="34" charset="-122"/>
+                <a:ea typeface="微软雅黑" pitchFamily="34" charset="-122"/>
+              </a:rPr>
+              <a:t>在中间时刻</a:t>
+            </a:r>
+            <a:r>
+              <a:rPr lang="zh-CN" altLang="en-US" sz="2400" dirty="0" smtClean="0">
+                <a:solidFill>
+                  <a:schemeClr val="tx1">
+                    <a:lumMod val="75000"/>
+                    <a:lumOff val="25000"/>
+                  </a:schemeClr>
+                </a:solidFill>
+                <a:latin typeface="微软雅黑" pitchFamily="34" charset="-122"/>
+                <a:ea typeface="微软雅黑" pitchFamily="34" charset="-122"/>
+              </a:rPr>
+              <a:t>变化，并且变化速度</a:t>
+            </a:r>
+            <a:r>
+              <a:rPr lang="zh-CN" altLang="en-US" sz="2400" dirty="0" smtClean="0">
+                <a:solidFill>
+                  <a:schemeClr val="tx1">
+                    <a:lumMod val="75000"/>
+                    <a:lumOff val="25000"/>
+                  </a:schemeClr>
+                </a:solidFill>
+                <a:latin typeface="微软雅黑" pitchFamily="34" charset="-122"/>
+                <a:ea typeface="微软雅黑" pitchFamily="34" charset="-122"/>
+              </a:rPr>
+              <a:t>很快（根据想要的效果调整）</a:t>
             </a:r>
             <a:endParaRPr lang="en-US" altLang="zh-CN" sz="2400" dirty="0" smtClean="0">
               <a:solidFill>
@@ -7366,7 +8550,7 @@
         <p:spPr>
           <a:xfrm>
             <a:off x="684000" y="116632"/>
-            <a:ext cx="7776000" cy="3970318"/>
+            <a:ext cx="7776000" cy="3416320"/>
           </a:xfrm>
           <a:prstGeom prst="rect">
             <a:avLst/>
@@ -7438,7 +8622,59 @@
                 <a:latin typeface="微软雅黑" pitchFamily="34" charset="-122"/>
                 <a:ea typeface="微软雅黑" pitchFamily="34" charset="-122"/>
               </a:rPr>
-              <a:t>页面加载后，动画开始前，要先显示一个图形，否则页面就是一片空白</a:t>
+              <a:t>页面加载后</a:t>
+            </a:r>
+            <a:r>
+              <a:rPr lang="zh-CN" altLang="en-US" sz="2400" dirty="0" smtClean="0">
+                <a:solidFill>
+                  <a:schemeClr val="tx1">
+                    <a:lumMod val="75000"/>
+                    <a:lumOff val="25000"/>
+                  </a:schemeClr>
+                </a:solidFill>
+                <a:latin typeface="微软雅黑" pitchFamily="34" charset="-122"/>
+                <a:ea typeface="微软雅黑" pitchFamily="34" charset="-122"/>
+              </a:rPr>
+              <a:t>，要</a:t>
+            </a:r>
+            <a:r>
+              <a:rPr lang="zh-CN" altLang="en-US" sz="2400" dirty="0" smtClean="0">
+                <a:solidFill>
+                  <a:schemeClr val="tx1">
+                    <a:lumMod val="75000"/>
+                    <a:lumOff val="25000"/>
+                  </a:schemeClr>
+                </a:solidFill>
+                <a:latin typeface="微软雅黑" pitchFamily="34" charset="-122"/>
+                <a:ea typeface="微软雅黑" pitchFamily="34" charset="-122"/>
+              </a:rPr>
+              <a:t>先显示一个图形，否则</a:t>
+            </a:r>
+            <a:r>
+              <a:rPr lang="zh-CN" altLang="en-US" sz="2400" dirty="0" smtClean="0">
+                <a:solidFill>
+                  <a:schemeClr val="tx1">
+                    <a:lumMod val="75000"/>
+                    <a:lumOff val="25000"/>
+                  </a:schemeClr>
+                </a:solidFill>
+                <a:latin typeface="微软雅黑" pitchFamily="34" charset="-122"/>
+                <a:ea typeface="微软雅黑" pitchFamily="34" charset="-122"/>
+              </a:rPr>
+              <a:t>页面是</a:t>
+            </a:r>
+            <a:r>
+              <a:rPr lang="zh-CN" altLang="en-US" sz="2400" dirty="0" smtClean="0">
+                <a:solidFill>
+                  <a:schemeClr val="tx1">
+                    <a:lumMod val="75000"/>
+                    <a:lumOff val="25000"/>
+                  </a:schemeClr>
+                </a:solidFill>
+                <a:latin typeface="微软雅黑" pitchFamily="34" charset="-122"/>
+                <a:ea typeface="微软雅黑" pitchFamily="34" charset="-122"/>
+              </a:rPr>
+              <a:t>一片空白</a:t>
             </a:r>
             <a:r>
               <a:rPr lang="en-US" altLang="zh-CN" sz="2400" dirty="0" smtClean="0">
@@ -7464,7 +8700,33 @@
                 <a:latin typeface="微软雅黑" pitchFamily="34" charset="-122"/>
                 <a:ea typeface="微软雅黑" pitchFamily="34" charset="-122"/>
               </a:rPr>
-              <a:t>显示的图形数据同时也保存在动画信息中，其实就是动画信息的第一帧数据，我们这里设置三见面显示样式，和后续动画过程中，每一帧中设置三角面样式，其实是一套函数，这样可以提高函数利用率，提高开发效率</a:t>
+              <a:t>图形已经保存</a:t>
+            </a:r>
+            <a:r>
+              <a:rPr lang="zh-CN" altLang="en-US" sz="2400" dirty="0" smtClean="0">
+                <a:solidFill>
+                  <a:schemeClr val="tx1">
+                    <a:lumMod val="75000"/>
+                    <a:lumOff val="25000"/>
+                  </a:schemeClr>
+                </a:solidFill>
+                <a:latin typeface="微软雅黑" pitchFamily="34" charset="-122"/>
+                <a:ea typeface="微软雅黑" pitchFamily="34" charset="-122"/>
+              </a:rPr>
+              <a:t>在动画信息中，其实就是动画信息的第一帧</a:t>
+            </a:r>
+            <a:r>
+              <a:rPr lang="zh-CN" altLang="en-US" sz="2400" dirty="0" smtClean="0">
+                <a:solidFill>
+                  <a:schemeClr val="tx1">
+                    <a:lumMod val="75000"/>
+                    <a:lumOff val="25000"/>
+                  </a:schemeClr>
+                </a:solidFill>
+                <a:latin typeface="微软雅黑" pitchFamily="34" charset="-122"/>
+                <a:ea typeface="微软雅黑" pitchFamily="34" charset="-122"/>
+              </a:rPr>
+              <a:t>数据（起始数据）</a:t>
             </a:r>
             <a:r>
               <a:rPr lang="en-US" altLang="zh-CN" sz="2400" dirty="0" smtClean="0">
@@ -7479,16 +8741,123 @@
               </a:rPr>
               <a:t>.</a:t>
             </a:r>
-            <a:endParaRPr lang="en-US" altLang="zh-CN" sz="2400" dirty="0" smtClean="0">
-              <a:solidFill>
-                <a:schemeClr val="tx1">
-                  <a:lumMod val="75000"/>
-                  <a:lumOff val="25000"/>
-                </a:schemeClr>
-              </a:solidFill>
-              <a:latin typeface="微软雅黑" pitchFamily="34" charset="-122"/>
-              <a:ea typeface="微软雅黑" pitchFamily="34" charset="-122"/>
-            </a:endParaRPr>
+            <a:r>
+              <a:rPr lang="zh-CN" altLang="en-US" sz="2400" dirty="0" smtClean="0">
+                <a:solidFill>
+                  <a:schemeClr val="tx1">
+                    <a:lumMod val="75000"/>
+                    <a:lumOff val="25000"/>
+                  </a:schemeClr>
+                </a:solidFill>
+                <a:latin typeface="微软雅黑" pitchFamily="34" charset="-122"/>
+                <a:ea typeface="微软雅黑" pitchFamily="34" charset="-122"/>
+              </a:rPr>
+              <a:t>将要设置的图形三角面样式</a:t>
+            </a:r>
+            <a:r>
+              <a:rPr lang="zh-CN" altLang="en-US" sz="2400" dirty="0" smtClean="0">
+                <a:solidFill>
+                  <a:schemeClr val="tx1">
+                    <a:lumMod val="75000"/>
+                    <a:lumOff val="25000"/>
+                  </a:schemeClr>
+                </a:solidFill>
+                <a:latin typeface="微软雅黑" pitchFamily="34" charset="-122"/>
+                <a:ea typeface="微软雅黑" pitchFamily="34" charset="-122"/>
+              </a:rPr>
+              <a:t>，和后续动画过程中，每一帧中设置三角面样式</a:t>
+            </a:r>
+            <a:r>
+              <a:rPr lang="zh-CN" altLang="en-US" sz="2400" dirty="0" smtClean="0">
+                <a:solidFill>
+                  <a:schemeClr val="tx1">
+                    <a:lumMod val="75000"/>
+                    <a:lumOff val="25000"/>
+                  </a:schemeClr>
+                </a:solidFill>
+                <a:latin typeface="微软雅黑" pitchFamily="34" charset="-122"/>
+                <a:ea typeface="微软雅黑" pitchFamily="34" charset="-122"/>
+              </a:rPr>
+              <a:t>，内容结构相同，因此用同一套函数</a:t>
+            </a:r>
+            <a:r>
+              <a:rPr lang="en-US" altLang="zh-CN" sz="2400" dirty="0">
+                <a:solidFill>
+                  <a:schemeClr val="tx1">
+                    <a:lumMod val="75000"/>
+                    <a:lumOff val="25000"/>
+                  </a:schemeClr>
+                </a:solidFill>
+                <a:latin typeface="微软雅黑" pitchFamily="34" charset="-122"/>
+                <a:ea typeface="微软雅黑" pitchFamily="34" charset="-122"/>
+              </a:rPr>
+              <a:t>,</a:t>
+            </a:r>
+            <a:r>
+              <a:rPr lang="zh-CN" altLang="en-US" sz="2400" dirty="0" smtClean="0">
+                <a:solidFill>
+                  <a:schemeClr val="tx1">
+                    <a:lumMod val="75000"/>
+                    <a:lumOff val="25000"/>
+                  </a:schemeClr>
+                </a:solidFill>
+                <a:latin typeface="微软雅黑" pitchFamily="34" charset="-122"/>
+                <a:ea typeface="微软雅黑" pitchFamily="34" charset="-122"/>
+              </a:rPr>
+              <a:t>提升代码效率</a:t>
+            </a:r>
+            <a:r>
+              <a:rPr lang="zh-CN" altLang="en-US" sz="2400" dirty="0" smtClean="0">
+                <a:solidFill>
+                  <a:schemeClr val="tx1">
+                    <a:lumMod val="75000"/>
+                    <a:lumOff val="25000"/>
+                  </a:schemeClr>
+                </a:solidFill>
+                <a:latin typeface="微软雅黑" pitchFamily="34" charset="-122"/>
+                <a:ea typeface="微软雅黑" pitchFamily="34" charset="-122"/>
+              </a:rPr>
+              <a:t>和</a:t>
+            </a:r>
+            <a:r>
+              <a:rPr lang="zh-CN" altLang="en-US" sz="2400" dirty="0" smtClean="0">
+                <a:solidFill>
+                  <a:schemeClr val="tx1">
+                    <a:lumMod val="75000"/>
+                    <a:lumOff val="25000"/>
+                  </a:schemeClr>
+                </a:solidFill>
+                <a:latin typeface="微软雅黑" pitchFamily="34" charset="-122"/>
+                <a:ea typeface="微软雅黑" pitchFamily="34" charset="-122"/>
+              </a:rPr>
+              <a:t>开发</a:t>
+            </a:r>
+            <a:r>
+              <a:rPr lang="zh-CN" altLang="en-US" sz="2400" dirty="0" smtClean="0">
+                <a:solidFill>
+                  <a:schemeClr val="tx1">
+                    <a:lumMod val="75000"/>
+                    <a:lumOff val="25000"/>
+                  </a:schemeClr>
+                </a:solidFill>
+                <a:latin typeface="微软雅黑" pitchFamily="34" charset="-122"/>
+                <a:ea typeface="微软雅黑" pitchFamily="34" charset="-122"/>
+              </a:rPr>
+              <a:t>效率</a:t>
+            </a:r>
+            <a:r>
+              <a:rPr lang="en-US" altLang="zh-CN" sz="2400" dirty="0" smtClean="0">
+                <a:solidFill>
+                  <a:schemeClr val="tx1">
+                    <a:lumMod val="75000"/>
+                    <a:lumOff val="25000"/>
+                  </a:schemeClr>
+                </a:solidFill>
+                <a:latin typeface="微软雅黑" pitchFamily="34" charset="-122"/>
+                <a:ea typeface="微软雅黑" pitchFamily="34" charset="-122"/>
+              </a:rPr>
+              <a:t>.</a:t>
+            </a:r>
           </a:p>
         </p:txBody>
       </p:sp>
@@ -7514,7 +8883,7 @@
         </p:blipFill>
         <p:spPr>
           <a:xfrm>
-            <a:off x="899592" y="4306267"/>
+            <a:off x="899592" y="3860102"/>
             <a:ext cx="4677428" cy="1066949"/>
           </a:xfrm>
           <a:prstGeom prst="rect">
@@ -7716,7 +9085,7 @@
         </p:nvSpPr>
         <p:spPr>
           <a:xfrm>
-            <a:off x="1187624" y="3947173"/>
+            <a:off x="1187624" y="3501008"/>
             <a:ext cx="4032448" cy="345923"/>
           </a:xfrm>
           <a:prstGeom prst="wedgeRoundRectCallout">
@@ -7784,7 +9153,7 @@
         </p:nvSpPr>
         <p:spPr>
           <a:xfrm>
-            <a:off x="5433004" y="3985997"/>
+            <a:off x="5433004" y="3539832"/>
             <a:ext cx="2739396" cy="1459227"/>
           </a:xfrm>
           <a:prstGeom prst="wedgeRoundRectCallout">
@@ -7830,6 +9199,146 @@
                 <a:ea typeface="微软雅黑" pitchFamily="34" charset="-122"/>
               </a:rPr>
               <a:t>如果动画未开始，就设置为初始样式，也就是未变形的原图</a:t>
+            </a:r>
+            <a:endParaRPr lang="en-US" altLang="zh-CN" sz="2000" dirty="0">
+              <a:solidFill>
+                <a:schemeClr val="tx1">
+                  <a:lumMod val="75000"/>
+                  <a:lumOff val="25000"/>
+                </a:schemeClr>
+              </a:solidFill>
+              <a:latin typeface="微软雅黑" pitchFamily="34" charset="-122"/>
+              <a:ea typeface="微软雅黑" pitchFamily="34" charset="-122"/>
+            </a:endParaRPr>
+          </a:p>
+        </p:txBody>
+      </p:sp>
+      <p:sp>
+        <p:nvSpPr>
+          <p:cNvPr id="9" name="矩形 8"/>
+          <p:cNvSpPr/>
+          <p:nvPr/>
+        </p:nvSpPr>
+        <p:spPr>
+          <a:xfrm>
+            <a:off x="2051720" y="5589240"/>
+            <a:ext cx="1872208" cy="288032"/>
+          </a:xfrm>
+          <a:prstGeom prst="rect">
+            <a:avLst/>
+          </a:prstGeom>
+          <a:noFill/>
+          <a:ln w="38100">
+            <a:solidFill>
+              <a:srgbClr val="FFFF00"/>
+            </a:solidFill>
+          </a:ln>
+        </p:spPr>
+        <p:style>
+          <a:lnRef idx="2">
+            <a:schemeClr val="accent1">
+              <a:shade val="50000"/>
+            </a:schemeClr>
+          </a:lnRef>
+          <a:fillRef idx="1">
+            <a:schemeClr val="accent1"/>
+          </a:fillRef>
+          <a:effectRef idx="0">
+            <a:schemeClr val="accent1"/>
+          </a:effectRef>
+          <a:fontRef idx="minor">
+            <a:schemeClr val="lt1"/>
+          </a:fontRef>
+        </p:style>
+        <p:txBody>
+          <a:bodyPr rtlCol="0" anchor="ctr"/>
+          <a:lstStyle/>
+          <a:p>
+            <a:pPr algn="ctr"/>
+            <a:endParaRPr lang="zh-CN" altLang="en-US"/>
+          </a:p>
+        </p:txBody>
+      </p:sp>
+      <p:sp>
+        <p:nvSpPr>
+          <p:cNvPr id="10" name="圆角矩形标注 9"/>
+          <p:cNvSpPr/>
+          <p:nvPr/>
+        </p:nvSpPr>
+        <p:spPr>
+          <a:xfrm>
+            <a:off x="2102149" y="5157192"/>
+            <a:ext cx="2037803" cy="345923"/>
+          </a:xfrm>
+          <a:prstGeom prst="wedgeRoundRectCallout">
+            <a:avLst>
+              <a:gd name="adj1" fmla="val -22264"/>
+              <a:gd name="adj2" fmla="val 83920"/>
+              <a:gd name="adj3" fmla="val 16667"/>
+            </a:avLst>
+          </a:prstGeom>
+        </p:spPr>
+        <p:style>
+          <a:lnRef idx="2">
+            <a:schemeClr val="accent6"/>
+          </a:lnRef>
+          <a:fillRef idx="1">
+            <a:schemeClr val="lt1"/>
+          </a:fillRef>
+          <a:effectRef idx="0">
+            <a:schemeClr val="accent6"/>
+          </a:effectRef>
+          <a:fontRef idx="minor">
+            <a:schemeClr val="dk1"/>
+          </a:fontRef>
+        </p:style>
+        <p:txBody>
+          <a:bodyPr rtlCol="0" anchor="ctr"/>
+          <a:lstStyle/>
+          <a:p>
+            <a:pPr>
+              <a:lnSpc>
+                <a:spcPct val="150000"/>
+              </a:lnSpc>
+            </a:pPr>
+            <a:r>
+              <a:rPr lang="zh-CN" altLang="en-US" sz="2000" dirty="0" smtClean="0">
+                <a:solidFill>
+                  <a:schemeClr val="tx1">
+                    <a:lumMod val="75000"/>
+                    <a:lumOff val="25000"/>
+                  </a:schemeClr>
+                </a:solidFill>
+                <a:latin typeface="微软雅黑" pitchFamily="34" charset="-122"/>
+                <a:ea typeface="微软雅黑" pitchFamily="34" charset="-122"/>
+              </a:rPr>
+              <a:t>设置三</a:t>
+            </a:r>
+            <a:r>
+              <a:rPr lang="zh-CN" altLang="en-US" sz="2000" dirty="0" smtClean="0">
+                <a:solidFill>
+                  <a:schemeClr val="tx1">
+                    <a:lumMod val="75000"/>
+                    <a:lumOff val="25000"/>
+                  </a:schemeClr>
+                </a:solidFill>
+                <a:latin typeface="微软雅黑" pitchFamily="34" charset="-122"/>
+                <a:ea typeface="微软雅黑" pitchFamily="34" charset="-122"/>
+              </a:rPr>
+              <a:t>角</a:t>
+            </a:r>
+            <a:r>
+              <a:rPr lang="zh-CN" altLang="en-US" sz="2000" dirty="0" smtClean="0">
+                <a:solidFill>
+                  <a:schemeClr val="tx1">
+                    <a:lumMod val="75000"/>
+                    <a:lumOff val="25000"/>
+                  </a:schemeClr>
+                </a:solidFill>
+                <a:latin typeface="微软雅黑" pitchFamily="34" charset="-122"/>
+                <a:ea typeface="微软雅黑" pitchFamily="34" charset="-122"/>
+              </a:rPr>
+              <a:t>面样式</a:t>
             </a:r>
             <a:endParaRPr lang="en-US" altLang="zh-CN" sz="2000" dirty="0">
               <a:solidFill>
@@ -8469,134 +9978,14 @@
       </p:pic>
       <p:sp>
         <p:nvSpPr>
-          <p:cNvPr id="3" name="圆角矩形标注 2"/>
-          <p:cNvSpPr/>
-          <p:nvPr/>
-        </p:nvSpPr>
-        <p:spPr>
-          <a:xfrm>
-            <a:off x="4499992" y="511025"/>
-            <a:ext cx="3817752" cy="345923"/>
-          </a:xfrm>
-          <a:prstGeom prst="wedgeRoundRectCallout">
-            <a:avLst>
-              <a:gd name="adj1" fmla="val -52676"/>
-              <a:gd name="adj2" fmla="val -7456"/>
-              <a:gd name="adj3" fmla="val 16667"/>
-            </a:avLst>
-          </a:prstGeom>
-        </p:spPr>
-        <p:style>
-          <a:lnRef idx="2">
-            <a:schemeClr val="accent5"/>
-          </a:lnRef>
-          <a:fillRef idx="1">
-            <a:schemeClr val="lt1"/>
-          </a:fillRef>
-          <a:effectRef idx="0">
-            <a:schemeClr val="accent5"/>
-          </a:effectRef>
-          <a:fontRef idx="minor">
-            <a:schemeClr val="dk1"/>
-          </a:fontRef>
-        </p:style>
-        <p:txBody>
-          <a:bodyPr rtlCol="0" anchor="ctr"/>
-          <a:lstStyle/>
-          <a:p>
-            <a:pPr>
-              <a:lnSpc>
-                <a:spcPct val="150000"/>
-              </a:lnSpc>
-            </a:pPr>
-            <a:r>
-              <a:rPr lang="zh-CN" altLang="en-US" sz="2000" dirty="0" smtClean="0">
-                <a:solidFill>
-                  <a:schemeClr val="tx1">
-                    <a:lumMod val="75000"/>
-                    <a:lumOff val="25000"/>
-                  </a:schemeClr>
-                </a:solidFill>
-                <a:latin typeface="微软雅黑" pitchFamily="34" charset="-122"/>
-                <a:ea typeface="微软雅黑" pitchFamily="34" charset="-122"/>
-              </a:rPr>
-              <a:t>将顶点转换成</a:t>
-            </a:r>
-            <a:r>
-              <a:rPr lang="en-US" altLang="zh-CN" sz="2000" dirty="0" smtClean="0">
-                <a:solidFill>
-                  <a:schemeClr val="tx1">
-                    <a:lumMod val="75000"/>
-                    <a:lumOff val="25000"/>
-                  </a:schemeClr>
-                </a:solidFill>
-                <a:latin typeface="微软雅黑" pitchFamily="34" charset="-122"/>
-                <a:ea typeface="微软雅黑" pitchFamily="34" charset="-122"/>
-              </a:rPr>
-              <a:t>16</a:t>
-            </a:r>
-            <a:r>
-              <a:rPr lang="zh-CN" altLang="en-US" sz="2000" dirty="0">
-                <a:solidFill>
-                  <a:schemeClr val="tx1">
-                    <a:lumMod val="75000"/>
-                    <a:lumOff val="25000"/>
-                  </a:schemeClr>
-                </a:solidFill>
-                <a:latin typeface="微软雅黑" pitchFamily="34" charset="-122"/>
-                <a:ea typeface="微软雅黑" pitchFamily="34" charset="-122"/>
-              </a:rPr>
-              <a:t>进</a:t>
-            </a:r>
-            <a:r>
-              <a:rPr lang="zh-CN" altLang="en-US" sz="2000" dirty="0" smtClean="0">
-                <a:solidFill>
-                  <a:schemeClr val="tx1">
-                    <a:lumMod val="75000"/>
-                    <a:lumOff val="25000"/>
-                  </a:schemeClr>
-                </a:solidFill>
-                <a:latin typeface="微软雅黑" pitchFamily="34" charset="-122"/>
-                <a:ea typeface="微软雅黑" pitchFamily="34" charset="-122"/>
-              </a:rPr>
-              <a:t>制字符串</a:t>
-            </a:r>
-            <a:r>
-              <a:rPr lang="zh-CN" altLang="en-US" sz="2000" dirty="0" smtClean="0">
-                <a:solidFill>
-                  <a:schemeClr val="tx1">
-                    <a:lumMod val="75000"/>
-                    <a:lumOff val="25000"/>
-                  </a:schemeClr>
-                </a:solidFill>
-                <a:latin typeface="微软雅黑" pitchFamily="34" charset="-122"/>
-                <a:ea typeface="微软雅黑" pitchFamily="34" charset="-122"/>
-              </a:rPr>
-              <a:t>样式</a:t>
-            </a:r>
-            <a:endParaRPr lang="en-US" altLang="zh-CN" sz="2000" dirty="0">
-              <a:solidFill>
-                <a:schemeClr val="tx1">
-                  <a:lumMod val="75000"/>
-                  <a:lumOff val="25000"/>
-                </a:schemeClr>
-              </a:solidFill>
-              <a:latin typeface="微软雅黑" pitchFamily="34" charset="-122"/>
-              <a:ea typeface="微软雅黑" pitchFamily="34" charset="-122"/>
-            </a:endParaRPr>
-          </a:p>
-        </p:txBody>
-      </p:sp>
-      <p:sp>
-        <p:nvSpPr>
           <p:cNvPr id="4" name="圆角矩形标注 3"/>
           <p:cNvSpPr/>
           <p:nvPr/>
         </p:nvSpPr>
         <p:spPr>
           <a:xfrm>
-            <a:off x="4499992" y="1255962"/>
-            <a:ext cx="2570164" cy="345923"/>
+            <a:off x="4499992" y="1282877"/>
+            <a:ext cx="2592288" cy="345923"/>
           </a:xfrm>
           <a:prstGeom prst="wedgeRoundRectCallout">
             <a:avLst>
@@ -8640,7 +10029,20 @@
                 <a:latin typeface="微软雅黑" pitchFamily="34" charset="-122"/>
                 <a:ea typeface="微软雅黑" pitchFamily="34" charset="-122"/>
               </a:rPr>
-              <a:t>以此获取最高位数字</a:t>
+              <a:t>获取当前最高位</a:t>
+            </a:r>
+            <a:r>
+              <a:rPr lang="zh-CN" altLang="en-US" sz="2000" dirty="0" smtClean="0">
+                <a:solidFill>
+                  <a:schemeClr val="tx1">
+                    <a:lumMod val="75000"/>
+                    <a:lumOff val="25000"/>
+                  </a:schemeClr>
+                </a:solidFill>
+                <a:latin typeface="微软雅黑" pitchFamily="34" charset="-122"/>
+                <a:ea typeface="微软雅黑" pitchFamily="34" charset="-122"/>
+              </a:rPr>
+              <a:t>数字</a:t>
             </a:r>
             <a:endParaRPr lang="en-US" altLang="zh-CN" sz="2000" dirty="0">
               <a:solidFill>
@@ -8663,7 +10065,7 @@
         </p:nvSpPr>
         <p:spPr>
           <a:xfrm>
-            <a:off x="3059832" y="2321965"/>
+            <a:off x="3059832" y="2362997"/>
             <a:ext cx="3456384" cy="345923"/>
           </a:xfrm>
           <a:prstGeom prst="wedgeRoundRectCallout">
@@ -8731,7 +10133,7 @@
         </p:nvSpPr>
         <p:spPr>
           <a:xfrm>
-            <a:off x="4220204" y="1889917"/>
+            <a:off x="4220204" y="1844824"/>
             <a:ext cx="3088100" cy="345923"/>
           </a:xfrm>
           <a:prstGeom prst="wedgeRoundRectCallout">
@@ -8839,7 +10241,7 @@
         <p:spPr>
           <a:xfrm>
             <a:off x="1691680" y="118662"/>
-            <a:ext cx="2592288" cy="345923"/>
+            <a:ext cx="3960440" cy="345923"/>
           </a:xfrm>
           <a:prstGeom prst="wedgeRoundRectCallout">
             <a:avLst>
@@ -8896,7 +10298,127 @@
                 <a:latin typeface="微软雅黑" pitchFamily="34" charset="-122"/>
                 <a:ea typeface="微软雅黑" pitchFamily="34" charset="-122"/>
               </a:rPr>
-              <a:t>数值转为字符串</a:t>
+              <a:t>数值</a:t>
+            </a:r>
+            <a:r>
+              <a:rPr lang="zh-CN" altLang="en-US" sz="2000" dirty="0" smtClean="0">
+                <a:solidFill>
+                  <a:schemeClr val="tx1">
+                    <a:lumMod val="75000"/>
+                    <a:lumOff val="25000"/>
+                  </a:schemeClr>
+                </a:solidFill>
+                <a:latin typeface="微软雅黑" pitchFamily="34" charset="-122"/>
+                <a:ea typeface="微软雅黑" pitchFamily="34" charset="-122"/>
+              </a:rPr>
+              <a:t>转为</a:t>
+            </a:r>
+            <a:r>
+              <a:rPr lang="en-US" altLang="zh-CN" sz="2000" dirty="0">
+                <a:solidFill>
+                  <a:schemeClr val="tx1">
+                    <a:lumMod val="75000"/>
+                    <a:lumOff val="25000"/>
+                  </a:schemeClr>
+                </a:solidFill>
+                <a:latin typeface="微软雅黑" pitchFamily="34" charset="-122"/>
+                <a:ea typeface="微软雅黑" pitchFamily="34" charset="-122"/>
+              </a:rPr>
+              <a:t>16</a:t>
+            </a:r>
+            <a:r>
+              <a:rPr lang="zh-CN" altLang="en-US" sz="2000" dirty="0">
+                <a:solidFill>
+                  <a:schemeClr val="tx1">
+                    <a:lumMod val="75000"/>
+                    <a:lumOff val="25000"/>
+                  </a:schemeClr>
+                </a:solidFill>
+                <a:latin typeface="微软雅黑" pitchFamily="34" charset="-122"/>
+                <a:ea typeface="微软雅黑" pitchFamily="34" charset="-122"/>
+              </a:rPr>
+              <a:t>进制</a:t>
+            </a:r>
+            <a:r>
+              <a:rPr lang="zh-CN" altLang="en-US" sz="2000" dirty="0" smtClean="0">
+                <a:solidFill>
+                  <a:schemeClr val="tx1">
+                    <a:lumMod val="75000"/>
+                    <a:lumOff val="25000"/>
+                  </a:schemeClr>
+                </a:solidFill>
+                <a:latin typeface="微软雅黑" pitchFamily="34" charset="-122"/>
+                <a:ea typeface="微软雅黑" pitchFamily="34" charset="-122"/>
+              </a:rPr>
+              <a:t>字符串样式</a:t>
+            </a:r>
+            <a:endParaRPr lang="en-US" altLang="zh-CN" sz="2000" dirty="0">
+              <a:solidFill>
+                <a:schemeClr val="tx1">
+                  <a:lumMod val="75000"/>
+                  <a:lumOff val="25000"/>
+                </a:schemeClr>
+              </a:solidFill>
+              <a:latin typeface="微软雅黑" pitchFamily="34" charset="-122"/>
+              <a:ea typeface="微软雅黑" pitchFamily="34" charset="-122"/>
+            </a:endParaRPr>
+          </a:p>
+        </p:txBody>
+      </p:sp>
+      <p:sp>
+        <p:nvSpPr>
+          <p:cNvPr id="8" name="圆角矩形标注 7"/>
+          <p:cNvSpPr/>
+          <p:nvPr/>
+        </p:nvSpPr>
+        <p:spPr>
+          <a:xfrm>
+            <a:off x="5148064" y="706813"/>
+            <a:ext cx="1296144" cy="345923"/>
+          </a:xfrm>
+          <a:prstGeom prst="wedgeRoundRectCallout">
+            <a:avLst>
+              <a:gd name="adj1" fmla="val -55059"/>
+              <a:gd name="adj2" fmla="val 51285"/>
+              <a:gd name="adj3" fmla="val 16667"/>
+            </a:avLst>
+          </a:prstGeom>
+        </p:spPr>
+        <p:style>
+          <a:lnRef idx="2">
+            <a:schemeClr val="accent5"/>
+          </a:lnRef>
+          <a:fillRef idx="1">
+            <a:schemeClr val="lt1"/>
+          </a:fillRef>
+          <a:effectRef idx="0">
+            <a:schemeClr val="accent5"/>
+          </a:effectRef>
+          <a:fontRef idx="minor">
+            <a:schemeClr val="dk1"/>
+          </a:fontRef>
+        </p:style>
+        <p:txBody>
+          <a:bodyPr rtlCol="0" anchor="ctr"/>
+          <a:lstStyle/>
+          <a:p>
+            <a:pPr>
+              <a:lnSpc>
+                <a:spcPct val="150000"/>
+              </a:lnSpc>
+            </a:pPr>
+            <a:r>
+              <a:rPr lang="zh-CN" altLang="en-US" sz="2000" dirty="0" smtClean="0">
+                <a:solidFill>
+                  <a:schemeClr val="tx1">
+                    <a:lumMod val="75000"/>
+                    <a:lumOff val="25000"/>
+                  </a:schemeClr>
+                </a:solidFill>
+                <a:latin typeface="微软雅黑" pitchFamily="34" charset="-122"/>
+                <a:ea typeface="微软雅黑" pitchFamily="34" charset="-122"/>
+              </a:rPr>
+              <a:t>位数权重</a:t>
             </a:r>
             <a:endParaRPr lang="en-US" altLang="zh-CN" sz="2000" dirty="0">
               <a:solidFill>
@@ -8950,7 +10472,7 @@
         <p:spPr>
           <a:xfrm>
             <a:off x="684000" y="116632"/>
-            <a:ext cx="7776000" cy="3970318"/>
+            <a:ext cx="7776000" cy="4524315"/>
           </a:xfrm>
           <a:prstGeom prst="rect">
             <a:avLst/>
@@ -9022,7 +10544,33 @@
                 <a:latin typeface="微软雅黑" pitchFamily="34" charset="-122"/>
                 <a:ea typeface="微软雅黑" pitchFamily="34" charset="-122"/>
               </a:rPr>
-              <a:t>我们希望点击鼠标启动动画，每次动画启动前，都需要设置新的动画样式，然后启动定时器，每隔</a:t>
+              <a:t>我们希望点击鼠标启动动画，每次动画启动</a:t>
+            </a:r>
+            <a:r>
+              <a:rPr lang="zh-CN" altLang="en-US" sz="2400" dirty="0" smtClean="0">
+                <a:solidFill>
+                  <a:schemeClr val="tx1">
+                    <a:lumMod val="75000"/>
+                    <a:lumOff val="25000"/>
+                  </a:schemeClr>
+                </a:solidFill>
+                <a:latin typeface="微软雅黑" pitchFamily="34" charset="-122"/>
+                <a:ea typeface="微软雅黑" pitchFamily="34" charset="-122"/>
+              </a:rPr>
+              <a:t>前，都需设置切换到下个图形的</a:t>
+            </a:r>
+            <a:r>
+              <a:rPr lang="zh-CN" altLang="en-US" sz="2400" dirty="0" smtClean="0">
+                <a:solidFill>
+                  <a:schemeClr val="tx1">
+                    <a:lumMod val="75000"/>
+                    <a:lumOff val="25000"/>
+                  </a:schemeClr>
+                </a:solidFill>
+                <a:latin typeface="微软雅黑" pitchFamily="34" charset="-122"/>
+                <a:ea typeface="微软雅黑" pitchFamily="34" charset="-122"/>
+              </a:rPr>
+              <a:t>动画样式，然后启动定时器，每隔</a:t>
             </a:r>
             <a:r>
               <a:rPr lang="en-US" altLang="zh-CN" sz="2400" dirty="0" smtClean="0">
@@ -9035,7 +10583,7 @@
                 <a:latin typeface="微软雅黑" pitchFamily="34" charset="-122"/>
                 <a:ea typeface="微软雅黑" pitchFamily="34" charset="-122"/>
               </a:rPr>
-              <a:t>33.3ms,</a:t>
+              <a:t>33.3ms</a:t>
             </a:r>
             <a:r>
               <a:rPr lang="zh-CN" altLang="en-US" sz="2400" dirty="0" smtClean="0">
@@ -9048,7 +10596,33 @@
                 <a:latin typeface="微软雅黑" pitchFamily="34" charset="-122"/>
                 <a:ea typeface="微软雅黑" pitchFamily="34" charset="-122"/>
               </a:rPr>
-              <a:t>也就是每帧，刷新每个三角面的动画数据（颜色和顶点坐标</a:t>
+              <a:t>（也就是</a:t>
+            </a:r>
+            <a:r>
+              <a:rPr lang="zh-CN" altLang="en-US" sz="2400" dirty="0" smtClean="0">
+                <a:solidFill>
+                  <a:schemeClr val="tx1">
+                    <a:lumMod val="75000"/>
+                    <a:lumOff val="25000"/>
+                  </a:schemeClr>
+                </a:solidFill>
+                <a:latin typeface="微软雅黑" pitchFamily="34" charset="-122"/>
+                <a:ea typeface="微软雅黑" pitchFamily="34" charset="-122"/>
+              </a:rPr>
+              <a:t>每</a:t>
+            </a:r>
+            <a:r>
+              <a:rPr lang="zh-CN" altLang="en-US" sz="2400" dirty="0" smtClean="0">
+                <a:solidFill>
+                  <a:schemeClr val="tx1">
+                    <a:lumMod val="75000"/>
+                    <a:lumOff val="25000"/>
+                  </a:schemeClr>
+                </a:solidFill>
+                <a:latin typeface="微软雅黑" pitchFamily="34" charset="-122"/>
+                <a:ea typeface="微软雅黑" pitchFamily="34" charset="-122"/>
+              </a:rPr>
+              <a:t>帧，每秒</a:t>
             </a:r>
             <a:r>
               <a:rPr lang="en-US" altLang="zh-CN" sz="2400" dirty="0" smtClean="0">
@@ -9061,6 +10635,97 @@
                 <a:latin typeface="微软雅黑" pitchFamily="34" charset="-122"/>
                 <a:ea typeface="微软雅黑" pitchFamily="34" charset="-122"/>
               </a:rPr>
+              <a:t>30</a:t>
+            </a:r>
+            <a:r>
+              <a:rPr lang="zh-CN" altLang="en-US" sz="2400" dirty="0" smtClean="0">
+                <a:solidFill>
+                  <a:schemeClr val="tx1">
+                    <a:lumMod val="75000"/>
+                    <a:lumOff val="25000"/>
+                  </a:schemeClr>
+                </a:solidFill>
+                <a:latin typeface="微软雅黑" pitchFamily="34" charset="-122"/>
+                <a:ea typeface="微软雅黑" pitchFamily="34" charset="-122"/>
+              </a:rPr>
+              <a:t>帧），</a:t>
+            </a:r>
+            <a:r>
+              <a:rPr lang="zh-CN" altLang="en-US" sz="2400" dirty="0" smtClean="0">
+                <a:solidFill>
+                  <a:schemeClr val="tx1">
+                    <a:lumMod val="75000"/>
+                    <a:lumOff val="25000"/>
+                  </a:schemeClr>
+                </a:solidFill>
+                <a:latin typeface="微软雅黑" pitchFamily="34" charset="-122"/>
+                <a:ea typeface="微软雅黑" pitchFamily="34" charset="-122"/>
+              </a:rPr>
+              <a:t>刷新每个三角</a:t>
+            </a:r>
+            <a:r>
+              <a:rPr lang="zh-CN" altLang="en-US" sz="2400" dirty="0" smtClean="0">
+                <a:solidFill>
+                  <a:schemeClr val="tx1">
+                    <a:lumMod val="75000"/>
+                    <a:lumOff val="25000"/>
+                  </a:schemeClr>
+                </a:solidFill>
+                <a:latin typeface="微软雅黑" pitchFamily="34" charset="-122"/>
+                <a:ea typeface="微软雅黑" pitchFamily="34" charset="-122"/>
+              </a:rPr>
+              <a:t>面的</a:t>
+            </a:r>
+            <a:r>
+              <a:rPr lang="zh-CN" altLang="en-US" sz="2400" dirty="0">
+                <a:solidFill>
+                  <a:schemeClr val="tx1">
+                    <a:lumMod val="75000"/>
+                    <a:lumOff val="25000"/>
+                  </a:schemeClr>
+                </a:solidFill>
+                <a:latin typeface="微软雅黑" pitchFamily="34" charset="-122"/>
+                <a:ea typeface="微软雅黑" pitchFamily="34" charset="-122"/>
+              </a:rPr>
+              <a:t>显示</a:t>
+            </a:r>
+            <a:r>
+              <a:rPr lang="zh-CN" altLang="en-US" sz="2400" dirty="0" smtClean="0">
+                <a:solidFill>
+                  <a:schemeClr val="tx1">
+                    <a:lumMod val="75000"/>
+                    <a:lumOff val="25000"/>
+                  </a:schemeClr>
+                </a:solidFill>
+                <a:latin typeface="微软雅黑" pitchFamily="34" charset="-122"/>
+                <a:ea typeface="微软雅黑" pitchFamily="34" charset="-122"/>
+              </a:rPr>
+              <a:t>数据</a:t>
+            </a:r>
+            <a:r>
+              <a:rPr lang="zh-CN" altLang="en-US" sz="2400" dirty="0" smtClean="0">
+                <a:solidFill>
+                  <a:schemeClr val="tx1">
+                    <a:lumMod val="75000"/>
+                    <a:lumOff val="25000"/>
+                  </a:schemeClr>
+                </a:solidFill>
+                <a:latin typeface="微软雅黑" pitchFamily="34" charset="-122"/>
+                <a:ea typeface="微软雅黑" pitchFamily="34" charset="-122"/>
+              </a:rPr>
+              <a:t>（颜色和顶点坐标</a:t>
+            </a:r>
+            <a:r>
+              <a:rPr lang="en-US" altLang="zh-CN" sz="2400" dirty="0" smtClean="0">
+                <a:solidFill>
+                  <a:schemeClr val="tx1">
+                    <a:lumMod val="75000"/>
+                    <a:lumOff val="25000"/>
+                  </a:schemeClr>
+                </a:solidFill>
+                <a:latin typeface="微软雅黑" pitchFamily="34" charset="-122"/>
+                <a:ea typeface="微软雅黑" pitchFamily="34" charset="-122"/>
+              </a:rPr>
               <a:t>)</a:t>
             </a:r>
             <a:r>
@@ -9074,7 +10739,7 @@
                 <a:latin typeface="微软雅黑" pitchFamily="34" charset="-122"/>
                 <a:ea typeface="微软雅黑" pitchFamily="34" charset="-122"/>
               </a:rPr>
-              <a:t>，并且置三角面</a:t>
+              <a:t>，</a:t>
             </a:r>
             <a:r>
               <a:rPr lang="zh-CN" altLang="en-US" sz="2400" dirty="0" smtClean="0">
@@ -9087,7 +10752,7 @@
                 <a:latin typeface="微软雅黑" pitchFamily="34" charset="-122"/>
                 <a:ea typeface="微软雅黑" pitchFamily="34" charset="-122"/>
               </a:rPr>
-              <a:t>的样式</a:t>
+              <a:t>并设置样式</a:t>
             </a:r>
             <a:r>
               <a:rPr lang="en-US" altLang="zh-CN" sz="2400" dirty="0" smtClean="0">
@@ -9100,7 +10765,7 @@
                 <a:latin typeface="微软雅黑" pitchFamily="34" charset="-122"/>
                 <a:ea typeface="微软雅黑" pitchFamily="34" charset="-122"/>
               </a:rPr>
-              <a:t>,</a:t>
+              <a:t>,  </a:t>
             </a:r>
             <a:r>
               <a:rPr lang="zh-CN" altLang="en-US" sz="2400" dirty="0" smtClean="0">
@@ -9113,7 +10778,33 @@
                 <a:latin typeface="微软雅黑" pitchFamily="34" charset="-122"/>
                 <a:ea typeface="微软雅黑" pitchFamily="34" charset="-122"/>
               </a:rPr>
-              <a:t>更新每个动画对象的计时器。如果所有三角面的动画结束，就停止定时器，并且修改图形索引</a:t>
+              <a:t>更新</a:t>
+            </a:r>
+            <a:r>
+              <a:rPr lang="zh-CN" altLang="en-US" sz="2400" dirty="0" smtClean="0">
+                <a:solidFill>
+                  <a:schemeClr val="tx1">
+                    <a:lumMod val="75000"/>
+                    <a:lumOff val="25000"/>
+                  </a:schemeClr>
+                </a:solidFill>
+                <a:latin typeface="微软雅黑" pitchFamily="34" charset="-122"/>
+                <a:ea typeface="微软雅黑" pitchFamily="34" charset="-122"/>
+              </a:rPr>
+              <a:t>每个动画对象的</a:t>
+            </a:r>
+            <a:r>
+              <a:rPr lang="zh-CN" altLang="en-US" sz="2400" dirty="0" smtClean="0">
+                <a:solidFill>
+                  <a:schemeClr val="tx1">
+                    <a:lumMod val="75000"/>
+                    <a:lumOff val="25000"/>
+                  </a:schemeClr>
+                </a:solidFill>
+                <a:latin typeface="微软雅黑" pitchFamily="34" charset="-122"/>
+                <a:ea typeface="微软雅黑" pitchFamily="34" charset="-122"/>
+              </a:rPr>
+              <a:t>计时器</a:t>
             </a:r>
             <a:r>
               <a:rPr lang="en-US" altLang="zh-CN" sz="2400" dirty="0" smtClean="0">
@@ -9126,6 +10817,97 @@
                 <a:latin typeface="微软雅黑" pitchFamily="34" charset="-122"/>
                 <a:ea typeface="微软雅黑" pitchFamily="34" charset="-122"/>
               </a:rPr>
+              <a:t>.  </a:t>
+            </a:r>
+            <a:r>
+              <a:rPr lang="zh-CN" altLang="en-US" sz="2400" dirty="0" smtClean="0">
+                <a:solidFill>
+                  <a:schemeClr val="tx1">
+                    <a:lumMod val="75000"/>
+                    <a:lumOff val="25000"/>
+                  </a:schemeClr>
+                </a:solidFill>
+                <a:latin typeface="微软雅黑" pitchFamily="34" charset="-122"/>
+                <a:ea typeface="微软雅黑" pitchFamily="34" charset="-122"/>
+              </a:rPr>
+              <a:t>如果</a:t>
+            </a:r>
+            <a:r>
+              <a:rPr lang="zh-CN" altLang="en-US" sz="2400" dirty="0" smtClean="0">
+                <a:solidFill>
+                  <a:schemeClr val="tx1">
+                    <a:lumMod val="75000"/>
+                    <a:lumOff val="25000"/>
+                  </a:schemeClr>
+                </a:solidFill>
+                <a:latin typeface="微软雅黑" pitchFamily="34" charset="-122"/>
+                <a:ea typeface="微软雅黑" pitchFamily="34" charset="-122"/>
+              </a:rPr>
+              <a:t>所有三角面的</a:t>
+            </a:r>
+            <a:r>
+              <a:rPr lang="zh-CN" altLang="en-US" sz="2400" dirty="0" smtClean="0">
+                <a:solidFill>
+                  <a:schemeClr val="tx1">
+                    <a:lumMod val="75000"/>
+                    <a:lumOff val="25000"/>
+                  </a:schemeClr>
+                </a:solidFill>
+                <a:latin typeface="微软雅黑" pitchFamily="34" charset="-122"/>
+                <a:ea typeface="微软雅黑" pitchFamily="34" charset="-122"/>
+              </a:rPr>
+              <a:t>动画都结束了，</a:t>
+            </a:r>
+            <a:r>
+              <a:rPr lang="zh-CN" altLang="en-US" sz="2400" dirty="0" smtClean="0">
+                <a:solidFill>
+                  <a:schemeClr val="tx1">
+                    <a:lumMod val="75000"/>
+                    <a:lumOff val="25000"/>
+                  </a:schemeClr>
+                </a:solidFill>
+                <a:latin typeface="微软雅黑" pitchFamily="34" charset="-122"/>
+                <a:ea typeface="微软雅黑" pitchFamily="34" charset="-122"/>
+              </a:rPr>
+              <a:t>就停止定时器，</a:t>
+            </a:r>
+            <a:r>
+              <a:rPr lang="zh-CN" altLang="en-US" sz="2400" dirty="0" smtClean="0">
+                <a:solidFill>
+                  <a:schemeClr val="tx1">
+                    <a:lumMod val="75000"/>
+                    <a:lumOff val="25000"/>
+                  </a:schemeClr>
+                </a:solidFill>
+                <a:latin typeface="微软雅黑" pitchFamily="34" charset="-122"/>
+                <a:ea typeface="微软雅黑" pitchFamily="34" charset="-122"/>
+              </a:rPr>
+              <a:t>并修改</a:t>
+            </a:r>
+            <a:r>
+              <a:rPr lang="zh-CN" altLang="en-US" sz="2400" dirty="0" smtClean="0">
+                <a:solidFill>
+                  <a:schemeClr val="tx1">
+                    <a:lumMod val="75000"/>
+                    <a:lumOff val="25000"/>
+                  </a:schemeClr>
+                </a:solidFill>
+                <a:latin typeface="微软雅黑" pitchFamily="34" charset="-122"/>
+                <a:ea typeface="微软雅黑" pitchFamily="34" charset="-122"/>
+              </a:rPr>
+              <a:t>图形索引</a:t>
+            </a:r>
+            <a:r>
+              <a:rPr lang="en-US" altLang="zh-CN" sz="2400" dirty="0" smtClean="0">
+                <a:solidFill>
+                  <a:schemeClr val="tx1">
+                    <a:lumMod val="75000"/>
+                    <a:lumOff val="25000"/>
+                  </a:schemeClr>
+                </a:solidFill>
+                <a:latin typeface="微软雅黑" pitchFamily="34" charset="-122"/>
+                <a:ea typeface="微软雅黑" pitchFamily="34" charset="-122"/>
+              </a:rPr>
               <a:t>(</a:t>
             </a:r>
             <a:r>
@@ -9139,7 +10921,72 @@
                 <a:latin typeface="微软雅黑" pitchFamily="34" charset="-122"/>
                 <a:ea typeface="微软雅黑" pitchFamily="34" charset="-122"/>
               </a:rPr>
-              <a:t>索引指向为动画结束时，变成的新图形</a:t>
+              <a:t>索引</a:t>
+            </a:r>
+            <a:r>
+              <a:rPr lang="zh-CN" altLang="en-US" sz="2400" dirty="0" smtClean="0">
+                <a:solidFill>
+                  <a:schemeClr val="tx1">
+                    <a:lumMod val="75000"/>
+                    <a:lumOff val="25000"/>
+                  </a:schemeClr>
+                </a:solidFill>
+                <a:latin typeface="微软雅黑" pitchFamily="34" charset="-122"/>
+                <a:ea typeface="微软雅黑" pitchFamily="34" charset="-122"/>
+              </a:rPr>
+              <a:t>指向动画</a:t>
+            </a:r>
+            <a:r>
+              <a:rPr lang="zh-CN" altLang="en-US" sz="2400" dirty="0" smtClean="0">
+                <a:solidFill>
+                  <a:schemeClr val="tx1">
+                    <a:lumMod val="75000"/>
+                    <a:lumOff val="25000"/>
+                  </a:schemeClr>
+                </a:solidFill>
+                <a:latin typeface="微软雅黑" pitchFamily="34" charset="-122"/>
+                <a:ea typeface="微软雅黑" pitchFamily="34" charset="-122"/>
+              </a:rPr>
+              <a:t>结束时</a:t>
+            </a:r>
+            <a:r>
+              <a:rPr lang="zh-CN" altLang="en-US" sz="2400" dirty="0" smtClean="0">
+                <a:solidFill>
+                  <a:schemeClr val="tx1">
+                    <a:lumMod val="75000"/>
+                    <a:lumOff val="25000"/>
+                  </a:schemeClr>
+                </a:solidFill>
+                <a:latin typeface="微软雅黑" pitchFamily="34" charset="-122"/>
+                <a:ea typeface="微软雅黑" pitchFamily="34" charset="-122"/>
+              </a:rPr>
+              <a:t>，切换成的</a:t>
+            </a:r>
+            <a:r>
+              <a:rPr lang="zh-CN" altLang="en-US" sz="2400" dirty="0" smtClean="0">
+                <a:solidFill>
+                  <a:schemeClr val="tx1">
+                    <a:lumMod val="75000"/>
+                    <a:lumOff val="25000"/>
+                  </a:schemeClr>
+                </a:solidFill>
+                <a:latin typeface="微软雅黑" pitchFamily="34" charset="-122"/>
+                <a:ea typeface="微软雅黑" pitchFamily="34" charset="-122"/>
+              </a:rPr>
+              <a:t>新</a:t>
+            </a:r>
+            <a:r>
+              <a:rPr lang="zh-CN" altLang="en-US" sz="2400" dirty="0" smtClean="0">
+                <a:solidFill>
+                  <a:schemeClr val="tx1">
+                    <a:lumMod val="75000"/>
+                    <a:lumOff val="25000"/>
+                  </a:schemeClr>
+                </a:solidFill>
+                <a:latin typeface="微软雅黑" pitchFamily="34" charset="-122"/>
+                <a:ea typeface="微软雅黑" pitchFamily="34" charset="-122"/>
+              </a:rPr>
+              <a:t>图形</a:t>
             </a:r>
             <a:r>
               <a:rPr lang="en-US" altLang="zh-CN" sz="2400" dirty="0" smtClean="0">
@@ -9152,20 +10999,7 @@
                 <a:latin typeface="微软雅黑" pitchFamily="34" charset="-122"/>
                 <a:ea typeface="微软雅黑" pitchFamily="34" charset="-122"/>
               </a:rPr>
-              <a:t>)</a:t>
-            </a:r>
-            <a:r>
-              <a:rPr lang="en-US" altLang="zh-CN" sz="2400" dirty="0">
-                <a:solidFill>
-                  <a:schemeClr val="tx1">
-                    <a:lumMod val="75000"/>
-                    <a:lumOff val="25000"/>
-                  </a:schemeClr>
-                </a:solidFill>
-                <a:latin typeface="微软雅黑" pitchFamily="34" charset="-122"/>
-                <a:ea typeface="微软雅黑" pitchFamily="34" charset="-122"/>
-              </a:rPr>
-              <a:t>.</a:t>
+              <a:t>).</a:t>
             </a:r>
             <a:endParaRPr lang="en-US" altLang="zh-CN" sz="2400" dirty="0" smtClean="0">
               <a:solidFill>
@@ -9202,7 +11036,7 @@
         </p:blipFill>
         <p:spPr>
           <a:xfrm>
-            <a:off x="1256837" y="4556967"/>
+            <a:off x="1256837" y="4989015"/>
             <a:ext cx="3315163" cy="1409897"/>
           </a:xfrm>
           <a:prstGeom prst="rect">
@@ -9228,7 +11062,7 @@
         </p:nvSpPr>
         <p:spPr>
           <a:xfrm>
-            <a:off x="4572000" y="5261915"/>
+            <a:off x="4572000" y="5693963"/>
             <a:ext cx="2448272" cy="345923"/>
           </a:xfrm>
           <a:prstGeom prst="wedgeRoundRectCallout">
@@ -9296,7 +11130,7 @@
         </p:nvSpPr>
         <p:spPr>
           <a:xfrm>
-            <a:off x="3707904" y="5675365"/>
+            <a:off x="3707904" y="6107413"/>
             <a:ext cx="1296144" cy="345923"/>
           </a:xfrm>
           <a:prstGeom prst="wedgeRoundRectCallout">
@@ -9364,7 +11198,7 @@
         </p:nvSpPr>
         <p:spPr>
           <a:xfrm>
-            <a:off x="2411760" y="4132620"/>
+            <a:off x="2411760" y="4564668"/>
             <a:ext cx="1869800" cy="345923"/>
           </a:xfrm>
           <a:prstGeom prst="wedgeRoundRectCallout">
@@ -9539,33 +11373,7 @@
                 <a:latin typeface="微软雅黑" pitchFamily="34" charset="-122"/>
                 <a:ea typeface="微软雅黑" pitchFamily="34" charset="-122"/>
               </a:rPr>
-              <a:t>图形变形（</a:t>
-            </a:r>
-            <a:r>
-              <a:rPr lang="zh-CN" altLang="en-US" sz="2800" b="1" dirty="0" smtClean="0">
-                <a:solidFill>
-                  <a:schemeClr val="tx1">
-                    <a:lumMod val="75000"/>
-                    <a:lumOff val="25000"/>
-                  </a:schemeClr>
-                </a:solidFill>
-                <a:latin typeface="微软雅黑" pitchFamily="34" charset="-122"/>
-                <a:ea typeface="微软雅黑" pitchFamily="34" charset="-122"/>
-              </a:rPr>
-              <a:t>难度</a:t>
-            </a:r>
-            <a:r>
-              <a:rPr lang="zh-CN" altLang="en-US" sz="2800" b="1" dirty="0" smtClean="0">
-                <a:solidFill>
-                  <a:schemeClr val="tx1">
-                    <a:lumMod val="75000"/>
-                    <a:lumOff val="25000"/>
-                  </a:schemeClr>
-                </a:solidFill>
-                <a:latin typeface="微软雅黑" pitchFamily="34" charset="-122"/>
-                <a:ea typeface="微软雅黑" pitchFamily="34" charset="-122"/>
-              </a:rPr>
-              <a:t>：</a:t>
+              <a:t>图形变形（难度：</a:t>
             </a:r>
             <a:r>
               <a:rPr lang="en-US" altLang="zh-CN" sz="2800" b="1" dirty="0" smtClean="0">
@@ -9644,7 +11452,7 @@
                 <a:latin typeface="微软雅黑" pitchFamily="34" charset="-122"/>
                 <a:ea typeface="微软雅黑" pitchFamily="34" charset="-122"/>
               </a:rPr>
-              <a:t>本期我们的目标</a:t>
+              <a:t>本期我们的目标是</a:t>
             </a:r>
             <a:r>
               <a:rPr lang="zh-CN" altLang="en-US" sz="2400" dirty="0" smtClean="0">
@@ -9657,7 +11465,20 @@
                 <a:latin typeface="微软雅黑" pitchFamily="34" charset="-122"/>
                 <a:ea typeface="微软雅黑" pitchFamily="34" charset="-122"/>
               </a:rPr>
-              <a:t>是将由三角面组成的低面图案，通过动画，变成另外一个低面图案</a:t>
+              <a:t>将三</a:t>
+            </a:r>
+            <a:r>
+              <a:rPr lang="zh-CN" altLang="en-US" sz="2400" dirty="0" smtClean="0">
+                <a:solidFill>
+                  <a:schemeClr val="tx1">
+                    <a:lumMod val="75000"/>
+                    <a:lumOff val="25000"/>
+                  </a:schemeClr>
+                </a:solidFill>
+                <a:latin typeface="微软雅黑" pitchFamily="34" charset="-122"/>
+                <a:ea typeface="微软雅黑" pitchFamily="34" charset="-122"/>
+              </a:rPr>
+              <a:t>角面组成的低面图案，通过动画，变成另外一个低面图案</a:t>
             </a:r>
             <a:r>
               <a:rPr lang="en-US" altLang="zh-CN" sz="2400" dirty="0" smtClean="0">
@@ -9683,7 +11504,59 @@
                 <a:latin typeface="微软雅黑" pitchFamily="34" charset="-122"/>
                 <a:ea typeface="微软雅黑" pitchFamily="34" charset="-122"/>
               </a:rPr>
-              <a:t>每个三角面的位置，形状和大小都可能会变化，颜色也会变化！</a:t>
+              <a:t>每个三角面的位置，形状和</a:t>
+            </a:r>
+            <a:r>
+              <a:rPr lang="zh-CN" altLang="en-US" sz="2400" dirty="0">
+                <a:solidFill>
+                  <a:schemeClr val="tx1">
+                    <a:lumMod val="75000"/>
+                    <a:lumOff val="25000"/>
+                  </a:schemeClr>
+                </a:solidFill>
+                <a:latin typeface="微软雅黑" pitchFamily="34" charset="-122"/>
+                <a:ea typeface="微软雅黑" pitchFamily="34" charset="-122"/>
+              </a:rPr>
+              <a:t>大小</a:t>
+            </a:r>
+            <a:r>
+              <a:rPr lang="zh-CN" altLang="en-US" sz="2400" dirty="0" smtClean="0">
+                <a:solidFill>
+                  <a:schemeClr val="tx1">
+                    <a:lumMod val="75000"/>
+                    <a:lumOff val="25000"/>
+                  </a:schemeClr>
+                </a:solidFill>
+                <a:latin typeface="微软雅黑" pitchFamily="34" charset="-122"/>
+                <a:ea typeface="微软雅黑" pitchFamily="34" charset="-122"/>
+              </a:rPr>
+              <a:t>颜色都会连续变化，逐渐变成另外一个图案的</a:t>
+            </a:r>
+            <a:r>
+              <a:rPr lang="zh-CN" altLang="en-US" sz="2400" dirty="0">
+                <a:solidFill>
+                  <a:schemeClr val="tx1">
+                    <a:lumMod val="75000"/>
+                    <a:lumOff val="25000"/>
+                  </a:schemeClr>
+                </a:solidFill>
+                <a:latin typeface="微软雅黑" pitchFamily="34" charset="-122"/>
+                <a:ea typeface="微软雅黑" pitchFamily="34" charset="-122"/>
+              </a:rPr>
+              <a:t>三角</a:t>
+            </a:r>
+            <a:r>
+              <a:rPr lang="zh-CN" altLang="en-US" sz="2400" dirty="0" smtClean="0">
+                <a:solidFill>
+                  <a:schemeClr val="tx1">
+                    <a:lumMod val="75000"/>
+                    <a:lumOff val="25000"/>
+                  </a:schemeClr>
+                </a:solidFill>
+                <a:latin typeface="微软雅黑" pitchFamily="34" charset="-122"/>
+                <a:ea typeface="微软雅黑" pitchFamily="34" charset="-122"/>
+              </a:rPr>
+              <a:t>面！</a:t>
             </a:r>
             <a:endParaRPr lang="en-US" altLang="zh-CN" sz="2400" dirty="0" smtClean="0">
               <a:solidFill>
@@ -10184,7 +12057,7 @@
         </p:nvSpPr>
         <p:spPr>
           <a:xfrm>
-            <a:off x="3271644" y="1585547"/>
+            <a:off x="3271644" y="1642917"/>
             <a:ext cx="3172564" cy="345923"/>
           </a:xfrm>
           <a:prstGeom prst="wedgeRoundRectCallout">
@@ -10738,7 +12611,59 @@
                 <a:latin typeface="微软雅黑" pitchFamily="34" charset="-122"/>
                 <a:ea typeface="微软雅黑" pitchFamily="34" charset="-122"/>
               </a:rPr>
-              <a:t>次才能保证动画的流畅性，也就是每隔</a:t>
+              <a:t>次才能保证动画的</a:t>
+            </a:r>
+            <a:r>
+              <a:rPr lang="zh-CN" altLang="en-US" sz="2400" b="1" dirty="0" smtClean="0">
+                <a:solidFill>
+                  <a:schemeClr val="tx1">
+                    <a:lumMod val="75000"/>
+                    <a:lumOff val="25000"/>
+                  </a:schemeClr>
+                </a:solidFill>
+                <a:latin typeface="微软雅黑" pitchFamily="34" charset="-122"/>
+                <a:ea typeface="微软雅黑" pitchFamily="34" charset="-122"/>
+              </a:rPr>
+              <a:t>流畅性</a:t>
+            </a:r>
+            <a:r>
+              <a:rPr lang="zh-CN" altLang="en-US" sz="2400" dirty="0" smtClean="0">
+                <a:solidFill>
+                  <a:schemeClr val="tx1">
+                    <a:lumMod val="75000"/>
+                    <a:lumOff val="25000"/>
+                  </a:schemeClr>
+                </a:solidFill>
+                <a:latin typeface="微软雅黑" pitchFamily="34" charset="-122"/>
+                <a:ea typeface="微软雅黑" pitchFamily="34" charset="-122"/>
+              </a:rPr>
+              <a:t>，也就是每隔</a:t>
+            </a:r>
+            <a:r>
+              <a:rPr lang="en-US" altLang="zh-CN" sz="2400" b="1" dirty="0" smtClean="0">
+                <a:solidFill>
+                  <a:schemeClr val="tx1">
+                    <a:lumMod val="75000"/>
+                    <a:lumOff val="25000"/>
+                  </a:schemeClr>
+                </a:solidFill>
+                <a:latin typeface="微软雅黑" pitchFamily="34" charset="-122"/>
+                <a:ea typeface="微软雅黑" pitchFamily="34" charset="-122"/>
+              </a:rPr>
+              <a:t>1000ms/30 =  33.33ms</a:t>
+            </a:r>
+            <a:r>
+              <a:rPr lang="zh-CN" altLang="en-US" sz="2400" dirty="0" smtClean="0">
+                <a:solidFill>
+                  <a:schemeClr val="tx1">
+                    <a:lumMod val="75000"/>
+                    <a:lumOff val="25000"/>
+                  </a:schemeClr>
+                </a:solidFill>
+                <a:latin typeface="微软雅黑" pitchFamily="34" charset="-122"/>
+                <a:ea typeface="微软雅黑" pitchFamily="34" charset="-122"/>
+              </a:rPr>
+              <a:t>就要刷新一次动画</a:t>
             </a:r>
             <a:r>
               <a:rPr lang="en-US" altLang="zh-CN" sz="2400" dirty="0" smtClean="0">
@@ -10751,7 +12676,7 @@
                 <a:latin typeface="微软雅黑" pitchFamily="34" charset="-122"/>
                 <a:ea typeface="微软雅黑" pitchFamily="34" charset="-122"/>
               </a:rPr>
-              <a:t>1000ms/30 =  33.33ms</a:t>
+              <a:t>. </a:t>
             </a:r>
             <a:r>
               <a:rPr lang="zh-CN" altLang="en-US" sz="2400" dirty="0" smtClean="0">
@@ -10764,7 +12689,46 @@
                 <a:latin typeface="微软雅黑" pitchFamily="34" charset="-122"/>
                 <a:ea typeface="微软雅黑" pitchFamily="34" charset="-122"/>
               </a:rPr>
-              <a:t>就要刷新一次动画</a:t>
+              <a:t>并需要</a:t>
+            </a:r>
+            <a:r>
+              <a:rPr lang="zh-CN" altLang="en-US" sz="2400" dirty="0" smtClean="0">
+                <a:solidFill>
+                  <a:schemeClr val="tx1">
+                    <a:lumMod val="75000"/>
+                    <a:lumOff val="25000"/>
+                  </a:schemeClr>
+                </a:solidFill>
+                <a:latin typeface="微软雅黑" pitchFamily="34" charset="-122"/>
+                <a:ea typeface="微软雅黑" pitchFamily="34" charset="-122"/>
+              </a:rPr>
+              <a:t>刷新</a:t>
+            </a:r>
+            <a:r>
+              <a:rPr lang="zh-CN" altLang="en-US" sz="2400" dirty="0" smtClean="0">
+                <a:solidFill>
+                  <a:schemeClr val="tx1">
+                    <a:lumMod val="75000"/>
+                    <a:lumOff val="25000"/>
+                  </a:schemeClr>
+                </a:solidFill>
+                <a:latin typeface="微软雅黑" pitchFamily="34" charset="-122"/>
+                <a:ea typeface="微软雅黑" pitchFamily="34" charset="-122"/>
+              </a:rPr>
+              <a:t>所有三</a:t>
+            </a:r>
+            <a:r>
+              <a:rPr lang="zh-CN" altLang="en-US" sz="2400" dirty="0" smtClean="0">
+                <a:solidFill>
+                  <a:schemeClr val="tx1">
+                    <a:lumMod val="75000"/>
+                    <a:lumOff val="25000"/>
+                  </a:schemeClr>
+                </a:solidFill>
+                <a:latin typeface="微软雅黑" pitchFamily="34" charset="-122"/>
+                <a:ea typeface="微软雅黑" pitchFamily="34" charset="-122"/>
+              </a:rPr>
+              <a:t>角面的颜色和顶点位置</a:t>
             </a:r>
             <a:r>
               <a:rPr lang="en-US" altLang="zh-CN" sz="2400" dirty="0" smtClean="0">
@@ -10777,7 +12741,7 @@
                 <a:latin typeface="微软雅黑" pitchFamily="34" charset="-122"/>
                 <a:ea typeface="微软雅黑" pitchFamily="34" charset="-122"/>
               </a:rPr>
-              <a:t>. </a:t>
+              <a:t>.</a:t>
             </a:r>
             <a:r>
               <a:rPr lang="zh-CN" altLang="en-US" sz="2400" dirty="0" smtClean="0">
@@ -10790,20 +12754,7 @@
                 <a:latin typeface="微软雅黑" pitchFamily="34" charset="-122"/>
                 <a:ea typeface="微软雅黑" pitchFamily="34" charset="-122"/>
               </a:rPr>
-              <a:t>并且需要刷新所有的三角面的颜色和顶点位置</a:t>
-            </a:r>
-            <a:r>
-              <a:rPr lang="en-US" altLang="zh-CN" sz="2400" dirty="0" smtClean="0">
-                <a:solidFill>
-                  <a:schemeClr val="tx1">
-                    <a:lumMod val="75000"/>
-                    <a:lumOff val="25000"/>
-                  </a:schemeClr>
-                </a:solidFill>
-                <a:latin typeface="微软雅黑" pitchFamily="34" charset="-122"/>
-                <a:ea typeface="微软雅黑" pitchFamily="34" charset="-122"/>
-              </a:rPr>
-              <a:t>.</a:t>
+              <a:t>根据每个动画执行的时间和持续总时间的比例</a:t>
             </a:r>
             <a:r>
               <a:rPr lang="zh-CN" altLang="en-US" sz="2400" dirty="0" smtClean="0">
@@ -10816,7 +12767,59 @@
                 <a:latin typeface="微软雅黑" pitchFamily="34" charset="-122"/>
                 <a:ea typeface="微软雅黑" pitchFamily="34" charset="-122"/>
               </a:rPr>
-              <a:t>根据每个动画执行的时间和持续总时间的比例，对初始值和结束之进行插值，得到当前数值，然后设置样式</a:t>
+              <a:t>，在初始值</a:t>
+            </a:r>
+            <a:r>
+              <a:rPr lang="zh-CN" altLang="en-US" sz="2400" dirty="0" smtClean="0">
+                <a:solidFill>
+                  <a:schemeClr val="tx1">
+                    <a:lumMod val="75000"/>
+                    <a:lumOff val="25000"/>
+                  </a:schemeClr>
+                </a:solidFill>
+                <a:latin typeface="微软雅黑" pitchFamily="34" charset="-122"/>
+                <a:ea typeface="微软雅黑" pitchFamily="34" charset="-122"/>
+              </a:rPr>
+              <a:t>和</a:t>
+            </a:r>
+            <a:r>
+              <a:rPr lang="zh-CN" altLang="en-US" sz="2400" dirty="0" smtClean="0">
+                <a:solidFill>
+                  <a:schemeClr val="tx1">
+                    <a:lumMod val="75000"/>
+                    <a:lumOff val="25000"/>
+                  </a:schemeClr>
+                </a:solidFill>
+                <a:latin typeface="微软雅黑" pitchFamily="34" charset="-122"/>
+                <a:ea typeface="微软雅黑" pitchFamily="34" charset="-122"/>
+              </a:rPr>
+              <a:t>结束值之</a:t>
+            </a:r>
+            <a:r>
+              <a:rPr lang="zh-CN" altLang="en-US" sz="2400" dirty="0" smtClean="0">
+                <a:solidFill>
+                  <a:schemeClr val="tx1">
+                    <a:lumMod val="75000"/>
+                    <a:lumOff val="25000"/>
+                  </a:schemeClr>
+                </a:solidFill>
+                <a:latin typeface="微软雅黑" pitchFamily="34" charset="-122"/>
+                <a:ea typeface="微软雅黑" pitchFamily="34" charset="-122"/>
+              </a:rPr>
+              <a:t>进行插值，得到当前数值</a:t>
+            </a:r>
+            <a:r>
+              <a:rPr lang="zh-CN" altLang="en-US" sz="2400" dirty="0" smtClean="0">
+                <a:solidFill>
+                  <a:schemeClr val="tx1">
+                    <a:lumMod val="75000"/>
+                    <a:lumOff val="25000"/>
+                  </a:schemeClr>
+                </a:solidFill>
+                <a:latin typeface="微软雅黑" pitchFamily="34" charset="-122"/>
+                <a:ea typeface="微软雅黑" pitchFamily="34" charset="-122"/>
+              </a:rPr>
+              <a:t>，设置三角面样式</a:t>
             </a:r>
             <a:r>
               <a:rPr lang="en-US" altLang="zh-CN" sz="2400" dirty="0" smtClean="0">
@@ -10912,13 +12915,13 @@
         </p:nvSpPr>
         <p:spPr>
           <a:xfrm>
-            <a:off x="2091807" y="172438"/>
-            <a:ext cx="1330602" cy="345923"/>
+            <a:off x="1331640" y="130749"/>
+            <a:ext cx="3397664" cy="345923"/>
           </a:xfrm>
           <a:prstGeom prst="wedgeRoundRectCallout">
             <a:avLst>
-              <a:gd name="adj1" fmla="val -22641"/>
-              <a:gd name="adj2" fmla="val 83920"/>
+              <a:gd name="adj1" fmla="val -23306"/>
+              <a:gd name="adj2" fmla="val 67603"/>
               <a:gd name="adj3" fmla="val 16667"/>
             </a:avLst>
           </a:prstGeom>
@@ -10947,19 +12950,6 @@
               </a:lnSpc>
             </a:pPr>
             <a:r>
-              <a:rPr lang="zh-CN" altLang="en-US" sz="2000" dirty="0">
-                <a:solidFill>
-                  <a:schemeClr val="tx1">
-                    <a:lumMod val="75000"/>
-                    <a:lumOff val="25000"/>
-                  </a:schemeClr>
-                </a:solidFill>
-                <a:latin typeface="微软雅黑" pitchFamily="34" charset="-122"/>
-                <a:ea typeface="微软雅黑" pitchFamily="34" charset="-122"/>
-              </a:rPr>
-              <a:t>执行</a:t>
-            </a:r>
-            <a:r>
               <a:rPr lang="zh-CN" altLang="en-US" sz="2000" dirty="0" smtClean="0">
                 <a:solidFill>
                   <a:schemeClr val="tx1">
@@ -10970,7 +12960,33 @@
                 <a:latin typeface="微软雅黑" pitchFamily="34" charset="-122"/>
                 <a:ea typeface="微软雅黑" pitchFamily="34" charset="-122"/>
               </a:rPr>
-              <a:t>动画</a:t>
+              <a:t>执行动画</a:t>
+            </a:r>
+            <a:r>
+              <a:rPr lang="en-US" altLang="zh-CN" sz="2000" dirty="0" smtClean="0">
+                <a:solidFill>
+                  <a:schemeClr val="tx1">
+                    <a:lumMod val="75000"/>
+                    <a:lumOff val="25000"/>
+                  </a:schemeClr>
+                </a:solidFill>
+                <a:latin typeface="微软雅黑" pitchFamily="34" charset="-122"/>
+                <a:ea typeface="微软雅黑" pitchFamily="34" charset="-122"/>
+              </a:rPr>
+              <a:t>/</a:t>
+            </a:r>
+            <a:r>
+              <a:rPr lang="zh-CN" altLang="en-US" sz="2000" dirty="0" smtClean="0">
+                <a:solidFill>
+                  <a:schemeClr val="tx1">
+                    <a:lumMod val="75000"/>
+                    <a:lumOff val="25000"/>
+                  </a:schemeClr>
+                </a:solidFill>
+                <a:latin typeface="微软雅黑" pitchFamily="34" charset="-122"/>
+                <a:ea typeface="微软雅黑" pitchFamily="34" charset="-122"/>
+              </a:rPr>
+              <a:t>刷新所有元素样式</a:t>
             </a:r>
             <a:endParaRPr lang="en-US" altLang="zh-CN" sz="2000" dirty="0">
               <a:solidFill>
@@ -10993,13 +13009,13 @@
         </p:nvSpPr>
         <p:spPr>
           <a:xfrm>
-            <a:off x="4434290" y="2822618"/>
-            <a:ext cx="3034302" cy="345923"/>
+            <a:off x="5148064" y="2240314"/>
+            <a:ext cx="3162046" cy="345923"/>
           </a:xfrm>
           <a:prstGeom prst="wedgeRoundRectCallout">
             <a:avLst>
-              <a:gd name="adj1" fmla="val -29584"/>
-              <a:gd name="adj2" fmla="val 70866"/>
+              <a:gd name="adj1" fmla="val -54575"/>
+              <a:gd name="adj2" fmla="val 44759"/>
               <a:gd name="adj3" fmla="val 16667"/>
             </a:avLst>
           </a:prstGeom>
@@ -11038,7 +13054,59 @@
                 <a:latin typeface="微软雅黑" pitchFamily="34" charset="-122"/>
                 <a:ea typeface="微软雅黑" pitchFamily="34" charset="-122"/>
               </a:rPr>
-              <a:t>如果动画没结束设置样式</a:t>
+              <a:t>如果动画没</a:t>
+            </a:r>
+            <a:r>
+              <a:rPr lang="zh-CN" altLang="en-US" sz="2000" dirty="0" smtClean="0">
+                <a:solidFill>
+                  <a:schemeClr val="tx1">
+                    <a:lumMod val="75000"/>
+                    <a:lumOff val="25000"/>
+                  </a:schemeClr>
+                </a:solidFill>
+                <a:latin typeface="微软雅黑" pitchFamily="34" charset="-122"/>
+                <a:ea typeface="微软雅黑" pitchFamily="34" charset="-122"/>
+              </a:rPr>
+              <a:t>结束</a:t>
+            </a:r>
+            <a:r>
+              <a:rPr lang="en-US" altLang="zh-CN" sz="2000" dirty="0" smtClean="0">
+                <a:solidFill>
+                  <a:schemeClr val="tx1">
+                    <a:lumMod val="75000"/>
+                    <a:lumOff val="25000"/>
+                  </a:schemeClr>
+                </a:solidFill>
+                <a:latin typeface="微软雅黑" pitchFamily="34" charset="-122"/>
+                <a:ea typeface="微软雅黑" pitchFamily="34" charset="-122"/>
+              </a:rPr>
+              <a:t>,</a:t>
+            </a:r>
+            <a:r>
+              <a:rPr lang="zh-CN" altLang="en-US" sz="2000" dirty="0" smtClean="0">
+                <a:solidFill>
+                  <a:schemeClr val="tx1">
+                    <a:lumMod val="75000"/>
+                    <a:lumOff val="25000"/>
+                  </a:schemeClr>
+                </a:solidFill>
+                <a:latin typeface="微软雅黑" pitchFamily="34" charset="-122"/>
+                <a:ea typeface="微软雅黑" pitchFamily="34" charset="-122"/>
+              </a:rPr>
+              <a:t>设置</a:t>
+            </a:r>
+            <a:r>
+              <a:rPr lang="zh-CN" altLang="en-US" sz="2000" dirty="0" smtClean="0">
+                <a:solidFill>
+                  <a:schemeClr val="tx1">
+                    <a:lumMod val="75000"/>
+                    <a:lumOff val="25000"/>
+                  </a:schemeClr>
+                </a:solidFill>
+                <a:latin typeface="微软雅黑" pitchFamily="34" charset="-122"/>
+                <a:ea typeface="微软雅黑" pitchFamily="34" charset="-122"/>
+              </a:rPr>
+              <a:t>样式</a:t>
             </a:r>
             <a:endParaRPr lang="en-US" altLang="zh-CN" sz="2000" dirty="0">
               <a:solidFill>
@@ -11130,7 +13198,7 @@
         <p:spPr>
           <a:xfrm>
             <a:off x="3414972" y="3554285"/>
-            <a:ext cx="3533292" cy="810819"/>
+            <a:ext cx="4037348" cy="810819"/>
           </a:xfrm>
           <a:prstGeom prst="wedgeRoundRectCallout">
             <a:avLst>
@@ -11174,37 +13242,7 @@
                 <a:latin typeface="微软雅黑" pitchFamily="34" charset="-122"/>
                 <a:ea typeface="微软雅黑" pitchFamily="34" charset="-122"/>
               </a:rPr>
-              <a:t>如果结束数量等于动画总数，</a:t>
-            </a:r>
-            <a:endParaRPr lang="en-US" altLang="zh-CN" sz="2000" dirty="0" smtClean="0">
-              <a:solidFill>
-                <a:schemeClr val="tx1">
-                  <a:lumMod val="75000"/>
-                  <a:lumOff val="25000"/>
-                </a:schemeClr>
-              </a:solidFill>
-              <a:latin typeface="微软雅黑" pitchFamily="34" charset="-122"/>
-              <a:ea typeface="微软雅黑" pitchFamily="34" charset="-122"/>
-            </a:endParaRPr>
-          </a:p>
-          <a:p>
-            <a:pPr>
-              <a:lnSpc>
-                <a:spcPct val="150000"/>
-              </a:lnSpc>
-            </a:pPr>
-            <a:r>
-              <a:rPr lang="zh-CN" altLang="en-US" sz="2000" dirty="0">
-                <a:solidFill>
-                  <a:schemeClr val="tx1">
-                    <a:lumMod val="75000"/>
-                    <a:lumOff val="25000"/>
-                  </a:schemeClr>
-                </a:solidFill>
-                <a:latin typeface="微软雅黑" pitchFamily="34" charset="-122"/>
-                <a:ea typeface="微软雅黑" pitchFamily="34" charset="-122"/>
-              </a:rPr>
-              <a:t>则</a:t>
+              <a:t>如果结束数量</a:t>
             </a:r>
             <a:r>
               <a:rPr lang="zh-CN" altLang="en-US" sz="2000" dirty="0" smtClean="0">
@@ -11217,7 +13255,46 @@
                 <a:latin typeface="微软雅黑" pitchFamily="34" charset="-122"/>
                 <a:ea typeface="微软雅黑" pitchFamily="34" charset="-122"/>
               </a:rPr>
-              <a:t>全部动画结束</a:t>
+              <a:t>等于三角面总数，则</a:t>
+            </a:r>
+            <a:r>
+              <a:rPr lang="zh-CN" altLang="en-US" sz="2000" dirty="0" smtClean="0">
+                <a:solidFill>
+                  <a:schemeClr val="tx1">
+                    <a:lumMod val="75000"/>
+                    <a:lumOff val="25000"/>
+                  </a:schemeClr>
+                </a:solidFill>
+                <a:latin typeface="微软雅黑" pitchFamily="34" charset="-122"/>
+                <a:ea typeface="微软雅黑" pitchFamily="34" charset="-122"/>
+              </a:rPr>
+              <a:t>全部动画</a:t>
+            </a:r>
+            <a:r>
+              <a:rPr lang="zh-CN" altLang="en-US" sz="2000" dirty="0" smtClean="0">
+                <a:solidFill>
+                  <a:schemeClr val="tx1">
+                    <a:lumMod val="75000"/>
+                    <a:lumOff val="25000"/>
+                  </a:schemeClr>
+                </a:solidFill>
+                <a:latin typeface="微软雅黑" pitchFamily="34" charset="-122"/>
+                <a:ea typeface="微软雅黑" pitchFamily="34" charset="-122"/>
+              </a:rPr>
+              <a:t>结束，返回</a:t>
+            </a:r>
+            <a:r>
+              <a:rPr lang="en-US" altLang="zh-CN" sz="2000" dirty="0" smtClean="0">
+                <a:solidFill>
+                  <a:schemeClr val="tx1">
+                    <a:lumMod val="75000"/>
+                    <a:lumOff val="25000"/>
+                  </a:schemeClr>
+                </a:solidFill>
+                <a:latin typeface="微软雅黑" pitchFamily="34" charset="-122"/>
+                <a:ea typeface="微软雅黑" pitchFamily="34" charset="-122"/>
+              </a:rPr>
+              <a:t>true</a:t>
             </a:r>
             <a:endParaRPr lang="en-US" altLang="zh-CN" sz="2000" dirty="0">
               <a:solidFill>
@@ -11240,13 +13317,13 @@
         </p:nvSpPr>
         <p:spPr>
           <a:xfrm>
-            <a:off x="5489470" y="1466522"/>
-            <a:ext cx="2898954" cy="345923"/>
+            <a:off x="5652120" y="1252570"/>
+            <a:ext cx="1890842" cy="831717"/>
           </a:xfrm>
           <a:prstGeom prst="wedgeRoundRectCallout">
             <a:avLst>
-              <a:gd name="adj1" fmla="val -55255"/>
-              <a:gd name="adj2" fmla="val -929"/>
+              <a:gd name="adj1" fmla="val -57046"/>
+              <a:gd name="adj2" fmla="val -10430"/>
               <a:gd name="adj3" fmla="val 16667"/>
             </a:avLst>
           </a:prstGeom>
@@ -11275,19 +13352,6 @@
               </a:lnSpc>
             </a:pPr>
             <a:r>
-              <a:rPr lang="zh-CN" altLang="en-US" sz="2000" dirty="0">
-                <a:solidFill>
-                  <a:schemeClr val="tx1">
-                    <a:lumMod val="75000"/>
-                    <a:lumOff val="25000"/>
-                  </a:schemeClr>
-                </a:solidFill>
-                <a:latin typeface="微软雅黑" pitchFamily="34" charset="-122"/>
-                <a:ea typeface="微软雅黑" pitchFamily="34" charset="-122"/>
-              </a:rPr>
-              <a:t>执行</a:t>
-            </a:r>
-            <a:r>
               <a:rPr lang="zh-CN" altLang="en-US" sz="2000" dirty="0" smtClean="0">
                 <a:solidFill>
                   <a:schemeClr val="tx1">
@@ -11298,7 +13362,7 @@
                 <a:latin typeface="微软雅黑" pitchFamily="34" charset="-122"/>
                 <a:ea typeface="微软雅黑" pitchFamily="34" charset="-122"/>
               </a:rPr>
-              <a:t>每个三角面的动画</a:t>
+              <a:t>更新每个三角面的动画数据</a:t>
             </a:r>
             <a:endParaRPr lang="en-US" altLang="zh-CN" sz="2000" dirty="0">
               <a:solidFill>
@@ -11437,8 +13501,8 @@
         </p:nvSpPr>
         <p:spPr>
           <a:xfrm>
-            <a:off x="2092642" y="130749"/>
-            <a:ext cx="2119318" cy="345923"/>
+            <a:off x="2092641" y="130749"/>
+            <a:ext cx="3445863" cy="345923"/>
           </a:xfrm>
           <a:prstGeom prst="wedgeRoundRectCallout">
             <a:avLst>
@@ -11497,6 +13561,32 @@
               </a:rPr>
               <a:t>动画</a:t>
             </a:r>
+            <a:r>
+              <a:rPr lang="en-US" altLang="zh-CN" sz="2000" dirty="0" smtClean="0">
+                <a:solidFill>
+                  <a:schemeClr val="tx1">
+                    <a:lumMod val="75000"/>
+                    <a:lumOff val="25000"/>
+                  </a:schemeClr>
+                </a:solidFill>
+                <a:latin typeface="微软雅黑" pitchFamily="34" charset="-122"/>
+                <a:ea typeface="微软雅黑" pitchFamily="34" charset="-122"/>
+              </a:rPr>
+              <a:t>/</a:t>
+            </a:r>
+            <a:r>
+              <a:rPr lang="zh-CN" altLang="en-US" sz="2000" dirty="0" smtClean="0">
+                <a:solidFill>
+                  <a:schemeClr val="tx1">
+                    <a:lumMod val="75000"/>
+                    <a:lumOff val="25000"/>
+                  </a:schemeClr>
+                </a:solidFill>
+                <a:latin typeface="微软雅黑" pitchFamily="34" charset="-122"/>
+                <a:ea typeface="微软雅黑" pitchFamily="34" charset="-122"/>
+              </a:rPr>
+              <a:t>刷新数据</a:t>
+            </a:r>
             <a:endParaRPr lang="en-US" altLang="zh-CN" sz="2000" dirty="0">
               <a:solidFill>
                 <a:schemeClr val="tx1">
@@ -11519,7 +13609,7 @@
         <p:spPr>
           <a:xfrm>
             <a:off x="4154190" y="908720"/>
-            <a:ext cx="3370138" cy="345923"/>
+            <a:ext cx="2434034" cy="345923"/>
           </a:xfrm>
           <a:prstGeom prst="wedgeRoundRectCallout">
             <a:avLst>
@@ -11563,7 +13653,20 @@
                 <a:latin typeface="微软雅黑" pitchFamily="34" charset="-122"/>
                 <a:ea typeface="微软雅黑" pitchFamily="34" charset="-122"/>
               </a:rPr>
-              <a:t>执行三角面每组数据的动画</a:t>
+              <a:t>刷新</a:t>
+            </a:r>
+            <a:r>
+              <a:rPr lang="zh-CN" altLang="en-US" sz="2000" dirty="0" smtClean="0">
+                <a:solidFill>
+                  <a:schemeClr val="tx1">
+                    <a:lumMod val="75000"/>
+                    <a:lumOff val="25000"/>
+                  </a:schemeClr>
+                </a:solidFill>
+                <a:latin typeface="微软雅黑" pitchFamily="34" charset="-122"/>
+                <a:ea typeface="微软雅黑" pitchFamily="34" charset="-122"/>
+              </a:rPr>
+              <a:t>每组动画数据</a:t>
             </a:r>
             <a:endParaRPr lang="en-US" altLang="zh-CN" sz="2000" dirty="0">
               <a:solidFill>
@@ -11693,13 +13796,13 @@
         </p:nvSpPr>
         <p:spPr>
           <a:xfrm>
-            <a:off x="3192642" y="2883060"/>
-            <a:ext cx="4691726" cy="345923"/>
+            <a:off x="3264650" y="2780928"/>
+            <a:ext cx="3035542" cy="761964"/>
           </a:xfrm>
           <a:prstGeom prst="wedgeRoundRectCallout">
             <a:avLst>
-              <a:gd name="adj1" fmla="val -55255"/>
-              <a:gd name="adj2" fmla="val -929"/>
+              <a:gd name="adj1" fmla="val -55627"/>
+              <a:gd name="adj2" fmla="val -12781"/>
               <a:gd name="adj3" fmla="val 16667"/>
             </a:avLst>
           </a:prstGeom>
@@ -11751,7 +13854,63 @@
                 <a:latin typeface="微软雅黑" pitchFamily="34" charset="-122"/>
                 <a:ea typeface="微软雅黑" pitchFamily="34" charset="-122"/>
               </a:rPr>
-              <a:t>组数据动画结束，则三角面动画结束</a:t>
+              <a:t>组</a:t>
+            </a:r>
+            <a:r>
+              <a:rPr lang="zh-CN" altLang="en-US" sz="2000" dirty="0" smtClean="0">
+                <a:solidFill>
+                  <a:schemeClr val="tx1">
+                    <a:lumMod val="75000"/>
+                    <a:lumOff val="25000"/>
+                  </a:schemeClr>
+                </a:solidFill>
+                <a:latin typeface="微软雅黑" pitchFamily="34" charset="-122"/>
+                <a:ea typeface="微软雅黑" pitchFamily="34" charset="-122"/>
+              </a:rPr>
+              <a:t>数据变换时间结束</a:t>
+            </a:r>
+            <a:endParaRPr lang="en-US" altLang="zh-CN" sz="2000" dirty="0" smtClean="0">
+              <a:solidFill>
+                <a:schemeClr val="tx1">
+                  <a:lumMod val="75000"/>
+                  <a:lumOff val="25000"/>
+                </a:schemeClr>
+              </a:solidFill>
+              <a:latin typeface="微软雅黑" pitchFamily="34" charset="-122"/>
+              <a:ea typeface="微软雅黑" pitchFamily="34" charset="-122"/>
+            </a:endParaRPr>
+          </a:p>
+          <a:p>
+            <a:pPr>
+              <a:lnSpc>
+                <a:spcPct val="150000"/>
+              </a:lnSpc>
+            </a:pPr>
+            <a:r>
+              <a:rPr lang="zh-CN" altLang="en-US" sz="2000" dirty="0" smtClean="0">
+                <a:solidFill>
+                  <a:schemeClr val="tx1">
+                    <a:lumMod val="75000"/>
+                    <a:lumOff val="25000"/>
+                  </a:schemeClr>
+                </a:solidFill>
+                <a:latin typeface="微软雅黑" pitchFamily="34" charset="-122"/>
+                <a:ea typeface="微软雅黑" pitchFamily="34" charset="-122"/>
+              </a:rPr>
+              <a:t>，</a:t>
+            </a:r>
+            <a:r>
+              <a:rPr lang="zh-CN" altLang="en-US" sz="2000" dirty="0" smtClean="0">
+                <a:solidFill>
+                  <a:schemeClr val="tx1">
+                    <a:lumMod val="75000"/>
+                    <a:lumOff val="25000"/>
+                  </a:schemeClr>
+                </a:solidFill>
+                <a:latin typeface="微软雅黑" pitchFamily="34" charset="-122"/>
+                <a:ea typeface="微软雅黑" pitchFamily="34" charset="-122"/>
+              </a:rPr>
+              <a:t>则三角面动画结束</a:t>
             </a:r>
             <a:endParaRPr lang="en-US" altLang="zh-CN" sz="2000" dirty="0">
               <a:solidFill>
@@ -11936,8 +14095,8 @@
         </p:nvSpPr>
         <p:spPr>
           <a:xfrm>
-            <a:off x="2156868" y="147434"/>
-            <a:ext cx="1839068" cy="345923"/>
+            <a:off x="1619672" y="147434"/>
+            <a:ext cx="1800200" cy="345923"/>
           </a:xfrm>
           <a:prstGeom prst="wedgeRoundRectCallout">
             <a:avLst>
@@ -11994,7 +14153,33 @@
                 <a:latin typeface="微软雅黑" pitchFamily="34" charset="-122"/>
                 <a:ea typeface="微软雅黑" pitchFamily="34" charset="-122"/>
               </a:rPr>
-              <a:t>帧数据刷新</a:t>
+              <a:t>组</a:t>
+            </a:r>
+            <a:r>
+              <a:rPr lang="zh-CN" altLang="en-US" sz="2000" dirty="0" smtClean="0">
+                <a:solidFill>
+                  <a:schemeClr val="tx1">
+                    <a:lumMod val="75000"/>
+                    <a:lumOff val="25000"/>
+                  </a:schemeClr>
+                </a:solidFill>
+                <a:latin typeface="微软雅黑" pitchFamily="34" charset="-122"/>
+                <a:ea typeface="微软雅黑" pitchFamily="34" charset="-122"/>
+              </a:rPr>
+              <a:t>数据</a:t>
+            </a:r>
+            <a:r>
+              <a:rPr lang="zh-CN" altLang="en-US" sz="2000" dirty="0" smtClean="0">
+                <a:solidFill>
+                  <a:schemeClr val="tx1">
+                    <a:lumMod val="75000"/>
+                    <a:lumOff val="25000"/>
+                  </a:schemeClr>
+                </a:solidFill>
+                <a:latin typeface="微软雅黑" pitchFamily="34" charset="-122"/>
+                <a:ea typeface="微软雅黑" pitchFamily="34" charset="-122"/>
+              </a:rPr>
+              <a:t>刷新</a:t>
             </a:r>
             <a:endParaRPr lang="en-US" altLang="zh-CN" sz="2000" dirty="0">
               <a:solidFill>
@@ -12018,7 +14203,7 @@
         <p:spPr>
           <a:xfrm>
             <a:off x="4644008" y="530196"/>
-            <a:ext cx="2232248" cy="345923"/>
+            <a:ext cx="2304256" cy="345923"/>
           </a:xfrm>
           <a:prstGeom prst="wedgeRoundRectCallout">
             <a:avLst>
@@ -12062,7 +14247,33 @@
                 <a:latin typeface="微软雅黑" pitchFamily="34" charset="-122"/>
                 <a:ea typeface="微软雅黑" pitchFamily="34" charset="-122"/>
               </a:rPr>
-              <a:t>如果时间没结束</a:t>
+              <a:t>时间</a:t>
+            </a:r>
+            <a:r>
+              <a:rPr lang="zh-CN" altLang="en-US" sz="2000" dirty="0" smtClean="0">
+                <a:solidFill>
+                  <a:schemeClr val="tx1">
+                    <a:lumMod val="75000"/>
+                    <a:lumOff val="25000"/>
+                  </a:schemeClr>
+                </a:solidFill>
+                <a:latin typeface="微软雅黑" pitchFamily="34" charset="-122"/>
+                <a:ea typeface="微软雅黑" pitchFamily="34" charset="-122"/>
+              </a:rPr>
+              <a:t>没</a:t>
+            </a:r>
+            <a:r>
+              <a:rPr lang="zh-CN" altLang="en-US" sz="2000" dirty="0" smtClean="0">
+                <a:solidFill>
+                  <a:schemeClr val="tx1">
+                    <a:lumMod val="75000"/>
+                    <a:lumOff val="25000"/>
+                  </a:schemeClr>
+                </a:solidFill>
+                <a:latin typeface="微软雅黑" pitchFamily="34" charset="-122"/>
+                <a:ea typeface="微软雅黑" pitchFamily="34" charset="-122"/>
+              </a:rPr>
+              <a:t>结束则刷新</a:t>
             </a:r>
             <a:endParaRPr lang="en-US" altLang="zh-CN" sz="2000" dirty="0">
               <a:solidFill>
@@ -12289,13 +14500,13 @@
         </p:nvSpPr>
         <p:spPr>
           <a:xfrm>
-            <a:off x="5510487" y="1340768"/>
-            <a:ext cx="2527407" cy="345923"/>
+            <a:off x="3963506" y="1555662"/>
+            <a:ext cx="3093961" cy="345923"/>
           </a:xfrm>
           <a:prstGeom prst="wedgeRoundRectCallout">
             <a:avLst>
-              <a:gd name="adj1" fmla="val -57735"/>
-              <a:gd name="adj2" fmla="val 5597"/>
+              <a:gd name="adj1" fmla="val -27451"/>
+              <a:gd name="adj2" fmla="val -75988"/>
               <a:gd name="adj3" fmla="val 16667"/>
             </a:avLst>
           </a:prstGeom>
@@ -12324,6 +14535,19 @@
               </a:lnSpc>
             </a:pPr>
             <a:r>
+              <a:rPr lang="zh-CN" altLang="en-US" sz="2000" dirty="0">
+                <a:solidFill>
+                  <a:schemeClr val="tx1">
+                    <a:lumMod val="75000"/>
+                    <a:lumOff val="25000"/>
+                  </a:schemeClr>
+                </a:solidFill>
+                <a:latin typeface="微软雅黑" pitchFamily="34" charset="-122"/>
+                <a:ea typeface="微软雅黑" pitchFamily="34" charset="-122"/>
+              </a:rPr>
+              <a:t>大于</a:t>
+            </a:r>
+            <a:r>
               <a:rPr lang="zh-CN" altLang="en-US" sz="2000" dirty="0" smtClean="0">
                 <a:solidFill>
                   <a:schemeClr val="tx1">
@@ -12334,7 +14558,20 @@
                 <a:latin typeface="微软雅黑" pitchFamily="34" charset="-122"/>
                 <a:ea typeface="微软雅黑" pitchFamily="34" charset="-122"/>
               </a:rPr>
-              <a:t>结束延迟，开始动画</a:t>
+              <a:t>延迟时间，</a:t>
+            </a:r>
+            <a:r>
+              <a:rPr lang="zh-CN" altLang="en-US" sz="2000" dirty="0" smtClean="0">
+                <a:solidFill>
+                  <a:schemeClr val="tx1">
+                    <a:lumMod val="75000"/>
+                    <a:lumOff val="25000"/>
+                  </a:schemeClr>
+                </a:solidFill>
+                <a:latin typeface="微软雅黑" pitchFamily="34" charset="-122"/>
+                <a:ea typeface="微软雅黑" pitchFamily="34" charset="-122"/>
+              </a:rPr>
+              <a:t>开始动画</a:t>
             </a:r>
             <a:endParaRPr lang="en-US" altLang="zh-CN" sz="2000" dirty="0">
               <a:solidFill>
@@ -12357,13 +14594,13 @@
         </p:nvSpPr>
         <p:spPr>
           <a:xfrm>
-            <a:off x="3419872" y="1552425"/>
-            <a:ext cx="1411283" cy="345923"/>
+            <a:off x="591010" y="1895738"/>
+            <a:ext cx="1244686" cy="345923"/>
           </a:xfrm>
           <a:prstGeom prst="wedgeRoundRectCallout">
             <a:avLst>
-              <a:gd name="adj1" fmla="val -60906"/>
-              <a:gd name="adj2" fmla="val 38232"/>
+              <a:gd name="adj1" fmla="val 62393"/>
+              <a:gd name="adj2" fmla="val 31705"/>
               <a:gd name="adj3" fmla="val 16667"/>
             </a:avLst>
           </a:prstGeom>
@@ -12456,7 +14693,7 @@
         <p:spPr>
           <a:xfrm>
             <a:off x="684000" y="116632"/>
-            <a:ext cx="7776000" cy="3877985"/>
+            <a:ext cx="7776000" cy="6555641"/>
           </a:xfrm>
           <a:prstGeom prst="rect">
             <a:avLst/>
@@ -12528,7 +14765,111 @@
                 <a:latin typeface="微软雅黑" pitchFamily="34" charset="-122"/>
                 <a:ea typeface="微软雅黑" pitchFamily="34" charset="-122"/>
               </a:rPr>
-              <a:t>动画插值就是在动画初始值和结束数值之间，计算一个数值，这是数据根据动画运行时间和持续总时间计算，如果是先行插值，</a:t>
+              <a:t>动画插值就是在动画初始值和结束数值之间，计算一个数值，这</a:t>
+            </a:r>
+            <a:r>
+              <a:rPr lang="zh-CN" altLang="en-US" sz="2400" dirty="0" smtClean="0">
+                <a:solidFill>
+                  <a:schemeClr val="tx1">
+                    <a:lumMod val="75000"/>
+                    <a:lumOff val="25000"/>
+                  </a:schemeClr>
+                </a:solidFill>
+                <a:latin typeface="微软雅黑" pitchFamily="34" charset="-122"/>
+                <a:ea typeface="微软雅黑" pitchFamily="34" charset="-122"/>
+              </a:rPr>
+              <a:t>是</a:t>
+            </a:r>
+            <a:r>
+              <a:rPr lang="zh-CN" altLang="en-US" sz="2400" dirty="0">
+                <a:solidFill>
+                  <a:schemeClr val="tx1">
+                    <a:lumMod val="75000"/>
+                    <a:lumOff val="25000"/>
+                  </a:schemeClr>
+                </a:solidFill>
+                <a:latin typeface="微软雅黑" pitchFamily="34" charset="-122"/>
+                <a:ea typeface="微软雅黑" pitchFamily="34" charset="-122"/>
+              </a:rPr>
+              <a:t>数值</a:t>
+            </a:r>
+            <a:r>
+              <a:rPr lang="zh-CN" altLang="en-US" sz="2400" dirty="0" smtClean="0">
+                <a:solidFill>
+                  <a:schemeClr val="tx1">
+                    <a:lumMod val="75000"/>
+                    <a:lumOff val="25000"/>
+                  </a:schemeClr>
+                </a:solidFill>
+                <a:latin typeface="微软雅黑" pitchFamily="34" charset="-122"/>
+                <a:ea typeface="微软雅黑" pitchFamily="34" charset="-122"/>
+              </a:rPr>
+              <a:t>根据</a:t>
+            </a:r>
+            <a:r>
+              <a:rPr lang="zh-CN" altLang="en-US" sz="2400" dirty="0" smtClean="0">
+                <a:solidFill>
+                  <a:schemeClr val="tx1">
+                    <a:lumMod val="75000"/>
+                    <a:lumOff val="25000"/>
+                  </a:schemeClr>
+                </a:solidFill>
+                <a:latin typeface="微软雅黑" pitchFamily="34" charset="-122"/>
+                <a:ea typeface="微软雅黑" pitchFamily="34" charset="-122"/>
+              </a:rPr>
+              <a:t>动画运行时间和持续总时间计算，如果</a:t>
+            </a:r>
+            <a:r>
+              <a:rPr lang="zh-CN" altLang="en-US" sz="2400" dirty="0" smtClean="0">
+                <a:solidFill>
+                  <a:schemeClr val="tx1">
+                    <a:lumMod val="75000"/>
+                    <a:lumOff val="25000"/>
+                  </a:schemeClr>
+                </a:solidFill>
+                <a:latin typeface="微软雅黑" pitchFamily="34" charset="-122"/>
+                <a:ea typeface="微软雅黑" pitchFamily="34" charset="-122"/>
+              </a:rPr>
+              <a:t>是</a:t>
+            </a:r>
+            <a:r>
+              <a:rPr lang="zh-CN" altLang="en-US" sz="2400" b="1" dirty="0">
+                <a:solidFill>
+                  <a:schemeClr val="tx1">
+                    <a:lumMod val="75000"/>
+                    <a:lumOff val="25000"/>
+                  </a:schemeClr>
+                </a:solidFill>
+                <a:latin typeface="微软雅黑" pitchFamily="34" charset="-122"/>
+                <a:ea typeface="微软雅黑" pitchFamily="34" charset="-122"/>
+              </a:rPr>
+              <a:t>线性</a:t>
+            </a:r>
+            <a:r>
+              <a:rPr lang="zh-CN" altLang="en-US" sz="2400" b="1" dirty="0" smtClean="0">
+                <a:solidFill>
+                  <a:schemeClr val="tx1">
+                    <a:lumMod val="75000"/>
+                    <a:lumOff val="25000"/>
+                  </a:schemeClr>
+                </a:solidFill>
+                <a:latin typeface="微软雅黑" pitchFamily="34" charset="-122"/>
+                <a:ea typeface="微软雅黑" pitchFamily="34" charset="-122"/>
+              </a:rPr>
+              <a:t>插值，时间比例就等于数值比例</a:t>
+            </a:r>
+            <a:r>
+              <a:rPr lang="zh-CN" altLang="en-US" sz="2400" dirty="0" smtClean="0">
+                <a:solidFill>
+                  <a:schemeClr val="tx1">
+                    <a:lumMod val="75000"/>
+                    <a:lumOff val="25000"/>
+                  </a:schemeClr>
+                </a:solidFill>
+                <a:latin typeface="微软雅黑" pitchFamily="34" charset="-122"/>
+                <a:ea typeface="微软雅黑" pitchFamily="34" charset="-122"/>
+              </a:rPr>
+              <a:t>，如下</a:t>
             </a:r>
             <a:endParaRPr lang="en-US" altLang="zh-CN" sz="2400" dirty="0" smtClean="0">
               <a:solidFill>
@@ -12548,6 +14889,382 @@
               </a:lnSpc>
             </a:pPr>
             <a:r>
+              <a:rPr lang="zh-CN" altLang="en-US" sz="2000" b="1" dirty="0" smtClean="0">
+                <a:solidFill>
+                  <a:schemeClr val="tx1">
+                    <a:lumMod val="75000"/>
+                    <a:lumOff val="25000"/>
+                  </a:schemeClr>
+                </a:solidFill>
+                <a:latin typeface="微软雅黑" pitchFamily="34" charset="-122"/>
+                <a:ea typeface="微软雅黑" pitchFamily="34" charset="-122"/>
+              </a:rPr>
+              <a:t>运行时间</a:t>
+            </a:r>
+            <a:r>
+              <a:rPr lang="en-US" altLang="zh-CN" sz="2000" b="1" dirty="0" smtClean="0">
+                <a:solidFill>
+                  <a:schemeClr val="tx1">
+                    <a:lumMod val="75000"/>
+                    <a:lumOff val="25000"/>
+                  </a:schemeClr>
+                </a:solidFill>
+                <a:latin typeface="微软雅黑" pitchFamily="34" charset="-122"/>
+                <a:ea typeface="微软雅黑" pitchFamily="34" charset="-122"/>
+              </a:rPr>
+              <a:t>/</a:t>
+            </a:r>
+            <a:r>
+              <a:rPr lang="zh-CN" altLang="en-US" sz="2000" b="1" dirty="0" smtClean="0">
+                <a:solidFill>
+                  <a:schemeClr val="tx1">
+                    <a:lumMod val="75000"/>
+                    <a:lumOff val="25000"/>
+                  </a:schemeClr>
+                </a:solidFill>
+                <a:latin typeface="微软雅黑" pitchFamily="34" charset="-122"/>
+                <a:ea typeface="微软雅黑" pitchFamily="34" charset="-122"/>
+              </a:rPr>
+              <a:t>持续时间 </a:t>
+            </a:r>
+            <a:r>
+              <a:rPr lang="en-US" altLang="zh-CN" sz="2000" b="1" dirty="0" smtClean="0">
+                <a:solidFill>
+                  <a:schemeClr val="tx1">
+                    <a:lumMod val="75000"/>
+                    <a:lumOff val="25000"/>
+                  </a:schemeClr>
+                </a:solidFill>
+                <a:latin typeface="微软雅黑" pitchFamily="34" charset="-122"/>
+                <a:ea typeface="微软雅黑" pitchFamily="34" charset="-122"/>
+              </a:rPr>
+              <a:t>=(</a:t>
+            </a:r>
+            <a:r>
+              <a:rPr lang="zh-CN" altLang="en-US" sz="2000" b="1" dirty="0" smtClean="0">
+                <a:solidFill>
+                  <a:schemeClr val="tx1">
+                    <a:lumMod val="75000"/>
+                    <a:lumOff val="25000"/>
+                  </a:schemeClr>
+                </a:solidFill>
+                <a:latin typeface="微软雅黑" pitchFamily="34" charset="-122"/>
+                <a:ea typeface="微软雅黑" pitchFamily="34" charset="-122"/>
+              </a:rPr>
+              <a:t>当前值</a:t>
+            </a:r>
+            <a:r>
+              <a:rPr lang="en-US" altLang="zh-CN" sz="2000" b="1" dirty="0" smtClean="0">
+                <a:solidFill>
+                  <a:schemeClr val="tx1">
+                    <a:lumMod val="75000"/>
+                    <a:lumOff val="25000"/>
+                  </a:schemeClr>
+                </a:solidFill>
+                <a:latin typeface="微软雅黑" pitchFamily="34" charset="-122"/>
+                <a:ea typeface="微软雅黑" pitchFamily="34" charset="-122"/>
+              </a:rPr>
+              <a:t>-</a:t>
+            </a:r>
+            <a:r>
+              <a:rPr lang="zh-CN" altLang="en-US" sz="2000" b="1" dirty="0" smtClean="0">
+                <a:solidFill>
+                  <a:schemeClr val="tx1">
+                    <a:lumMod val="75000"/>
+                    <a:lumOff val="25000"/>
+                  </a:schemeClr>
+                </a:solidFill>
+                <a:latin typeface="微软雅黑" pitchFamily="34" charset="-122"/>
+                <a:ea typeface="微软雅黑" pitchFamily="34" charset="-122"/>
+              </a:rPr>
+              <a:t>初始值</a:t>
+            </a:r>
+            <a:r>
+              <a:rPr lang="en-US" altLang="zh-CN" sz="2000" b="1" dirty="0" smtClean="0">
+                <a:solidFill>
+                  <a:schemeClr val="tx1">
+                    <a:lumMod val="75000"/>
+                    <a:lumOff val="25000"/>
+                  </a:schemeClr>
+                </a:solidFill>
+                <a:latin typeface="微软雅黑" pitchFamily="34" charset="-122"/>
+                <a:ea typeface="微软雅黑" pitchFamily="34" charset="-122"/>
+              </a:rPr>
+              <a:t>)/(</a:t>
+            </a:r>
+            <a:r>
+              <a:rPr lang="zh-CN" altLang="en-US" sz="2000" b="1" dirty="0" smtClean="0">
+                <a:solidFill>
+                  <a:schemeClr val="tx1">
+                    <a:lumMod val="75000"/>
+                    <a:lumOff val="25000"/>
+                  </a:schemeClr>
+                </a:solidFill>
+                <a:latin typeface="微软雅黑" pitchFamily="34" charset="-122"/>
+                <a:ea typeface="微软雅黑" pitchFamily="34" charset="-122"/>
+              </a:rPr>
+              <a:t>结束值</a:t>
+            </a:r>
+            <a:r>
+              <a:rPr lang="en-US" altLang="zh-CN" sz="2000" b="1" dirty="0" smtClean="0">
+                <a:solidFill>
+                  <a:schemeClr val="tx1">
+                    <a:lumMod val="75000"/>
+                    <a:lumOff val="25000"/>
+                  </a:schemeClr>
+                </a:solidFill>
+                <a:latin typeface="微软雅黑" pitchFamily="34" charset="-122"/>
+                <a:ea typeface="微软雅黑" pitchFamily="34" charset="-122"/>
+              </a:rPr>
+              <a:t>-</a:t>
+            </a:r>
+            <a:r>
+              <a:rPr lang="zh-CN" altLang="en-US" sz="2000" b="1" dirty="0" smtClean="0">
+                <a:solidFill>
+                  <a:schemeClr val="tx1">
+                    <a:lumMod val="75000"/>
+                    <a:lumOff val="25000"/>
+                  </a:schemeClr>
+                </a:solidFill>
+                <a:latin typeface="微软雅黑" pitchFamily="34" charset="-122"/>
+                <a:ea typeface="微软雅黑" pitchFamily="34" charset="-122"/>
+              </a:rPr>
+              <a:t>初始值）</a:t>
+            </a:r>
+            <a:endParaRPr lang="en-US" altLang="zh-CN" sz="2000" b="1" dirty="0" smtClean="0">
+              <a:solidFill>
+                <a:schemeClr val="tx1">
+                  <a:lumMod val="75000"/>
+                  <a:lumOff val="25000"/>
+                </a:schemeClr>
+              </a:solidFill>
+              <a:latin typeface="微软雅黑" pitchFamily="34" charset="-122"/>
+              <a:ea typeface="微软雅黑" pitchFamily="34" charset="-122"/>
+            </a:endParaRPr>
+          </a:p>
+          <a:p>
+            <a:pPr>
+              <a:lnSpc>
+                <a:spcPct val="150000"/>
+              </a:lnSpc>
+            </a:pPr>
+            <a:r>
+              <a:rPr lang="zh-CN" altLang="en-US" sz="2400" dirty="0" smtClean="0">
+                <a:solidFill>
+                  <a:schemeClr val="tx1">
+                    <a:lumMod val="75000"/>
+                    <a:lumOff val="25000"/>
+                  </a:schemeClr>
+                </a:solidFill>
+                <a:latin typeface="微软雅黑" pitchFamily="34" charset="-122"/>
+                <a:ea typeface="微软雅黑" pitchFamily="34" charset="-122"/>
+              </a:rPr>
+              <a:t>所以，当前值的计算方式如下：</a:t>
+            </a:r>
+            <a:endParaRPr lang="en-US" altLang="zh-CN" sz="2400" dirty="0" smtClean="0">
+              <a:solidFill>
+                <a:schemeClr val="tx1">
+                  <a:lumMod val="75000"/>
+                  <a:lumOff val="25000"/>
+                </a:schemeClr>
+              </a:solidFill>
+              <a:latin typeface="微软雅黑" pitchFamily="34" charset="-122"/>
+              <a:ea typeface="微软雅黑" pitchFamily="34" charset="-122"/>
+            </a:endParaRPr>
+          </a:p>
+          <a:p>
+            <a:pPr algn="ctr">
+              <a:lnSpc>
+                <a:spcPct val="150000"/>
+              </a:lnSpc>
+            </a:pPr>
+            <a:r>
+              <a:rPr lang="zh-CN" altLang="en-US" sz="2000" b="1" dirty="0" smtClean="0">
+                <a:solidFill>
+                  <a:schemeClr val="tx1">
+                    <a:lumMod val="75000"/>
+                    <a:lumOff val="25000"/>
+                  </a:schemeClr>
+                </a:solidFill>
+                <a:latin typeface="微软雅黑" pitchFamily="34" charset="-122"/>
+                <a:ea typeface="微软雅黑" pitchFamily="34" charset="-122"/>
+              </a:rPr>
+              <a:t>当前值 </a:t>
+            </a:r>
+            <a:r>
+              <a:rPr lang="en-US" altLang="zh-CN" sz="2000" b="1" dirty="0" smtClean="0">
+                <a:solidFill>
+                  <a:schemeClr val="tx1">
+                    <a:lumMod val="75000"/>
+                    <a:lumOff val="25000"/>
+                  </a:schemeClr>
+                </a:solidFill>
+                <a:latin typeface="微软雅黑" pitchFamily="34" charset="-122"/>
+                <a:ea typeface="微软雅黑" pitchFamily="34" charset="-122"/>
+              </a:rPr>
+              <a:t>=</a:t>
+            </a:r>
+            <a:r>
+              <a:rPr lang="zh-CN" altLang="en-US" sz="2000" b="1" dirty="0" smtClean="0">
+                <a:solidFill>
+                  <a:schemeClr val="tx1">
+                    <a:lumMod val="75000"/>
+                    <a:lumOff val="25000"/>
+                  </a:schemeClr>
+                </a:solidFill>
+                <a:latin typeface="微软雅黑" pitchFamily="34" charset="-122"/>
+                <a:ea typeface="微软雅黑" pitchFamily="34" charset="-122"/>
+              </a:rPr>
+              <a:t>初始值</a:t>
+            </a:r>
+            <a:r>
+              <a:rPr lang="en-US" altLang="zh-CN" sz="2000" b="1" dirty="0" smtClean="0">
+                <a:solidFill>
+                  <a:schemeClr val="tx1">
+                    <a:lumMod val="75000"/>
+                    <a:lumOff val="25000"/>
+                  </a:schemeClr>
+                </a:solidFill>
+                <a:latin typeface="微软雅黑" pitchFamily="34" charset="-122"/>
+                <a:ea typeface="微软雅黑" pitchFamily="34" charset="-122"/>
+              </a:rPr>
+              <a:t>+(</a:t>
+            </a:r>
+            <a:r>
+              <a:rPr lang="zh-CN" altLang="en-US" sz="2000" b="1" dirty="0" smtClean="0">
+                <a:solidFill>
+                  <a:schemeClr val="tx1">
+                    <a:lumMod val="75000"/>
+                    <a:lumOff val="25000"/>
+                  </a:schemeClr>
+                </a:solidFill>
+                <a:latin typeface="微软雅黑" pitchFamily="34" charset="-122"/>
+                <a:ea typeface="微软雅黑" pitchFamily="34" charset="-122"/>
+              </a:rPr>
+              <a:t>结束</a:t>
+            </a:r>
+            <a:r>
+              <a:rPr lang="zh-CN" altLang="en-US" sz="2000" b="1" dirty="0">
+                <a:solidFill>
+                  <a:schemeClr val="tx1">
+                    <a:lumMod val="75000"/>
+                    <a:lumOff val="25000"/>
+                  </a:schemeClr>
+                </a:solidFill>
+                <a:latin typeface="微软雅黑" pitchFamily="34" charset="-122"/>
+                <a:ea typeface="微软雅黑" pitchFamily="34" charset="-122"/>
+              </a:rPr>
+              <a:t>值</a:t>
+            </a:r>
+            <a:r>
+              <a:rPr lang="en-US" altLang="zh-CN" sz="2000" b="1" dirty="0">
+                <a:solidFill>
+                  <a:schemeClr val="tx1">
+                    <a:lumMod val="75000"/>
+                    <a:lumOff val="25000"/>
+                  </a:schemeClr>
+                </a:solidFill>
+                <a:latin typeface="微软雅黑" pitchFamily="34" charset="-122"/>
+                <a:ea typeface="微软雅黑" pitchFamily="34" charset="-122"/>
+              </a:rPr>
+              <a:t>-</a:t>
+            </a:r>
+            <a:r>
+              <a:rPr lang="zh-CN" altLang="en-US" sz="2000" b="1" dirty="0" smtClean="0">
+                <a:solidFill>
+                  <a:schemeClr val="tx1">
+                    <a:lumMod val="75000"/>
+                    <a:lumOff val="25000"/>
+                  </a:schemeClr>
+                </a:solidFill>
+                <a:latin typeface="微软雅黑" pitchFamily="34" charset="-122"/>
+                <a:ea typeface="微软雅黑" pitchFamily="34" charset="-122"/>
+              </a:rPr>
+              <a:t>初始值</a:t>
+            </a:r>
+            <a:r>
+              <a:rPr lang="zh-CN" altLang="en-US" sz="2000" b="1" dirty="0">
+                <a:solidFill>
+                  <a:schemeClr val="tx1">
+                    <a:lumMod val="75000"/>
+                    <a:lumOff val="25000"/>
+                  </a:schemeClr>
+                </a:solidFill>
+                <a:latin typeface="微软雅黑" pitchFamily="34" charset="-122"/>
+                <a:ea typeface="微软雅黑" pitchFamily="34" charset="-122"/>
+              </a:rPr>
+              <a:t>）</a:t>
+            </a:r>
+            <a:r>
+              <a:rPr lang="zh-CN" altLang="en-US" sz="2000" b="1" dirty="0" smtClean="0">
+                <a:solidFill>
+                  <a:schemeClr val="tx1">
+                    <a:lumMod val="75000"/>
+                    <a:lumOff val="25000"/>
+                  </a:schemeClr>
+                </a:solidFill>
+                <a:latin typeface="微软雅黑" pitchFamily="34" charset="-122"/>
+                <a:ea typeface="微软雅黑" pitchFamily="34" charset="-122"/>
+              </a:rPr>
+              <a:t>*（运行时间</a:t>
+            </a:r>
+            <a:r>
+              <a:rPr lang="en-US" altLang="zh-CN" sz="2000" b="1" dirty="0">
+                <a:solidFill>
+                  <a:schemeClr val="tx1">
+                    <a:lumMod val="75000"/>
+                    <a:lumOff val="25000"/>
+                  </a:schemeClr>
+                </a:solidFill>
+                <a:latin typeface="微软雅黑" pitchFamily="34" charset="-122"/>
+                <a:ea typeface="微软雅黑" pitchFamily="34" charset="-122"/>
+              </a:rPr>
+              <a:t>/</a:t>
+            </a:r>
+            <a:r>
+              <a:rPr lang="zh-CN" altLang="en-US" sz="2000" b="1" dirty="0">
+                <a:solidFill>
+                  <a:schemeClr val="tx1">
+                    <a:lumMod val="75000"/>
+                    <a:lumOff val="25000"/>
+                  </a:schemeClr>
+                </a:solidFill>
+                <a:latin typeface="微软雅黑" pitchFamily="34" charset="-122"/>
+                <a:ea typeface="微软雅黑" pitchFamily="34" charset="-122"/>
+              </a:rPr>
+              <a:t>持续时间 </a:t>
+            </a:r>
+            <a:r>
+              <a:rPr lang="zh-CN" altLang="en-US" sz="2000" b="1" dirty="0" smtClean="0">
+                <a:solidFill>
+                  <a:schemeClr val="tx1">
+                    <a:lumMod val="75000"/>
+                    <a:lumOff val="25000"/>
+                  </a:schemeClr>
+                </a:solidFill>
+                <a:latin typeface="微软雅黑" pitchFamily="34" charset="-122"/>
+                <a:ea typeface="微软雅黑" pitchFamily="34" charset="-122"/>
+              </a:rPr>
+              <a:t>）</a:t>
+            </a:r>
+            <a:endParaRPr lang="en-US" altLang="zh-CN" sz="2000" b="1" dirty="0">
+              <a:solidFill>
+                <a:schemeClr val="tx1">
+                  <a:lumMod val="75000"/>
+                  <a:lumOff val="25000"/>
+                </a:schemeClr>
+              </a:solidFill>
+              <a:latin typeface="微软雅黑" pitchFamily="34" charset="-122"/>
+              <a:ea typeface="微软雅黑" pitchFamily="34" charset="-122"/>
+            </a:endParaRPr>
+          </a:p>
+          <a:p>
+            <a:pPr>
+              <a:lnSpc>
+                <a:spcPct val="150000"/>
+              </a:lnSpc>
+            </a:pPr>
+            <a:r>
               <a:rPr lang="zh-CN" altLang="en-US" sz="2000" dirty="0" smtClean="0">
                 <a:solidFill>
                   <a:schemeClr val="tx1">
@@ -12558,7 +15275,7 @@
                 <a:latin typeface="微软雅黑" pitchFamily="34" charset="-122"/>
                 <a:ea typeface="微软雅黑" pitchFamily="34" charset="-122"/>
               </a:rPr>
-              <a:t>运行时间</a:t>
+              <a:t>这样，如果做一个宽度动画，宽度起始值是</a:t>
             </a:r>
             <a:r>
               <a:rPr lang="en-US" altLang="zh-CN" sz="2000" dirty="0" smtClean="0">
@@ -12571,7 +15288,7 @@
                 <a:latin typeface="微软雅黑" pitchFamily="34" charset="-122"/>
                 <a:ea typeface="微软雅黑" pitchFamily="34" charset="-122"/>
               </a:rPr>
-              <a:t>/</a:t>
+              <a:t>10px,</a:t>
             </a:r>
             <a:r>
               <a:rPr lang="zh-CN" altLang="en-US" sz="2000" dirty="0" smtClean="0">
@@ -12584,7 +15301,7 @@
                 <a:latin typeface="微软雅黑" pitchFamily="34" charset="-122"/>
                 <a:ea typeface="微软雅黑" pitchFamily="34" charset="-122"/>
               </a:rPr>
-              <a:t>持续时间 </a:t>
+              <a:t>终点值是</a:t>
             </a:r>
             <a:r>
               <a:rPr lang="en-US" altLang="zh-CN" sz="2000" dirty="0" smtClean="0">
@@ -12597,7 +15314,7 @@
                 <a:latin typeface="微软雅黑" pitchFamily="34" charset="-122"/>
                 <a:ea typeface="微软雅黑" pitchFamily="34" charset="-122"/>
               </a:rPr>
-              <a:t>=(</a:t>
+              <a:t>20px</a:t>
             </a:r>
             <a:r>
               <a:rPr lang="zh-CN" altLang="en-US" sz="2000" dirty="0" smtClean="0">
@@ -12610,7 +15327,7 @@
                 <a:latin typeface="微软雅黑" pitchFamily="34" charset="-122"/>
                 <a:ea typeface="微软雅黑" pitchFamily="34" charset="-122"/>
               </a:rPr>
-              <a:t>当前值</a:t>
+              <a:t>，持续时间是</a:t>
             </a:r>
             <a:r>
               <a:rPr lang="en-US" altLang="zh-CN" sz="2000" dirty="0" smtClean="0">
@@ -12623,7 +15340,7 @@
                 <a:latin typeface="微软雅黑" pitchFamily="34" charset="-122"/>
                 <a:ea typeface="微软雅黑" pitchFamily="34" charset="-122"/>
               </a:rPr>
-              <a:t>-</a:t>
+              <a:t>10s</a:t>
             </a:r>
             <a:r>
               <a:rPr lang="zh-CN" altLang="en-US" sz="2000" dirty="0" smtClean="0">
@@ -12636,7 +15353,7 @@
                 <a:latin typeface="微软雅黑" pitchFamily="34" charset="-122"/>
                 <a:ea typeface="微软雅黑" pitchFamily="34" charset="-122"/>
               </a:rPr>
-              <a:t>初始值</a:t>
+              <a:t>，无延迟</a:t>
             </a:r>
             <a:r>
               <a:rPr lang="en-US" altLang="zh-CN" sz="2000" dirty="0" smtClean="0">
@@ -12649,8 +15366,15 @@
                 <a:latin typeface="微软雅黑" pitchFamily="34" charset="-122"/>
                 <a:ea typeface="微软雅黑" pitchFamily="34" charset="-122"/>
               </a:rPr>
-              <a:t>)/(</a:t>
-            </a:r>
+              <a:t>.</a:t>
+            </a:r>
+          </a:p>
+          <a:p>
+            <a:pPr>
+              <a:lnSpc>
+                <a:spcPct val="150000"/>
+              </a:lnSpc>
+            </a:pPr>
             <a:r>
               <a:rPr lang="zh-CN" altLang="en-US" sz="2000" dirty="0" smtClean="0">
                 <a:solidFill>
@@ -12662,7 +15386,7 @@
                 <a:latin typeface="微软雅黑" pitchFamily="34" charset="-122"/>
                 <a:ea typeface="微软雅黑" pitchFamily="34" charset="-122"/>
               </a:rPr>
-              <a:t>结束值</a:t>
+              <a:t>运行时间是</a:t>
             </a:r>
             <a:r>
               <a:rPr lang="en-US" altLang="zh-CN" sz="2000" dirty="0" smtClean="0">
@@ -12675,7 +15399,7 @@
                 <a:latin typeface="微软雅黑" pitchFamily="34" charset="-122"/>
                 <a:ea typeface="微软雅黑" pitchFamily="34" charset="-122"/>
               </a:rPr>
-              <a:t>-</a:t>
+              <a:t>0s</a:t>
             </a:r>
             <a:r>
               <a:rPr lang="zh-CN" altLang="en-US" sz="2000" dirty="0" smtClean="0">
@@ -12688,7 +15412,151 @@
                 <a:latin typeface="微软雅黑" pitchFamily="34" charset="-122"/>
                 <a:ea typeface="微软雅黑" pitchFamily="34" charset="-122"/>
               </a:rPr>
-              <a:t>初始值）</a:t>
+              <a:t>，宽度插值为</a:t>
+            </a:r>
+            <a:r>
+              <a:rPr lang="en-US" altLang="zh-CN" sz="2000" dirty="0" smtClean="0">
+                <a:solidFill>
+                  <a:schemeClr val="tx1">
+                    <a:lumMod val="75000"/>
+                    <a:lumOff val="25000"/>
+                  </a:schemeClr>
+                </a:solidFill>
+                <a:latin typeface="微软雅黑" pitchFamily="34" charset="-122"/>
+                <a:ea typeface="微软雅黑" pitchFamily="34" charset="-122"/>
+              </a:rPr>
+              <a:t>10px</a:t>
+            </a:r>
+          </a:p>
+          <a:p>
+            <a:pPr>
+              <a:lnSpc>
+                <a:spcPct val="150000"/>
+              </a:lnSpc>
+            </a:pPr>
+            <a:r>
+              <a:rPr lang="zh-CN" altLang="en-US" sz="2000" dirty="0" smtClean="0">
+                <a:solidFill>
+                  <a:schemeClr val="tx1">
+                    <a:lumMod val="75000"/>
+                    <a:lumOff val="25000"/>
+                  </a:schemeClr>
+                </a:solidFill>
+                <a:latin typeface="微软雅黑" pitchFamily="34" charset="-122"/>
+                <a:ea typeface="微软雅黑" pitchFamily="34" charset="-122"/>
+              </a:rPr>
+              <a:t>运行时间是</a:t>
+            </a:r>
+            <a:r>
+              <a:rPr lang="en-US" altLang="zh-CN" sz="2000" dirty="0" smtClean="0">
+                <a:solidFill>
+                  <a:schemeClr val="tx1">
+                    <a:lumMod val="75000"/>
+                    <a:lumOff val="25000"/>
+                  </a:schemeClr>
+                </a:solidFill>
+                <a:latin typeface="微软雅黑" pitchFamily="34" charset="-122"/>
+                <a:ea typeface="微软雅黑" pitchFamily="34" charset="-122"/>
+              </a:rPr>
+              <a:t>5s ,  </a:t>
+            </a:r>
+            <a:r>
+              <a:rPr lang="zh-CN" altLang="en-US" sz="2000" dirty="0" smtClean="0">
+                <a:solidFill>
+                  <a:schemeClr val="tx1">
+                    <a:lumMod val="75000"/>
+                    <a:lumOff val="25000"/>
+                  </a:schemeClr>
+                </a:solidFill>
+                <a:latin typeface="微软雅黑" pitchFamily="34" charset="-122"/>
+                <a:ea typeface="微软雅黑" pitchFamily="34" charset="-122"/>
+              </a:rPr>
+              <a:t>宽度插值为</a:t>
+            </a:r>
+            <a:r>
+              <a:rPr lang="en-US" altLang="zh-CN" sz="2000" dirty="0" smtClean="0">
+                <a:solidFill>
+                  <a:schemeClr val="tx1">
+                    <a:lumMod val="75000"/>
+                    <a:lumOff val="25000"/>
+                  </a:schemeClr>
+                </a:solidFill>
+                <a:latin typeface="微软雅黑" pitchFamily="34" charset="-122"/>
+                <a:ea typeface="微软雅黑" pitchFamily="34" charset="-122"/>
+              </a:rPr>
+              <a:t>15px</a:t>
+            </a:r>
+          </a:p>
+          <a:p>
+            <a:pPr>
+              <a:lnSpc>
+                <a:spcPct val="150000"/>
+              </a:lnSpc>
+            </a:pPr>
+            <a:r>
+              <a:rPr lang="zh-CN" altLang="en-US" sz="2000" dirty="0" smtClean="0">
+                <a:solidFill>
+                  <a:schemeClr val="tx1">
+                    <a:lumMod val="75000"/>
+                    <a:lumOff val="25000"/>
+                  </a:schemeClr>
+                </a:solidFill>
+                <a:latin typeface="微软雅黑" pitchFamily="34" charset="-122"/>
+                <a:ea typeface="微软雅黑" pitchFamily="34" charset="-122"/>
+              </a:rPr>
+              <a:t>运行</a:t>
+            </a:r>
+            <a:r>
+              <a:rPr lang="zh-CN" altLang="en-US" sz="2000" dirty="0" smtClean="0">
+                <a:solidFill>
+                  <a:schemeClr val="tx1">
+                    <a:lumMod val="75000"/>
+                    <a:lumOff val="25000"/>
+                  </a:schemeClr>
+                </a:solidFill>
+                <a:latin typeface="微软雅黑" pitchFamily="34" charset="-122"/>
+                <a:ea typeface="微软雅黑" pitchFamily="34" charset="-122"/>
+              </a:rPr>
+              <a:t>时间是</a:t>
+            </a:r>
+            <a:r>
+              <a:rPr lang="en-US" altLang="zh-CN" sz="2000" dirty="0" smtClean="0">
+                <a:solidFill>
+                  <a:schemeClr val="tx1">
+                    <a:lumMod val="75000"/>
+                    <a:lumOff val="25000"/>
+                  </a:schemeClr>
+                </a:solidFill>
+                <a:latin typeface="微软雅黑" pitchFamily="34" charset="-122"/>
+                <a:ea typeface="微软雅黑" pitchFamily="34" charset="-122"/>
+              </a:rPr>
+              <a:t>10s, </a:t>
+            </a:r>
+            <a:r>
+              <a:rPr lang="zh-CN" altLang="en-US" sz="2000" dirty="0" smtClean="0">
+                <a:solidFill>
+                  <a:schemeClr val="tx1">
+                    <a:lumMod val="75000"/>
+                    <a:lumOff val="25000"/>
+                  </a:schemeClr>
+                </a:solidFill>
+                <a:latin typeface="微软雅黑" pitchFamily="34" charset="-122"/>
+                <a:ea typeface="微软雅黑" pitchFamily="34" charset="-122"/>
+              </a:rPr>
+              <a:t>宽度插值为</a:t>
+            </a:r>
+            <a:r>
+              <a:rPr lang="en-US" altLang="zh-CN" sz="2000" dirty="0" smtClean="0">
+                <a:solidFill>
+                  <a:schemeClr val="tx1">
+                    <a:lumMod val="75000"/>
+                    <a:lumOff val="25000"/>
+                  </a:schemeClr>
+                </a:solidFill>
+                <a:latin typeface="微软雅黑" pitchFamily="34" charset="-122"/>
+                <a:ea typeface="微软雅黑" pitchFamily="34" charset="-122"/>
+              </a:rPr>
+              <a:t>20px</a:t>
             </a:r>
             <a:endParaRPr lang="en-US" altLang="zh-CN" sz="2000" dirty="0" smtClean="0">
               <a:solidFill>
@@ -12708,36 +15576,6 @@
               </a:lnSpc>
             </a:pPr>
             <a:r>
-              <a:rPr lang="zh-CN" altLang="en-US" sz="2400" dirty="0" smtClean="0">
-                <a:solidFill>
-                  <a:schemeClr val="tx1">
-                    <a:lumMod val="75000"/>
-                    <a:lumOff val="25000"/>
-                  </a:schemeClr>
-                </a:solidFill>
-                <a:latin typeface="微软雅黑" pitchFamily="34" charset="-122"/>
-                <a:ea typeface="微软雅黑" pitchFamily="34" charset="-122"/>
-              </a:rPr>
-              <a:t>所以，</a:t>
-            </a:r>
-            <a:endParaRPr lang="en-US" altLang="zh-CN" sz="2400" dirty="0" smtClean="0">
-              <a:solidFill>
-                <a:schemeClr val="tx1">
-                  <a:lumMod val="75000"/>
-                  <a:lumOff val="25000"/>
-                </a:schemeClr>
-              </a:solidFill>
-              <a:latin typeface="微软雅黑" pitchFamily="34" charset="-122"/>
-              <a:ea typeface="微软雅黑" pitchFamily="34" charset="-122"/>
-            </a:endParaRPr>
-          </a:p>
-          <a:p>
-            <a:pPr algn="ctr">
-              <a:lnSpc>
-                <a:spcPct val="150000"/>
-              </a:lnSpc>
-            </a:pPr>
-            <a:r>
               <a:rPr lang="zh-CN" altLang="en-US" sz="2000" dirty="0" smtClean="0">
                 <a:solidFill>
                   <a:schemeClr val="tx1">
@@ -12748,20 +15586,7 @@
                 <a:latin typeface="微软雅黑" pitchFamily="34" charset="-122"/>
                 <a:ea typeface="微软雅黑" pitchFamily="34" charset="-122"/>
               </a:rPr>
-              <a:t>当前值 </a:t>
-            </a:r>
-            <a:r>
-              <a:rPr lang="en-US" altLang="zh-CN" sz="2000" dirty="0" smtClean="0">
-                <a:solidFill>
-                  <a:schemeClr val="tx1">
-                    <a:lumMod val="75000"/>
-                    <a:lumOff val="25000"/>
-                  </a:schemeClr>
-                </a:solidFill>
-                <a:latin typeface="微软雅黑" pitchFamily="34" charset="-122"/>
-                <a:ea typeface="微软雅黑" pitchFamily="34" charset="-122"/>
-              </a:rPr>
-              <a:t>=</a:t>
+              <a:t>本例中，我们采用线性插值，代码</a:t>
             </a:r>
             <a:r>
               <a:rPr lang="zh-CN" altLang="en-US" sz="2000" dirty="0" smtClean="0">
@@ -12774,137 +15599,7 @@
                 <a:latin typeface="微软雅黑" pitchFamily="34" charset="-122"/>
                 <a:ea typeface="微软雅黑" pitchFamily="34" charset="-122"/>
               </a:rPr>
-              <a:t>初始值</a:t>
-            </a:r>
-            <a:r>
-              <a:rPr lang="en-US" altLang="zh-CN" sz="2000" dirty="0" smtClean="0">
-                <a:solidFill>
-                  <a:schemeClr val="tx1">
-                    <a:lumMod val="75000"/>
-                    <a:lumOff val="25000"/>
-                  </a:schemeClr>
-                </a:solidFill>
-                <a:latin typeface="微软雅黑" pitchFamily="34" charset="-122"/>
-                <a:ea typeface="微软雅黑" pitchFamily="34" charset="-122"/>
-              </a:rPr>
-              <a:t>+(</a:t>
-            </a:r>
-            <a:r>
-              <a:rPr lang="zh-CN" altLang="en-US" sz="2000" dirty="0" smtClean="0">
-                <a:solidFill>
-                  <a:schemeClr val="tx1">
-                    <a:lumMod val="75000"/>
-                    <a:lumOff val="25000"/>
-                  </a:schemeClr>
-                </a:solidFill>
-                <a:latin typeface="微软雅黑" pitchFamily="34" charset="-122"/>
-                <a:ea typeface="微软雅黑" pitchFamily="34" charset="-122"/>
-              </a:rPr>
-              <a:t>结束</a:t>
-            </a:r>
-            <a:r>
-              <a:rPr lang="zh-CN" altLang="en-US" sz="2000" dirty="0">
-                <a:solidFill>
-                  <a:schemeClr val="tx1">
-                    <a:lumMod val="75000"/>
-                    <a:lumOff val="25000"/>
-                  </a:schemeClr>
-                </a:solidFill>
-                <a:latin typeface="微软雅黑" pitchFamily="34" charset="-122"/>
-                <a:ea typeface="微软雅黑" pitchFamily="34" charset="-122"/>
-              </a:rPr>
-              <a:t>值</a:t>
-            </a:r>
-            <a:r>
-              <a:rPr lang="en-US" altLang="zh-CN" sz="2000" dirty="0">
-                <a:solidFill>
-                  <a:schemeClr val="tx1">
-                    <a:lumMod val="75000"/>
-                    <a:lumOff val="25000"/>
-                  </a:schemeClr>
-                </a:solidFill>
-                <a:latin typeface="微软雅黑" pitchFamily="34" charset="-122"/>
-                <a:ea typeface="微软雅黑" pitchFamily="34" charset="-122"/>
-              </a:rPr>
-              <a:t>-</a:t>
-            </a:r>
-            <a:r>
-              <a:rPr lang="zh-CN" altLang="en-US" sz="2000" dirty="0" smtClean="0">
-                <a:solidFill>
-                  <a:schemeClr val="tx1">
-                    <a:lumMod val="75000"/>
-                    <a:lumOff val="25000"/>
-                  </a:schemeClr>
-                </a:solidFill>
-                <a:latin typeface="微软雅黑" pitchFamily="34" charset="-122"/>
-                <a:ea typeface="微软雅黑" pitchFamily="34" charset="-122"/>
-              </a:rPr>
-              <a:t>初始值</a:t>
-            </a:r>
-            <a:r>
-              <a:rPr lang="zh-CN" altLang="en-US" sz="2000" dirty="0">
-                <a:solidFill>
-                  <a:schemeClr val="tx1">
-                    <a:lumMod val="75000"/>
-                    <a:lumOff val="25000"/>
-                  </a:schemeClr>
-                </a:solidFill>
-                <a:latin typeface="微软雅黑" pitchFamily="34" charset="-122"/>
-                <a:ea typeface="微软雅黑" pitchFamily="34" charset="-122"/>
-              </a:rPr>
-              <a:t>）</a:t>
-            </a:r>
-            <a:r>
-              <a:rPr lang="zh-CN" altLang="en-US" sz="2000" dirty="0" smtClean="0">
-                <a:solidFill>
-                  <a:schemeClr val="tx1">
-                    <a:lumMod val="75000"/>
-                    <a:lumOff val="25000"/>
-                  </a:schemeClr>
-                </a:solidFill>
-                <a:latin typeface="微软雅黑" pitchFamily="34" charset="-122"/>
-                <a:ea typeface="微软雅黑" pitchFamily="34" charset="-122"/>
-              </a:rPr>
-              <a:t>*（运行时间</a:t>
-            </a:r>
-            <a:r>
-              <a:rPr lang="en-US" altLang="zh-CN" sz="2000" dirty="0">
-                <a:solidFill>
-                  <a:schemeClr val="tx1">
-                    <a:lumMod val="75000"/>
-                    <a:lumOff val="25000"/>
-                  </a:schemeClr>
-                </a:solidFill>
-                <a:latin typeface="微软雅黑" pitchFamily="34" charset="-122"/>
-                <a:ea typeface="微软雅黑" pitchFamily="34" charset="-122"/>
-              </a:rPr>
-              <a:t>/</a:t>
-            </a:r>
-            <a:r>
-              <a:rPr lang="zh-CN" altLang="en-US" sz="2000" dirty="0">
-                <a:solidFill>
-                  <a:schemeClr val="tx1">
-                    <a:lumMod val="75000"/>
-                    <a:lumOff val="25000"/>
-                  </a:schemeClr>
-                </a:solidFill>
-                <a:latin typeface="微软雅黑" pitchFamily="34" charset="-122"/>
-                <a:ea typeface="微软雅黑" pitchFamily="34" charset="-122"/>
-              </a:rPr>
-              <a:t>持续时间 </a:t>
-            </a:r>
-            <a:r>
-              <a:rPr lang="zh-CN" altLang="en-US" sz="2000" dirty="0" smtClean="0">
-                <a:solidFill>
-                  <a:schemeClr val="tx1">
-                    <a:lumMod val="75000"/>
-                    <a:lumOff val="25000"/>
-                  </a:schemeClr>
-                </a:solidFill>
-                <a:latin typeface="微软雅黑" pitchFamily="34" charset="-122"/>
-                <a:ea typeface="微软雅黑" pitchFamily="34" charset="-122"/>
-              </a:rPr>
-              <a:t>）</a:t>
+              <a:t>如下：</a:t>
             </a:r>
             <a:endParaRPr lang="en-US" altLang="zh-CN" sz="2000" dirty="0" smtClean="0">
               <a:solidFill>
@@ -12989,6 +15684,289 @@
           </a:effectLst>
         </p:spPr>
       </p:pic>
+      <p:sp>
+        <p:nvSpPr>
+          <p:cNvPr id="3" name="圆角矩形标注 2"/>
+          <p:cNvSpPr/>
+          <p:nvPr/>
+        </p:nvSpPr>
+        <p:spPr>
+          <a:xfrm>
+            <a:off x="2267744" y="58741"/>
+            <a:ext cx="3744416" cy="345923"/>
+          </a:xfrm>
+          <a:prstGeom prst="wedgeRoundRectCallout">
+            <a:avLst>
+              <a:gd name="adj1" fmla="val -22641"/>
+              <a:gd name="adj2" fmla="val 83920"/>
+              <a:gd name="adj3" fmla="val 16667"/>
+            </a:avLst>
+          </a:prstGeom>
+        </p:spPr>
+        <p:style>
+          <a:lnRef idx="2">
+            <a:schemeClr val="accent6"/>
+          </a:lnRef>
+          <a:fillRef idx="1">
+            <a:schemeClr val="lt1"/>
+          </a:fillRef>
+          <a:effectRef idx="0">
+            <a:schemeClr val="accent6"/>
+          </a:effectRef>
+          <a:fontRef idx="minor">
+            <a:schemeClr val="dk1"/>
+          </a:fontRef>
+        </p:style>
+        <p:txBody>
+          <a:bodyPr rtlCol="0" anchor="ctr"/>
+          <a:lstStyle/>
+          <a:p>
+            <a:pPr>
+              <a:lnSpc>
+                <a:spcPct val="150000"/>
+              </a:lnSpc>
+            </a:pPr>
+            <a:r>
+              <a:rPr lang="zh-CN" altLang="en-US" sz="2000" dirty="0" smtClean="0">
+                <a:solidFill>
+                  <a:schemeClr val="tx1">
+                    <a:lumMod val="75000"/>
+                    <a:lumOff val="25000"/>
+                  </a:schemeClr>
+                </a:solidFill>
+                <a:latin typeface="微软雅黑" pitchFamily="34" charset="-122"/>
+                <a:ea typeface="微软雅黑" pitchFamily="34" charset="-122"/>
+              </a:rPr>
+              <a:t>插值函数，返回当前插值结果</a:t>
+            </a:r>
+            <a:endParaRPr lang="en-US" altLang="zh-CN" sz="2000" dirty="0">
+              <a:solidFill>
+                <a:schemeClr val="tx1">
+                  <a:lumMod val="75000"/>
+                  <a:lumOff val="25000"/>
+                </a:schemeClr>
+              </a:solidFill>
+              <a:latin typeface="微软雅黑" pitchFamily="34" charset="-122"/>
+              <a:ea typeface="微软雅黑" pitchFamily="34" charset="-122"/>
+            </a:endParaRPr>
+          </a:p>
+        </p:txBody>
+      </p:sp>
+      <p:sp>
+        <p:nvSpPr>
+          <p:cNvPr id="4" name="圆角矩形标注 3"/>
+          <p:cNvSpPr/>
+          <p:nvPr/>
+        </p:nvSpPr>
+        <p:spPr>
+          <a:xfrm>
+            <a:off x="5580112" y="1124744"/>
+            <a:ext cx="2664296" cy="1728192"/>
+          </a:xfrm>
+          <a:prstGeom prst="wedgeRoundRectCallout">
+            <a:avLst>
+              <a:gd name="adj1" fmla="val -55172"/>
+              <a:gd name="adj2" fmla="val -24383"/>
+              <a:gd name="adj3" fmla="val 16667"/>
+            </a:avLst>
+          </a:prstGeom>
+        </p:spPr>
+        <p:style>
+          <a:lnRef idx="2">
+            <a:schemeClr val="accent5"/>
+          </a:lnRef>
+          <a:fillRef idx="1">
+            <a:schemeClr val="lt1"/>
+          </a:fillRef>
+          <a:effectRef idx="0">
+            <a:schemeClr val="accent5"/>
+          </a:effectRef>
+          <a:fontRef idx="minor">
+            <a:schemeClr val="dk1"/>
+          </a:fontRef>
+        </p:style>
+        <p:txBody>
+          <a:bodyPr rtlCol="0" anchor="ctr"/>
+          <a:lstStyle/>
+          <a:p>
+            <a:pPr>
+              <a:lnSpc>
+                <a:spcPct val="150000"/>
+              </a:lnSpc>
+            </a:pPr>
+            <a:r>
+              <a:rPr lang="zh-CN" altLang="en-US" sz="2000" dirty="0" smtClean="0">
+                <a:solidFill>
+                  <a:schemeClr val="tx1">
+                    <a:lumMod val="75000"/>
+                    <a:lumOff val="25000"/>
+                  </a:schemeClr>
+                </a:solidFill>
+                <a:latin typeface="微软雅黑" pitchFamily="34" charset="-122"/>
+                <a:ea typeface="微软雅黑" pitchFamily="34" charset="-122"/>
+              </a:rPr>
+              <a:t>如果距离结束时间，小于一帧，直接设置结束数值，否则会有终点数值的偏差</a:t>
+            </a:r>
+            <a:endParaRPr lang="en-US" altLang="zh-CN" sz="2000" dirty="0">
+              <a:solidFill>
+                <a:schemeClr val="tx1">
+                  <a:lumMod val="75000"/>
+                  <a:lumOff val="25000"/>
+                </a:schemeClr>
+              </a:solidFill>
+              <a:latin typeface="微软雅黑" pitchFamily="34" charset="-122"/>
+              <a:ea typeface="微软雅黑" pitchFamily="34" charset="-122"/>
+            </a:endParaRPr>
+          </a:p>
+        </p:txBody>
+      </p:sp>
+      <p:sp>
+        <p:nvSpPr>
+          <p:cNvPr id="5" name="圆角矩形标注 4"/>
+          <p:cNvSpPr/>
+          <p:nvPr/>
+        </p:nvSpPr>
+        <p:spPr>
+          <a:xfrm>
+            <a:off x="3347864" y="2920433"/>
+            <a:ext cx="1579407" cy="345923"/>
+          </a:xfrm>
+          <a:prstGeom prst="wedgeRoundRectCallout">
+            <a:avLst>
+              <a:gd name="adj1" fmla="val -21997"/>
+              <a:gd name="adj2" fmla="val -85778"/>
+              <a:gd name="adj3" fmla="val 16667"/>
+            </a:avLst>
+          </a:prstGeom>
+        </p:spPr>
+        <p:style>
+          <a:lnRef idx="2">
+            <a:schemeClr val="accent5"/>
+          </a:lnRef>
+          <a:fillRef idx="1">
+            <a:schemeClr val="lt1"/>
+          </a:fillRef>
+          <a:effectRef idx="0">
+            <a:schemeClr val="accent5"/>
+          </a:effectRef>
+          <a:fontRef idx="minor">
+            <a:schemeClr val="dk1"/>
+          </a:fontRef>
+        </p:style>
+        <p:txBody>
+          <a:bodyPr rtlCol="0" anchor="ctr"/>
+          <a:lstStyle/>
+          <a:p>
+            <a:pPr>
+              <a:lnSpc>
+                <a:spcPct val="150000"/>
+              </a:lnSpc>
+            </a:pPr>
+            <a:r>
+              <a:rPr lang="en-US" altLang="zh-CN" sz="2000" dirty="0" smtClean="0">
+                <a:solidFill>
+                  <a:schemeClr val="tx1">
+                    <a:lumMod val="75000"/>
+                    <a:lumOff val="25000"/>
+                  </a:schemeClr>
+                </a:solidFill>
+                <a:latin typeface="微软雅黑" pitchFamily="34" charset="-122"/>
+                <a:ea typeface="微软雅黑" pitchFamily="34" charset="-122"/>
+              </a:rPr>
+              <a:t> </a:t>
+            </a:r>
+            <a:r>
+              <a:rPr lang="zh-CN" altLang="en-US" sz="2000" dirty="0" smtClean="0">
+                <a:solidFill>
+                  <a:schemeClr val="tx1">
+                    <a:lumMod val="75000"/>
+                    <a:lumOff val="25000"/>
+                  </a:schemeClr>
+                </a:solidFill>
+                <a:latin typeface="微软雅黑" pitchFamily="34" charset="-122"/>
+                <a:ea typeface="微软雅黑" pitchFamily="34" charset="-122"/>
+              </a:rPr>
+              <a:t>计算插值</a:t>
+            </a:r>
+            <a:endParaRPr lang="en-US" altLang="zh-CN" sz="2000" dirty="0">
+              <a:solidFill>
+                <a:schemeClr val="tx1">
+                  <a:lumMod val="75000"/>
+                  <a:lumOff val="25000"/>
+                </a:schemeClr>
+              </a:solidFill>
+              <a:latin typeface="微软雅黑" pitchFamily="34" charset="-122"/>
+              <a:ea typeface="微软雅黑" pitchFamily="34" charset="-122"/>
+            </a:endParaRPr>
+          </a:p>
+        </p:txBody>
+      </p:sp>
+      <p:sp>
+        <p:nvSpPr>
+          <p:cNvPr id="7" name="TextBox 6"/>
+          <p:cNvSpPr txBox="1"/>
+          <p:nvPr/>
+        </p:nvSpPr>
+        <p:spPr>
+          <a:xfrm>
+            <a:off x="684000" y="3784972"/>
+            <a:ext cx="7776000" cy="1200329"/>
+          </a:xfrm>
+          <a:prstGeom prst="rect">
+            <a:avLst/>
+          </a:prstGeom>
+          <a:noFill/>
+        </p:spPr>
+        <p:txBody>
+          <a:bodyPr wrap="square" rtlCol="0">
+            <a:spAutoFit/>
+          </a:bodyPr>
+          <a:lstStyle/>
+          <a:p>
+            <a:pPr>
+              <a:lnSpc>
+                <a:spcPct val="150000"/>
+              </a:lnSpc>
+            </a:pPr>
+            <a:r>
+              <a:rPr lang="zh-CN" altLang="en-US" sz="2400" dirty="0" smtClean="0">
+                <a:solidFill>
+                  <a:schemeClr val="tx1">
+                    <a:lumMod val="75000"/>
+                    <a:lumOff val="25000"/>
+                  </a:schemeClr>
+                </a:solidFill>
+                <a:latin typeface="微软雅黑" pitchFamily="34" charset="-122"/>
+                <a:ea typeface="微软雅黑" pitchFamily="34" charset="-122"/>
+              </a:rPr>
+              <a:t>剩余细节的代码，因为并不复杂，所以我们不再赘述，请大家参考源代码</a:t>
+            </a:r>
+            <a:r>
+              <a:rPr lang="en-US" altLang="zh-CN" sz="2400" dirty="0" smtClean="0">
+                <a:solidFill>
+                  <a:schemeClr val="tx1">
+                    <a:lumMod val="75000"/>
+                    <a:lumOff val="25000"/>
+                  </a:schemeClr>
+                </a:solidFill>
+                <a:latin typeface="微软雅黑" pitchFamily="34" charset="-122"/>
+                <a:ea typeface="微软雅黑" pitchFamily="34" charset="-122"/>
+              </a:rPr>
+              <a:t>!</a:t>
+            </a:r>
+            <a:endParaRPr lang="en-US" altLang="zh-CN" sz="2400" dirty="0" smtClean="0">
+              <a:solidFill>
+                <a:schemeClr val="tx1">
+                  <a:lumMod val="75000"/>
+                  <a:lumOff val="25000"/>
+                </a:schemeClr>
+              </a:solidFill>
+              <a:latin typeface="微软雅黑" pitchFamily="34" charset="-122"/>
+              <a:ea typeface="微软雅黑" pitchFamily="34" charset="-122"/>
+            </a:endParaRPr>
+          </a:p>
+        </p:txBody>
+      </p:sp>
     </p:spTree>
     <p:extLst>
       <p:ext uri="{BB962C8B-B14F-4D97-AF65-F5344CB8AC3E}">
@@ -13019,6 +15997,284 @@
           <a:chExt cx="0" cy="0"/>
         </a:xfrm>
       </p:grpSpPr>
+      <p:pic>
+        <p:nvPicPr>
+          <p:cNvPr id="2" name="图片 1" descr="屏幕剪辑"/>
+          <p:cNvPicPr>
+            <a:picLocks noChangeAspect="1"/>
+          </p:cNvPicPr>
+          <p:nvPr/>
+        </p:nvPicPr>
+        <p:blipFill>
+          <a:blip r:embed="rId2">
+            <a:extLst>
+              <a:ext uri="{28A0092B-C50C-407E-A947-70E740481C1C}">
+                <a14:useLocalDpi xmlns:a14="http://schemas.microsoft.com/office/drawing/2010/main" val="0"/>
+              </a:ext>
+            </a:extLst>
+          </a:blip>
+          <a:stretch>
+            <a:fillRect/>
+          </a:stretch>
+        </p:blipFill>
+        <p:spPr>
+          <a:xfrm>
+            <a:off x="939693" y="197397"/>
+            <a:ext cx="1743318" cy="1781424"/>
+          </a:xfrm>
+          <a:prstGeom prst="rect">
+            <a:avLst/>
+          </a:prstGeom>
+          <a:ln>
+            <a:noFill/>
+          </a:ln>
+          <a:effectLst>
+            <a:softEdge rad="112500"/>
+          </a:effectLst>
+        </p:spPr>
+      </p:pic>
+      <p:pic>
+        <p:nvPicPr>
+          <p:cNvPr id="5" name="图片 4" descr="屏幕剪辑"/>
+          <p:cNvPicPr>
+            <a:picLocks noChangeAspect="1"/>
+          </p:cNvPicPr>
+          <p:nvPr/>
+        </p:nvPicPr>
+        <p:blipFill>
+          <a:blip r:embed="rId3">
+            <a:extLst>
+              <a:ext uri="{28A0092B-C50C-407E-A947-70E740481C1C}">
+                <a14:useLocalDpi xmlns:a14="http://schemas.microsoft.com/office/drawing/2010/main" val="0"/>
+              </a:ext>
+            </a:extLst>
+          </a:blip>
+          <a:stretch>
+            <a:fillRect/>
+          </a:stretch>
+        </p:blipFill>
+        <p:spPr>
+          <a:xfrm>
+            <a:off x="2267744" y="1145267"/>
+            <a:ext cx="1790950" cy="1667108"/>
+          </a:xfrm>
+          <a:prstGeom prst="rect">
+            <a:avLst/>
+          </a:prstGeom>
+          <a:ln>
+            <a:noFill/>
+          </a:ln>
+          <a:effectLst>
+            <a:softEdge rad="112500"/>
+          </a:effectLst>
+        </p:spPr>
+      </p:pic>
+      <p:pic>
+        <p:nvPicPr>
+          <p:cNvPr id="6" name="图片 5" descr="屏幕剪辑"/>
+          <p:cNvPicPr>
+            <a:picLocks noChangeAspect="1"/>
+          </p:cNvPicPr>
+          <p:nvPr/>
+        </p:nvPicPr>
+        <p:blipFill>
+          <a:blip r:embed="rId4">
+            <a:extLst>
+              <a:ext uri="{28A0092B-C50C-407E-A947-70E740481C1C}">
+                <a14:useLocalDpi xmlns:a14="http://schemas.microsoft.com/office/drawing/2010/main" val="0"/>
+              </a:ext>
+            </a:extLst>
+          </a:blip>
+          <a:stretch>
+            <a:fillRect/>
+          </a:stretch>
+        </p:blipFill>
+        <p:spPr>
+          <a:xfrm>
+            <a:off x="3635896" y="2348880"/>
+            <a:ext cx="2019582" cy="1552792"/>
+          </a:xfrm>
+          <a:prstGeom prst="rect">
+            <a:avLst/>
+          </a:prstGeom>
+          <a:ln>
+            <a:noFill/>
+          </a:ln>
+          <a:effectLst>
+            <a:softEdge rad="112500"/>
+          </a:effectLst>
+        </p:spPr>
+      </p:pic>
+      <p:pic>
+        <p:nvPicPr>
+          <p:cNvPr id="7" name="图片 6" descr="屏幕剪辑"/>
+          <p:cNvPicPr>
+            <a:picLocks noChangeAspect="1"/>
+          </p:cNvPicPr>
+          <p:nvPr/>
+        </p:nvPicPr>
+        <p:blipFill>
+          <a:blip r:embed="rId5">
+            <a:extLst>
+              <a:ext uri="{28A0092B-C50C-407E-A947-70E740481C1C}">
+                <a14:useLocalDpi xmlns:a14="http://schemas.microsoft.com/office/drawing/2010/main" val="0"/>
+              </a:ext>
+            </a:extLst>
+          </a:blip>
+          <a:stretch>
+            <a:fillRect/>
+          </a:stretch>
+        </p:blipFill>
+        <p:spPr>
+          <a:xfrm>
+            <a:off x="4788024" y="3645024"/>
+            <a:ext cx="2162477" cy="1505160"/>
+          </a:xfrm>
+          <a:prstGeom prst="rect">
+            <a:avLst/>
+          </a:prstGeom>
+          <a:ln>
+            <a:noFill/>
+          </a:ln>
+          <a:effectLst>
+            <a:softEdge rad="112500"/>
+          </a:effectLst>
+        </p:spPr>
+      </p:pic>
+      <p:pic>
+        <p:nvPicPr>
+          <p:cNvPr id="4" name="图片 3" descr="屏幕剪辑"/>
+          <p:cNvPicPr>
+            <a:picLocks noChangeAspect="1"/>
+          </p:cNvPicPr>
+          <p:nvPr/>
+        </p:nvPicPr>
+        <p:blipFill>
+          <a:blip r:embed="rId6">
+            <a:extLst>
+              <a:ext uri="{28A0092B-C50C-407E-A947-70E740481C1C}">
+                <a14:useLocalDpi xmlns:a14="http://schemas.microsoft.com/office/drawing/2010/main" val="0"/>
+              </a:ext>
+            </a:extLst>
+          </a:blip>
+          <a:stretch>
+            <a:fillRect/>
+          </a:stretch>
+        </p:blipFill>
+        <p:spPr>
+          <a:xfrm>
+            <a:off x="6156176" y="4797152"/>
+            <a:ext cx="2191056" cy="1476581"/>
+          </a:xfrm>
+          <a:prstGeom prst="rect">
+            <a:avLst/>
+          </a:prstGeom>
+          <a:ln>
+            <a:noFill/>
+          </a:ln>
+          <a:effectLst>
+            <a:softEdge rad="112500"/>
+          </a:effectLst>
+        </p:spPr>
+      </p:pic>
+      <p:sp>
+        <p:nvSpPr>
+          <p:cNvPr id="8" name="圆角矩形标注 7"/>
+          <p:cNvSpPr/>
+          <p:nvPr/>
+        </p:nvSpPr>
+        <p:spPr>
+          <a:xfrm>
+            <a:off x="1583668" y="3651082"/>
+            <a:ext cx="1656184" cy="648072"/>
+          </a:xfrm>
+          <a:prstGeom prst="wedgeRoundRectCallout">
+            <a:avLst>
+              <a:gd name="adj1" fmla="val 30421"/>
+              <a:gd name="adj2" fmla="val -77167"/>
+              <a:gd name="adj3" fmla="val 16667"/>
+            </a:avLst>
+          </a:prstGeom>
+        </p:spPr>
+        <p:style>
+          <a:lnRef idx="2">
+            <a:schemeClr val="accent6"/>
+          </a:lnRef>
+          <a:fillRef idx="1">
+            <a:schemeClr val="lt1"/>
+          </a:fillRef>
+          <a:effectRef idx="0">
+            <a:schemeClr val="accent6"/>
+          </a:effectRef>
+          <a:fontRef idx="minor">
+            <a:schemeClr val="dk1"/>
+          </a:fontRef>
+        </p:style>
+        <p:txBody>
+          <a:bodyPr rtlCol="0" anchor="ctr"/>
+          <a:lstStyle/>
+          <a:p>
+            <a:pPr>
+              <a:lnSpc>
+                <a:spcPct val="150000"/>
+              </a:lnSpc>
+            </a:pPr>
+            <a:r>
+              <a:rPr lang="zh-CN" altLang="en-US" sz="2000" b="1" dirty="0" smtClean="0">
+                <a:solidFill>
+                  <a:schemeClr val="tx1">
+                    <a:lumMod val="75000"/>
+                    <a:lumOff val="25000"/>
+                  </a:schemeClr>
+                </a:solidFill>
+                <a:latin typeface="微软雅黑" pitchFamily="34" charset="-122"/>
+                <a:ea typeface="微软雅黑" pitchFamily="34" charset="-122"/>
+              </a:rPr>
+              <a:t>大功告成！</a:t>
+            </a:r>
+            <a:endParaRPr lang="en-US" altLang="zh-CN" sz="2000" b="1" dirty="0">
+              <a:solidFill>
+                <a:schemeClr val="tx1">
+                  <a:lumMod val="75000"/>
+                  <a:lumOff val="25000"/>
+                </a:schemeClr>
+              </a:solidFill>
+              <a:latin typeface="微软雅黑" pitchFamily="34" charset="-122"/>
+              <a:ea typeface="微软雅黑" pitchFamily="34" charset="-122"/>
+            </a:endParaRPr>
+          </a:p>
+        </p:txBody>
+      </p:sp>
+    </p:spTree>
+    <p:extLst>
+      <p:ext uri="{BB962C8B-B14F-4D97-AF65-F5344CB8AC3E}">
+        <p14:creationId xmlns:p14="http://schemas.microsoft.com/office/powerpoint/2010/main" val="560358243"/>
+      </p:ext>
+    </p:extLst>
+  </p:cSld>
+  <p:clrMapOvr>
+    <a:masterClrMapping/>
+  </p:clrMapOvr>
+</p:sld>
+</file>
+
+<file path=ppt/slides/slide28.xml><?xml version="1.0" encoding="utf-8"?>
+<p:sld xmlns:a="http://schemas.openxmlformats.org/drawingml/2006/main" xmlns:r="http://schemas.openxmlformats.org/officeDocument/2006/relationships" xmlns:p="http://schemas.openxmlformats.org/presentationml/2006/main">
+  <p:cSld>
+    <p:spTree>
+      <p:nvGrpSpPr>
+        <p:cNvPr id="1" name=""/>
+        <p:cNvGrpSpPr/>
+        <p:nvPr/>
+      </p:nvGrpSpPr>
+      <p:grpSpPr>
+        <a:xfrm>
+          <a:off x="0" y="0"/>
+          <a:ext cx="0" cy="0"/>
+          <a:chOff x="0" y="0"/>
+          <a:chExt cx="0" cy="0"/>
+        </a:xfrm>
+      </p:grpSpPr>
       <p:sp>
         <p:nvSpPr>
           <p:cNvPr id="4" name="TextBox 3"/>
@@ -13088,7 +16344,7 @@
         </p:nvSpPr>
         <p:spPr>
           <a:xfrm>
-            <a:off x="611560" y="3628181"/>
+            <a:off x="611560" y="3988221"/>
             <a:ext cx="7776864" cy="1384995"/>
           </a:xfrm>
           <a:prstGeom prst="rect">
@@ -13200,7 +16456,7 @@
         <p:spPr>
           <a:xfrm>
             <a:off x="467544" y="1268760"/>
-            <a:ext cx="7632848" cy="1754326"/>
+            <a:ext cx="7632848" cy="2308324"/>
           </a:xfrm>
           <a:prstGeom prst="rect">
             <a:avLst/>
@@ -13257,20 +16513,7 @@
                 <a:latin typeface="微软雅黑" pitchFamily="34" charset="-122"/>
                 <a:ea typeface="微软雅黑" pitchFamily="34" charset="-122"/>
               </a:rPr>
-              <a:t>的三角面</a:t>
-            </a:r>
-            <a:r>
-              <a:rPr lang="zh-CN" altLang="en-US" sz="2400" dirty="0" smtClean="0">
-                <a:solidFill>
-                  <a:schemeClr val="tx1">
-                    <a:lumMod val="75000"/>
-                    <a:lumOff val="25000"/>
-                  </a:schemeClr>
-                </a:solidFill>
-                <a:latin typeface="微软雅黑" pitchFamily="34" charset="-122"/>
-                <a:ea typeface="微软雅黑" pitchFamily="34" charset="-122"/>
-              </a:rPr>
-              <a:t>爆炸分散，然后在聚合成图形</a:t>
+              <a:t>的三角面爆炸分散，然后在聚合成图形</a:t>
             </a:r>
             <a:r>
               <a:rPr lang="en-US" altLang="zh-CN" sz="2400" dirty="0" smtClean="0">
@@ -13328,7 +16571,20 @@
                 <a:latin typeface="微软雅黑" pitchFamily="34" charset="-122"/>
                 <a:ea typeface="微软雅黑" pitchFamily="34" charset="-122"/>
               </a:rPr>
-              <a:t>如果不把所有图形的三角面数量进行统一，如何实现？</a:t>
+              <a:t>如果不把所有图形的三角面数量进行统一</a:t>
+            </a:r>
+            <a:r>
+              <a:rPr lang="zh-CN" altLang="en-US" sz="2400" dirty="0" smtClean="0">
+                <a:solidFill>
+                  <a:schemeClr val="tx1">
+                    <a:lumMod val="75000"/>
+                    <a:lumOff val="25000"/>
+                  </a:schemeClr>
+                </a:solidFill>
+                <a:latin typeface="微软雅黑" pitchFamily="34" charset="-122"/>
+                <a:ea typeface="微软雅黑" pitchFamily="34" charset="-122"/>
+              </a:rPr>
+              <a:t>，面对三角面数量不一的图案，如何实现？</a:t>
             </a:r>
             <a:endParaRPr lang="en-US" altLang="zh-CN" sz="2400" dirty="0" smtClean="0">
               <a:solidFill>
@@ -13619,6 +16875,28 @@
               </a:rPr>
               <a:t>》</a:t>
             </a:r>
+          </a:p>
+          <a:p>
+            <a:pPr marL="457200" indent="-457200">
+              <a:lnSpc>
+                <a:spcPct val="150000"/>
+              </a:lnSpc>
+              <a:buFont typeface="+mj-lt"/>
+              <a:buAutoNum type="arabicPeriod"/>
+            </a:pPr>
+            <a:r>
+              <a:rPr lang="zh-CN" altLang="en-US" sz="2400" dirty="0" smtClean="0">
+                <a:solidFill>
+                  <a:schemeClr val="tx1">
+                    <a:lumMod val="75000"/>
+                    <a:lumOff val="25000"/>
+                  </a:schemeClr>
+                </a:solidFill>
+                <a:latin typeface="微软雅黑" pitchFamily="34" charset="-122"/>
+                <a:ea typeface="微软雅黑" pitchFamily="34" charset="-122"/>
+              </a:rPr>
+              <a:t>两个低面图形的三角面数量很可能不同（相同为巧合），需要重复图形三角面达到最大数量</a:t>
+            </a:r>
             <a:endParaRPr lang="en-US" altLang="zh-CN" sz="2400" dirty="0" smtClean="0">
               <a:solidFill>
                 <a:schemeClr val="tx1">
@@ -13649,7 +16927,33 @@
                 <a:latin typeface="微软雅黑" pitchFamily="34" charset="-122"/>
                 <a:ea typeface="微软雅黑" pitchFamily="34" charset="-122"/>
               </a:rPr>
-              <a:t>两个低面图形的三角面数量很可能不同（相同为巧合），需要重复图形三角面达到最大数量</a:t>
+              <a:t>三角面的颜色和</a:t>
+            </a:r>
+            <a:r>
+              <a:rPr lang="zh-CN" altLang="en-US" sz="2400" dirty="0">
+                <a:solidFill>
+                  <a:schemeClr val="tx1">
+                    <a:lumMod val="75000"/>
+                    <a:lumOff val="25000"/>
+                  </a:schemeClr>
+                </a:solidFill>
+                <a:latin typeface="微软雅黑" pitchFamily="34" charset="-122"/>
+                <a:ea typeface="微软雅黑" pitchFamily="34" charset="-122"/>
+              </a:rPr>
+              <a:t>顶点</a:t>
+            </a:r>
+            <a:r>
+              <a:rPr lang="zh-CN" altLang="en-US" sz="2400" dirty="0" smtClean="0">
+                <a:solidFill>
+                  <a:schemeClr val="tx1">
+                    <a:lumMod val="75000"/>
+                    <a:lumOff val="25000"/>
+                  </a:schemeClr>
+                </a:solidFill>
+                <a:latin typeface="微软雅黑" pitchFamily="34" charset="-122"/>
+                <a:ea typeface="微软雅黑" pitchFamily="34" charset="-122"/>
+              </a:rPr>
+              <a:t>变换，需要提取数值，做字符串和数值之间的转换</a:t>
             </a:r>
             <a:endParaRPr lang="en-US" altLang="zh-CN" sz="2400" dirty="0" smtClean="0">
               <a:solidFill>
@@ -13681,20 +16985,20 @@
                 <a:latin typeface="微软雅黑" pitchFamily="34" charset="-122"/>
                 <a:ea typeface="微软雅黑" pitchFamily="34" charset="-122"/>
               </a:rPr>
-              <a:t>三角面的颜色和</a:t>
-            </a:r>
-            <a:r>
-              <a:rPr lang="zh-CN" altLang="en-US" sz="2400" dirty="0">
-                <a:solidFill>
-                  <a:schemeClr val="tx1">
-                    <a:lumMod val="75000"/>
-                    <a:lumOff val="25000"/>
-                  </a:schemeClr>
-                </a:solidFill>
-                <a:latin typeface="微软雅黑" pitchFamily="34" charset="-122"/>
-                <a:ea typeface="微软雅黑" pitchFamily="34" charset="-122"/>
-              </a:rPr>
-              <a:t>顶点</a:t>
+              <a:t>本例使用</a:t>
+            </a:r>
+            <a:r>
+              <a:rPr lang="en-US" altLang="zh-CN" sz="2400" dirty="0" smtClean="0">
+                <a:solidFill>
+                  <a:schemeClr val="tx1">
+                    <a:lumMod val="75000"/>
+                    <a:lumOff val="25000"/>
+                  </a:schemeClr>
+                </a:solidFill>
+                <a:latin typeface="微软雅黑" pitchFamily="34" charset="-122"/>
+                <a:ea typeface="微软雅黑" pitchFamily="34" charset="-122"/>
+              </a:rPr>
+              <a:t>JS</a:t>
             </a:r>
             <a:r>
               <a:rPr lang="zh-CN" altLang="en-US" sz="2400" dirty="0" smtClean="0">
@@ -13707,27 +17011,21 @@
                 <a:latin typeface="微软雅黑" pitchFamily="34" charset="-122"/>
                 <a:ea typeface="微软雅黑" pitchFamily="34" charset="-122"/>
               </a:rPr>
-              <a:t>变换，需要提取数值，做字符串和数值之间的转换</a:t>
-            </a:r>
-            <a:endParaRPr lang="en-US" altLang="zh-CN" sz="2400" dirty="0" smtClean="0">
-              <a:solidFill>
-                <a:schemeClr val="tx1">
-                  <a:lumMod val="75000"/>
-                  <a:lumOff val="25000"/>
-                </a:schemeClr>
-              </a:solidFill>
-              <a:latin typeface="微软雅黑" pitchFamily="34" charset="-122"/>
-              <a:ea typeface="微软雅黑" pitchFamily="34" charset="-122"/>
-            </a:endParaRPr>
-          </a:p>
-          <a:p>
-            <a:pPr marL="457200" indent="-457200">
-              <a:lnSpc>
-                <a:spcPct val="150000"/>
-              </a:lnSpc>
-              <a:buFont typeface="+mj-lt"/>
-              <a:buAutoNum type="arabicPeriod"/>
-            </a:pPr>
+              <a:t>插值而不是</a:t>
+            </a:r>
+            <a:r>
+              <a:rPr lang="en-US" altLang="zh-CN" sz="2400" dirty="0" smtClean="0">
+                <a:solidFill>
+                  <a:schemeClr val="tx1">
+                    <a:lumMod val="75000"/>
+                    <a:lumOff val="25000"/>
+                  </a:schemeClr>
+                </a:solidFill>
+                <a:latin typeface="微软雅黑" pitchFamily="34" charset="-122"/>
+                <a:ea typeface="微软雅黑" pitchFamily="34" charset="-122"/>
+              </a:rPr>
+              <a:t>SMIL</a:t>
+            </a:r>
             <a:r>
               <a:rPr lang="zh-CN" altLang="en-US" sz="2400" dirty="0" smtClean="0">
                 <a:solidFill>
@@ -13739,20 +17037,7 @@
                 <a:latin typeface="微软雅黑" pitchFamily="34" charset="-122"/>
                 <a:ea typeface="微软雅黑" pitchFamily="34" charset="-122"/>
               </a:rPr>
-              <a:t>本例使用</a:t>
-            </a:r>
-            <a:r>
-              <a:rPr lang="en-US" altLang="zh-CN" sz="2400" dirty="0" smtClean="0">
-                <a:solidFill>
-                  <a:schemeClr val="tx1">
-                    <a:lumMod val="75000"/>
-                    <a:lumOff val="25000"/>
-                  </a:schemeClr>
-                </a:solidFill>
-                <a:latin typeface="微软雅黑" pitchFamily="34" charset="-122"/>
-                <a:ea typeface="微软雅黑" pitchFamily="34" charset="-122"/>
-              </a:rPr>
-              <a:t>JS</a:t>
+              <a:t>动画，兼容最新的主流</a:t>
             </a:r>
             <a:r>
               <a:rPr lang="zh-CN" altLang="en-US" sz="2400" dirty="0" smtClean="0">
@@ -13765,33 +17050,7 @@
                 <a:latin typeface="微软雅黑" pitchFamily="34" charset="-122"/>
                 <a:ea typeface="微软雅黑" pitchFamily="34" charset="-122"/>
               </a:rPr>
-              <a:t>插值而不是</a:t>
-            </a:r>
-            <a:r>
-              <a:rPr lang="en-US" altLang="zh-CN" sz="2400" dirty="0" smtClean="0">
-                <a:solidFill>
-                  <a:schemeClr val="tx1">
-                    <a:lumMod val="75000"/>
-                    <a:lumOff val="25000"/>
-                  </a:schemeClr>
-                </a:solidFill>
-                <a:latin typeface="微软雅黑" pitchFamily="34" charset="-122"/>
-                <a:ea typeface="微软雅黑" pitchFamily="34" charset="-122"/>
-              </a:rPr>
-              <a:t>SMIL</a:t>
-            </a:r>
-            <a:r>
-              <a:rPr lang="zh-CN" altLang="en-US" sz="2400" dirty="0" smtClean="0">
-                <a:solidFill>
-                  <a:schemeClr val="tx1">
-                    <a:lumMod val="75000"/>
-                    <a:lumOff val="25000"/>
-                  </a:schemeClr>
-                </a:solidFill>
-                <a:latin typeface="微软雅黑" pitchFamily="34" charset="-122"/>
-                <a:ea typeface="微软雅黑" pitchFamily="34" charset="-122"/>
-              </a:rPr>
-              <a:t>动画，兼容最新的主流浏览器</a:t>
+              <a:t>浏览器</a:t>
             </a:r>
             <a:endParaRPr lang="en-US" altLang="zh-CN" sz="2400" dirty="0" smtClean="0">
               <a:solidFill>
@@ -13889,20 +17148,7 @@
                 <a:latin typeface="微软雅黑" pitchFamily="34" charset="-122"/>
                 <a:ea typeface="微软雅黑" pitchFamily="34" charset="-122"/>
               </a:rPr>
-              <a:t> </a:t>
-            </a:r>
-            <a:r>
-              <a:rPr lang="zh-CN" altLang="en-US" sz="2800" b="1" dirty="0" smtClean="0">
-                <a:solidFill>
-                  <a:schemeClr val="tx1">
-                    <a:lumMod val="75000"/>
-                    <a:lumOff val="25000"/>
-                  </a:schemeClr>
-                </a:solidFill>
-                <a:latin typeface="微软雅黑" pitchFamily="34" charset="-122"/>
-                <a:ea typeface="微软雅黑" pitchFamily="34" charset="-122"/>
-              </a:rPr>
-              <a:t>制作低面图形</a:t>
+              <a:t> 制作低面图形</a:t>
             </a:r>
             <a:endParaRPr lang="zh-CN" altLang="en-US" sz="2800" b="1" dirty="0">
               <a:solidFill>
@@ -14351,20 +17597,7 @@
                 <a:latin typeface="微软雅黑" pitchFamily="34" charset="-122"/>
                 <a:ea typeface="微软雅黑" pitchFamily="34" charset="-122"/>
               </a:rPr>
-              <a:t>低</a:t>
-            </a:r>
-            <a:r>
-              <a:rPr lang="zh-CN" altLang="en-US" sz="2000" dirty="0" smtClean="0">
-                <a:solidFill>
-                  <a:schemeClr val="tx1">
-                    <a:lumMod val="75000"/>
-                    <a:lumOff val="25000"/>
-                  </a:schemeClr>
-                </a:solidFill>
-                <a:latin typeface="微软雅黑" pitchFamily="34" charset="-122"/>
-                <a:ea typeface="微软雅黑" pitchFamily="34" charset="-122"/>
-              </a:rPr>
-              <a:t>面效果</a:t>
+              <a:t>低面效果</a:t>
             </a:r>
             <a:endParaRPr lang="en-US" altLang="zh-CN" sz="2000" dirty="0">
               <a:solidFill>
@@ -14611,20 +17844,7 @@
                 <a:latin typeface="微软雅黑" pitchFamily="34" charset="-122"/>
                 <a:ea typeface="微软雅黑" pitchFamily="34" charset="-122"/>
               </a:rPr>
-              <a:t>去掉图形上的同色路径，然后</a:t>
-            </a:r>
-            <a:r>
-              <a:rPr lang="en-US" altLang="zh-CN" sz="2000" dirty="0" smtClean="0">
-                <a:solidFill>
-                  <a:schemeClr val="tx1">
-                    <a:lumMod val="75000"/>
-                    <a:lumOff val="25000"/>
-                  </a:schemeClr>
-                </a:solidFill>
-                <a:latin typeface="微软雅黑" pitchFamily="34" charset="-122"/>
-                <a:ea typeface="微软雅黑" pitchFamily="34" charset="-122"/>
-              </a:rPr>
-              <a:t>delete</a:t>
+              <a:t>去掉图形上的同色</a:t>
             </a:r>
             <a:r>
               <a:rPr lang="zh-CN" altLang="en-US" sz="2000" dirty="0" smtClean="0">
@@ -14637,7 +17857,7 @@
                 <a:latin typeface="微软雅黑" pitchFamily="34" charset="-122"/>
                 <a:ea typeface="微软雅黑" pitchFamily="34" charset="-122"/>
               </a:rPr>
-              <a:t>）</a:t>
+              <a:t>路径）</a:t>
             </a:r>
             <a:endParaRPr lang="en-US" altLang="zh-CN" sz="2000" dirty="0">
               <a:solidFill>
@@ -15188,7 +18408,33 @@
                 <a:latin typeface="微软雅黑" pitchFamily="34" charset="-122"/>
                 <a:ea typeface="微软雅黑" pitchFamily="34" charset="-122"/>
               </a:rPr>
-              <a:t>标签数据到我们自己的</a:t>
+              <a:t>标签数据</a:t>
+            </a:r>
+            <a:r>
+              <a:rPr lang="zh-CN" altLang="en-US" sz="2000" dirty="0" smtClean="0">
+                <a:solidFill>
+                  <a:schemeClr val="tx1">
+                    <a:lumMod val="75000"/>
+                    <a:lumOff val="25000"/>
+                  </a:schemeClr>
+                </a:solidFill>
+                <a:latin typeface="微软雅黑" pitchFamily="34" charset="-122"/>
+                <a:ea typeface="微软雅黑" pitchFamily="34" charset="-122"/>
+              </a:rPr>
+              <a:t>到自己</a:t>
+            </a:r>
+            <a:r>
+              <a:rPr lang="zh-CN" altLang="en-US" sz="2000" dirty="0" smtClean="0">
+                <a:solidFill>
+                  <a:schemeClr val="tx1">
+                    <a:lumMod val="75000"/>
+                    <a:lumOff val="25000"/>
+                  </a:schemeClr>
+                </a:solidFill>
+                <a:latin typeface="微软雅黑" pitchFamily="34" charset="-122"/>
+                <a:ea typeface="微软雅黑" pitchFamily="34" charset="-122"/>
+              </a:rPr>
+              <a:t>的</a:t>
             </a:r>
             <a:r>
               <a:rPr lang="en-US" altLang="zh-CN" sz="2000" dirty="0" smtClean="0">
@@ -15202,6 +18448,19 @@
                 <a:ea typeface="微软雅黑" pitchFamily="34" charset="-122"/>
               </a:rPr>
               <a:t>html</a:t>
+            </a:r>
+            <a:r>
+              <a:rPr lang="zh-CN" altLang="en-US" sz="2000" dirty="0" smtClean="0">
+                <a:solidFill>
+                  <a:schemeClr val="tx1">
+                    <a:lumMod val="75000"/>
+                    <a:lumOff val="25000"/>
+                  </a:schemeClr>
+                </a:solidFill>
+                <a:latin typeface="微软雅黑" pitchFamily="34" charset="-122"/>
+                <a:ea typeface="微软雅黑" pitchFamily="34" charset="-122"/>
+              </a:rPr>
+              <a:t>文档</a:t>
             </a:r>
             <a:endParaRPr lang="en-US" altLang="zh-CN" sz="2000" dirty="0">
               <a:solidFill>
@@ -15522,20 +18781,7 @@
                 <a:latin typeface="微软雅黑" pitchFamily="34" charset="-122"/>
                 <a:ea typeface="微软雅黑" pitchFamily="34" charset="-122"/>
               </a:rPr>
-              <a:t> </a:t>
-            </a:r>
-            <a:r>
-              <a:rPr lang="zh-CN" altLang="en-US" sz="2800" b="1" dirty="0" smtClean="0">
-                <a:solidFill>
-                  <a:schemeClr val="tx1">
-                    <a:lumMod val="75000"/>
-                    <a:lumOff val="25000"/>
-                  </a:schemeClr>
-                </a:solidFill>
-                <a:latin typeface="微软雅黑" pitchFamily="34" charset="-122"/>
-                <a:ea typeface="微软雅黑" pitchFamily="34" charset="-122"/>
-              </a:rPr>
-              <a:t>准备数据</a:t>
+              <a:t> 准备数据</a:t>
             </a:r>
             <a:endParaRPr lang="zh-CN" altLang="en-US" sz="2800" b="1" dirty="0">
               <a:solidFill>
@@ -15733,7 +18979,7 @@
         </p:blipFill>
         <p:spPr>
           <a:xfrm>
-            <a:off x="1187624" y="3145036"/>
+            <a:off x="1187624" y="3500929"/>
             <a:ext cx="5315692" cy="3067478"/>
           </a:xfrm>
           <a:prstGeom prst="rect">
@@ -15759,7 +19005,7 @@
         </p:nvSpPr>
         <p:spPr>
           <a:xfrm>
-            <a:off x="3814342" y="4451229"/>
+            <a:off x="3814342" y="4807122"/>
             <a:ext cx="2557858" cy="345923"/>
           </a:xfrm>
           <a:prstGeom prst="wedgeRoundRectCallout">
@@ -15827,7 +19073,7 @@
         </p:nvSpPr>
         <p:spPr>
           <a:xfrm>
-            <a:off x="3945458" y="4830393"/>
+            <a:off x="3945458" y="5186286"/>
             <a:ext cx="2786782" cy="345923"/>
           </a:xfrm>
           <a:prstGeom prst="wedgeRoundRectCallout">
@@ -15895,7 +19141,7 @@
         </p:nvSpPr>
         <p:spPr>
           <a:xfrm>
-            <a:off x="3178608" y="6039552"/>
+            <a:off x="3178608" y="6395445"/>
             <a:ext cx="3193591" cy="345923"/>
           </a:xfrm>
           <a:prstGeom prst="wedgeRoundRectCallout">
@@ -15941,6 +19187,74 @@
                 <a:ea typeface="微软雅黑" pitchFamily="34" charset="-122"/>
               </a:rPr>
               <a:t>记录最大三角面数的图形</a:t>
+            </a:r>
+            <a:endParaRPr lang="en-US" altLang="zh-CN" sz="2000" dirty="0">
+              <a:solidFill>
+                <a:schemeClr val="tx1">
+                  <a:lumMod val="75000"/>
+                  <a:lumOff val="25000"/>
+                </a:schemeClr>
+              </a:solidFill>
+              <a:latin typeface="微软雅黑" pitchFamily="34" charset="-122"/>
+              <a:ea typeface="微软雅黑" pitchFamily="34" charset="-122"/>
+            </a:endParaRPr>
+          </a:p>
+        </p:txBody>
+      </p:sp>
+      <p:sp>
+        <p:nvSpPr>
+          <p:cNvPr id="8" name="圆角矩形标注 7"/>
+          <p:cNvSpPr/>
+          <p:nvPr/>
+        </p:nvSpPr>
+        <p:spPr>
+          <a:xfrm>
+            <a:off x="2195736" y="3068960"/>
+            <a:ext cx="2094143" cy="345923"/>
+          </a:xfrm>
+          <a:prstGeom prst="wedgeRoundRectCallout">
+            <a:avLst>
+              <a:gd name="adj1" fmla="val -29933"/>
+              <a:gd name="adj2" fmla="val 64339"/>
+              <a:gd name="adj3" fmla="val 16667"/>
+            </a:avLst>
+          </a:prstGeom>
+        </p:spPr>
+        <p:style>
+          <a:lnRef idx="2">
+            <a:schemeClr val="accent6"/>
+          </a:lnRef>
+          <a:fillRef idx="1">
+            <a:schemeClr val="lt1"/>
+          </a:fillRef>
+          <a:effectRef idx="0">
+            <a:schemeClr val="accent6"/>
+          </a:effectRef>
+          <a:fontRef idx="minor">
+            <a:schemeClr val="dk1"/>
+          </a:fontRef>
+        </p:style>
+        <p:txBody>
+          <a:bodyPr rtlCol="0" anchor="ctr"/>
+          <a:lstStyle/>
+          <a:p>
+            <a:pPr>
+              <a:lnSpc>
+                <a:spcPct val="150000"/>
+              </a:lnSpc>
+            </a:pPr>
+            <a:r>
+              <a:rPr lang="zh-CN" altLang="en-US" sz="2000" dirty="0" smtClean="0">
+                <a:solidFill>
+                  <a:schemeClr val="tx1">
+                    <a:lumMod val="75000"/>
+                    <a:lumOff val="25000"/>
+                  </a:schemeClr>
+                </a:solidFill>
+                <a:latin typeface="微软雅黑" pitchFamily="34" charset="-122"/>
+                <a:ea typeface="微软雅黑" pitchFamily="34" charset="-122"/>
+              </a:rPr>
+              <a:t>加载图形三角面</a:t>
             </a:r>
             <a:endParaRPr lang="en-US" altLang="zh-CN" sz="2000" dirty="0">
               <a:solidFill>
@@ -16167,7 +19481,7 @@
         </p:blipFill>
         <p:spPr>
           <a:xfrm>
-            <a:off x="1116490" y="3717032"/>
+            <a:off x="1116490" y="3891818"/>
             <a:ext cx="5849166" cy="2353003"/>
           </a:xfrm>
           <a:prstGeom prst="rect">
@@ -16193,7 +19507,7 @@
         </p:nvSpPr>
         <p:spPr>
           <a:xfrm>
-            <a:off x="3419872" y="4005064"/>
+            <a:off x="3419872" y="4179850"/>
             <a:ext cx="4752528" cy="345923"/>
           </a:xfrm>
           <a:prstGeom prst="wedgeRoundRectCallout">
@@ -16287,7 +19601,7 @@
         </p:nvSpPr>
         <p:spPr>
           <a:xfrm>
-            <a:off x="1624677" y="6220659"/>
+            <a:off x="1624677" y="6395445"/>
             <a:ext cx="4832792" cy="345923"/>
           </a:xfrm>
           <a:prstGeom prst="wedgeRoundRectCallout">
@@ -16355,7 +19669,7 @@
         </p:nvSpPr>
         <p:spPr>
           <a:xfrm>
-            <a:off x="5076056" y="5472609"/>
+            <a:off x="5076056" y="5647395"/>
             <a:ext cx="1755063" cy="345923"/>
           </a:xfrm>
           <a:prstGeom prst="wedgeRoundRectCallout">
@@ -16401,6 +19715,142 @@
                 <a:ea typeface="微软雅黑" pitchFamily="34" charset="-122"/>
               </a:rPr>
               <a:t>去掉多余字符</a:t>
+            </a:r>
+            <a:endParaRPr lang="en-US" altLang="zh-CN" sz="2000" dirty="0">
+              <a:solidFill>
+                <a:schemeClr val="tx1">
+                  <a:lumMod val="75000"/>
+                  <a:lumOff val="25000"/>
+                </a:schemeClr>
+              </a:solidFill>
+              <a:latin typeface="微软雅黑" pitchFamily="34" charset="-122"/>
+              <a:ea typeface="微软雅黑" pitchFamily="34" charset="-122"/>
+            </a:endParaRPr>
+          </a:p>
+        </p:txBody>
+      </p:sp>
+      <p:sp>
+        <p:nvSpPr>
+          <p:cNvPr id="8" name="圆角矩形标注 7"/>
+          <p:cNvSpPr/>
+          <p:nvPr/>
+        </p:nvSpPr>
+        <p:spPr>
+          <a:xfrm>
+            <a:off x="2267744" y="58741"/>
+            <a:ext cx="3024336" cy="345923"/>
+          </a:xfrm>
+          <a:prstGeom prst="wedgeRoundRectCallout">
+            <a:avLst>
+              <a:gd name="adj1" fmla="val -29933"/>
+              <a:gd name="adj2" fmla="val 64339"/>
+              <a:gd name="adj3" fmla="val 16667"/>
+            </a:avLst>
+          </a:prstGeom>
+        </p:spPr>
+        <p:style>
+          <a:lnRef idx="2">
+            <a:schemeClr val="accent6"/>
+          </a:lnRef>
+          <a:fillRef idx="1">
+            <a:schemeClr val="lt1"/>
+          </a:fillRef>
+          <a:effectRef idx="0">
+            <a:schemeClr val="accent6"/>
+          </a:effectRef>
+          <a:fontRef idx="minor">
+            <a:schemeClr val="dk1"/>
+          </a:fontRef>
+        </p:style>
+        <p:txBody>
+          <a:bodyPr rtlCol="0" anchor="ctr"/>
+          <a:lstStyle/>
+          <a:p>
+            <a:pPr>
+              <a:lnSpc>
+                <a:spcPct val="150000"/>
+              </a:lnSpc>
+            </a:pPr>
+            <a:r>
+              <a:rPr lang="zh-CN" altLang="en-US" sz="2000" dirty="0" smtClean="0">
+                <a:solidFill>
+                  <a:schemeClr val="tx1">
+                    <a:lumMod val="75000"/>
+                    <a:lumOff val="25000"/>
+                  </a:schemeClr>
+                </a:solidFill>
+                <a:latin typeface="微软雅黑" pitchFamily="34" charset="-122"/>
+                <a:ea typeface="微软雅黑" pitchFamily="34" charset="-122"/>
+              </a:rPr>
+              <a:t>获取每个三角面的数据</a:t>
+            </a:r>
+            <a:endParaRPr lang="en-US" altLang="zh-CN" sz="2000" dirty="0">
+              <a:solidFill>
+                <a:schemeClr val="tx1">
+                  <a:lumMod val="75000"/>
+                  <a:lumOff val="25000"/>
+                </a:schemeClr>
+              </a:solidFill>
+              <a:latin typeface="微软雅黑" pitchFamily="34" charset="-122"/>
+              <a:ea typeface="微软雅黑" pitchFamily="34" charset="-122"/>
+            </a:endParaRPr>
+          </a:p>
+        </p:txBody>
+      </p:sp>
+      <p:sp>
+        <p:nvSpPr>
+          <p:cNvPr id="10" name="圆角矩形标注 9"/>
+          <p:cNvSpPr/>
+          <p:nvPr/>
+        </p:nvSpPr>
+        <p:spPr>
+          <a:xfrm>
+            <a:off x="1907704" y="3545895"/>
+            <a:ext cx="1872208" cy="345923"/>
+          </a:xfrm>
+          <a:prstGeom prst="wedgeRoundRectCallout">
+            <a:avLst>
+              <a:gd name="adj1" fmla="val -29933"/>
+              <a:gd name="adj2" fmla="val 64339"/>
+              <a:gd name="adj3" fmla="val 16667"/>
+            </a:avLst>
+          </a:prstGeom>
+        </p:spPr>
+        <p:style>
+          <a:lnRef idx="2">
+            <a:schemeClr val="accent6"/>
+          </a:lnRef>
+          <a:fillRef idx="1">
+            <a:schemeClr val="lt1"/>
+          </a:fillRef>
+          <a:effectRef idx="0">
+            <a:schemeClr val="accent6"/>
+          </a:effectRef>
+          <a:fontRef idx="minor">
+            <a:schemeClr val="dk1"/>
+          </a:fontRef>
+        </p:style>
+        <p:txBody>
+          <a:bodyPr rtlCol="0" anchor="ctr"/>
+          <a:lstStyle/>
+          <a:p>
+            <a:pPr>
+              <a:lnSpc>
+                <a:spcPct val="150000"/>
+              </a:lnSpc>
+            </a:pPr>
+            <a:r>
+              <a:rPr lang="zh-CN" altLang="en-US" sz="2000" dirty="0" smtClean="0">
+                <a:solidFill>
+                  <a:schemeClr val="tx1">
+                    <a:lumMod val="75000"/>
+                    <a:lumOff val="25000"/>
+                  </a:schemeClr>
+                </a:solidFill>
+                <a:latin typeface="微软雅黑" pitchFamily="34" charset="-122"/>
+                <a:ea typeface="微软雅黑" pitchFamily="34" charset="-122"/>
+              </a:rPr>
+              <a:t>提取颜色信息</a:t>
             </a:r>
             <a:endParaRPr lang="en-US" altLang="zh-CN" sz="2000" dirty="0">
               <a:solidFill>
@@ -16968,7 +20418,7 @@
   <a:extraClrSchemeLst/>
   <a:extLst>
     <a:ext uri="{05A4C25C-085E-4340-85A3-A5531E510DB2}">
-      <thm15:themeFamily xmlns:thm15="http://schemas.microsoft.com/office/thememl/2012/main" xmlns="" name="Office Theme" id="{62F939B6-93AF-4DB8-9C6B-D6C7DFDC589F}" vid="{4A3C46E8-61CC-4603-A589-7422A47A8E4A}"/>
+      <thm15:themeFamily xmlns="" xmlns:thm15="http://schemas.microsoft.com/office/thememl/2012/main" name="Office Theme" id="{62F939B6-93AF-4DB8-9C6B-D6C7DFDC589F}" vid="{4A3C46E8-61CC-4603-A589-7422A47A8E4A}"/>
     </a:ext>
   </a:extLst>
 </a:theme>
